--- a/slides/Slide 13 - Drag and Drop.pptx
+++ b/slides/Slide 13 - Drag and Drop.pptx
@@ -142,6 +142,56 @@
     </a:lvl9pPr>
   </p:defaultTextStyle>
   <p:extLst>
+    <p:ext uri="{521415D9-36F7-43E2-AB2F-B90AF26B5E84}">
+      <p14:sectionLst xmlns:p14="http://schemas.microsoft.com/office/powerpoint/2010/main">
+        <p14:section name="Default Section" id="{768C8FA3-1C77-474D-B549-DA6EFC1CD228}">
+          <p14:sldIdLst>
+            <p14:sldId id="256"/>
+            <p14:sldId id="296"/>
+            <p14:sldId id="297"/>
+            <p14:sldId id="298"/>
+            <p14:sldId id="299"/>
+            <p14:sldId id="300"/>
+            <p14:sldId id="284"/>
+            <p14:sldId id="285"/>
+            <p14:sldId id="283"/>
+            <p14:sldId id="286"/>
+            <p14:sldId id="287"/>
+            <p14:sldId id="288"/>
+            <p14:sldId id="289"/>
+            <p14:sldId id="290"/>
+            <p14:sldId id="291"/>
+            <p14:sldId id="292"/>
+            <p14:sldId id="293"/>
+            <p14:sldId id="294"/>
+          </p14:sldIdLst>
+        </p14:section>
+        <p14:section name="old" id="{6C0CE996-4C8E-4070-B76C-BE15ED28567E}">
+          <p14:sldIdLst>
+            <p14:sldId id="295"/>
+            <p14:sldId id="257"/>
+            <p14:sldId id="282"/>
+            <p14:sldId id="264"/>
+            <p14:sldId id="265"/>
+            <p14:sldId id="266"/>
+            <p14:sldId id="267"/>
+            <p14:sldId id="268"/>
+            <p14:sldId id="269"/>
+            <p14:sldId id="270"/>
+            <p14:sldId id="271"/>
+            <p14:sldId id="276"/>
+            <p14:sldId id="277"/>
+            <p14:sldId id="272"/>
+            <p14:sldId id="273"/>
+            <p14:sldId id="274"/>
+            <p14:sldId id="278"/>
+            <p14:sldId id="279"/>
+            <p14:sldId id="280"/>
+            <p14:sldId id="281"/>
+          </p14:sldIdLst>
+        </p14:section>
+      </p14:sectionLst>
+    </p:ext>
     <p:ext uri="{EFAFB233-063F-42B5-8137-9DF3F51BA10A}">
       <p15:sldGuideLst xmlns:p15="http://schemas.microsoft.com/office/powerpoint/2012/main">
         <p15:guide id="1" orient="horz" pos="2160">
@@ -391,7 +441,7 @@
           <a:p>
             <a:fld id="{4118117E-79DC-422E-9D8D-B2BAAE5A855A}" type="datetimeFigureOut">
               <a:rPr lang="en-US" smtClean="0"/>
-              <a:t>5/18/2022</a:t>
+              <a:t>12/31/2022</a:t>
             </a:fld>
             <a:endParaRPr lang="en-US"/>
           </a:p>
@@ -554,7 +604,7 @@
           <a:p>
             <a:fld id="{4118117E-79DC-422E-9D8D-B2BAAE5A855A}" type="datetimeFigureOut">
               <a:rPr lang="en-US" smtClean="0"/>
-              <a:t>5/18/2022</a:t>
+              <a:t>12/31/2022</a:t>
             </a:fld>
             <a:endParaRPr lang="en-US"/>
           </a:p>
@@ -728,7 +778,7 @@
           <a:p>
             <a:fld id="{4118117E-79DC-422E-9D8D-B2BAAE5A855A}" type="datetimeFigureOut">
               <a:rPr lang="en-US" smtClean="0"/>
-              <a:t>5/18/2022</a:t>
+              <a:t>12/31/2022</a:t>
             </a:fld>
             <a:endParaRPr lang="en-US"/>
           </a:p>
@@ -891,7 +941,7 @@
           <a:p>
             <a:fld id="{4118117E-79DC-422E-9D8D-B2BAAE5A855A}" type="datetimeFigureOut">
               <a:rPr lang="en-US" smtClean="0"/>
-              <a:t>5/18/2022</a:t>
+              <a:t>12/31/2022</a:t>
             </a:fld>
             <a:endParaRPr lang="en-US"/>
           </a:p>
@@ -1132,7 +1182,7 @@
           <a:p>
             <a:fld id="{4118117E-79DC-422E-9D8D-B2BAAE5A855A}" type="datetimeFigureOut">
               <a:rPr lang="en-US" smtClean="0"/>
-              <a:t>5/18/2022</a:t>
+              <a:t>12/31/2022</a:t>
             </a:fld>
             <a:endParaRPr lang="en-US"/>
           </a:p>
@@ -1414,7 +1464,7 @@
           <a:p>
             <a:fld id="{4118117E-79DC-422E-9D8D-B2BAAE5A855A}" type="datetimeFigureOut">
               <a:rPr lang="en-US" smtClean="0"/>
-              <a:t>5/18/2022</a:t>
+              <a:t>12/31/2022</a:t>
             </a:fld>
             <a:endParaRPr lang="en-US"/>
           </a:p>
@@ -1841,7 +1891,7 @@
           <a:p>
             <a:fld id="{4118117E-79DC-422E-9D8D-B2BAAE5A855A}" type="datetimeFigureOut">
               <a:rPr lang="en-US" smtClean="0"/>
-              <a:t>5/18/2022</a:t>
+              <a:t>12/31/2022</a:t>
             </a:fld>
             <a:endParaRPr lang="en-US"/>
           </a:p>
@@ -1953,7 +2003,7 @@
           <a:p>
             <a:fld id="{4118117E-79DC-422E-9D8D-B2BAAE5A855A}" type="datetimeFigureOut">
               <a:rPr lang="en-US" smtClean="0"/>
-              <a:t>5/18/2022</a:t>
+              <a:t>12/31/2022</a:t>
             </a:fld>
             <a:endParaRPr lang="en-US"/>
           </a:p>
@@ -2043,7 +2093,7 @@
           <a:p>
             <a:fld id="{4118117E-79DC-422E-9D8D-B2BAAE5A855A}" type="datetimeFigureOut">
               <a:rPr lang="en-US" smtClean="0"/>
-              <a:t>5/18/2022</a:t>
+              <a:t>12/31/2022</a:t>
             </a:fld>
             <a:endParaRPr lang="en-US"/>
           </a:p>
@@ -2232,7 +2282,7 @@
           <a:p>
             <a:fld id="{4118117E-79DC-422E-9D8D-B2BAAE5A855A}" type="datetimeFigureOut">
               <a:rPr lang="en-US" smtClean="0"/>
-              <a:t>5/18/2022</a:t>
+              <a:t>12/31/2022</a:t>
             </a:fld>
             <a:endParaRPr lang="en-US"/>
           </a:p>
@@ -2549,7 +2599,7 @@
           <a:p>
             <a:fld id="{4118117E-79DC-422E-9D8D-B2BAAE5A855A}" type="datetimeFigureOut">
               <a:rPr lang="en-US" smtClean="0"/>
-              <a:t>5/18/2022</a:t>
+              <a:t>12/31/2022</a:t>
             </a:fld>
             <a:endParaRPr lang="en-US"/>
           </a:p>
@@ -2928,7 +2978,7 @@
           <a:p>
             <a:fld id="{4118117E-79DC-422E-9D8D-B2BAAE5A855A}" type="datetimeFigureOut">
               <a:rPr lang="en-US" smtClean="0"/>
-              <a:t>5/18/2022</a:t>
+              <a:t>12/31/2022</a:t>
             </a:fld>
             <a:endParaRPr lang="en-US"/>
           </a:p>
@@ -3273,13 +3323,8 @@
           <a:p>
             <a:r>
               <a:rPr lang="en-US" dirty="0"/>
-              <a:t>Lecture </a:t>
-            </a:r>
-            <a:r>
-              <a:rPr lang="en-US" dirty="0" smtClean="0"/>
-              <a:t>13</a:t>
-            </a:r>
-            <a:endParaRPr lang="en-US" dirty="0"/>
+              <a:t>Lecture 13</a:t>
+            </a:r>
           </a:p>
         </p:txBody>
       </p:sp>
@@ -3299,10 +3344,9 @@
           <a:lstStyle/>
           <a:p>
             <a:r>
-              <a:rPr lang="en-US" dirty="0" smtClean="0"/>
+              <a:rPr lang="en-US" dirty="0"/>
               <a:t>DRAG &amp; DROP</a:t>
             </a:r>
-            <a:endParaRPr lang="en-US" dirty="0"/>
           </a:p>
         </p:txBody>
       </p:sp>
@@ -3352,10 +3396,9 @@
           <a:lstStyle/>
           <a:p>
             <a:r>
-              <a:rPr lang="en-US" dirty="0" smtClean="0"/>
+              <a:rPr lang="en-US" dirty="0"/>
               <a:t>HTML</a:t>
             </a:r>
-            <a:endParaRPr lang="en-US" dirty="0"/>
           </a:p>
         </p:txBody>
       </p:sp>
@@ -4198,10 +4241,9 @@
           <a:lstStyle/>
           <a:p>
             <a:r>
-              <a:rPr lang="en-US" dirty="0" smtClean="0"/>
+              <a:rPr lang="en-US" dirty="0"/>
               <a:t>TS</a:t>
             </a:r>
-            <a:endParaRPr lang="en-US" dirty="0"/>
           </a:p>
         </p:txBody>
       </p:sp>
@@ -4253,22 +4295,13 @@
               <a:t>AfterViewInit</a:t>
             </a:r>
             <a:r>
-              <a:rPr lang="en-US" sz="1400" dirty="0" smtClean="0">
-                <a:solidFill>
-                  <a:srgbClr val="000000"/>
-                </a:solidFill>
-                <a:latin typeface="Consolas" panose="020B0609020204030204" pitchFamily="49" charset="0"/>
-              </a:rPr>
-              <a:t>,, </a:t>
-            </a:r>
-            <a:r>
               <a:rPr lang="en-US" sz="1400" dirty="0">
                 <a:solidFill>
                   <a:srgbClr val="000000"/>
                 </a:solidFill>
                 <a:latin typeface="Consolas" panose="020B0609020204030204" pitchFamily="49" charset="0"/>
               </a:rPr>
-              <a:t>Component, </a:t>
+              <a:t>,, Component, </a:t>
             </a:r>
             <a:r>
               <a:rPr lang="en-US" sz="1400" dirty="0" err="1">
@@ -4478,15 +4511,6 @@
             <a:pPr marL="114300" indent="0">
               <a:buNone/>
             </a:pPr>
-            <a:r>
-              <a:rPr lang="en-US" sz="1400" dirty="0">
-                <a:solidFill>
-                  <a:srgbClr val="000000"/>
-                </a:solidFill>
-                <a:latin typeface="Consolas" panose="020B0609020204030204" pitchFamily="49" charset="0"/>
-              </a:rPr>
-              <a:t/>
-            </a:r>
             <a:br>
               <a:rPr lang="en-US" sz="1400" dirty="0">
                 <a:solidFill>
@@ -4496,7 +4520,7 @@
               </a:rPr>
             </a:br>
             <a:r>
-              <a:rPr lang="en-US" sz="1400" dirty="0" smtClean="0">
+              <a:rPr lang="en-US" sz="1400" dirty="0">
                 <a:solidFill>
                   <a:srgbClr val="0000FF"/>
                 </a:solidFill>
@@ -4505,7 +4529,7 @@
               <a:t>export</a:t>
             </a:r>
             <a:r>
-              <a:rPr lang="en-US" sz="1400" dirty="0" smtClean="0">
+              <a:rPr lang="en-US" sz="1400" dirty="0">
                 <a:solidFill>
                   <a:srgbClr val="000000"/>
                 </a:solidFill>
@@ -4577,7 +4601,7 @@
               <a:t>AfterViewInit</a:t>
             </a:r>
             <a:r>
-              <a:rPr lang="en-US" sz="1400" dirty="0" smtClean="0">
+              <a:rPr lang="en-US" sz="1400" dirty="0">
                 <a:solidFill>
                   <a:srgbClr val="000000"/>
                 </a:solidFill>
@@ -4913,15 +4937,6 @@
             <a:pPr marL="114300" indent="0">
               <a:buNone/>
             </a:pPr>
-            <a:r>
-              <a:rPr lang="en-US" sz="1400" dirty="0">
-                <a:solidFill>
-                  <a:srgbClr val="000000"/>
-                </a:solidFill>
-                <a:latin typeface="Consolas" panose="020B0609020204030204" pitchFamily="49" charset="0"/>
-              </a:rPr>
-              <a:t/>
-            </a:r>
             <a:br>
               <a:rPr lang="en-US" sz="1400" dirty="0">
                 <a:solidFill>
@@ -4937,10 +4952,19 @@
                 </a:solidFill>
                 <a:latin typeface="Consolas" panose="020B0609020204030204" pitchFamily="49" charset="0"/>
               </a:rPr>
-              <a:t> </a:t>
-            </a:r>
-            <a:r>
-              <a:rPr lang="en-US" sz="1400" dirty="0" smtClean="0">
+              <a:t>  </a:t>
+            </a:r>
+            <a:r>
+              <a:rPr lang="en-US" sz="1400" dirty="0">
+                <a:solidFill>
+                  <a:srgbClr val="0000FF"/>
+                </a:solidFill>
+                <a:latin typeface="Consolas" panose="020B0609020204030204" pitchFamily="49" charset="0"/>
+              </a:rPr>
+              <a:t>public</a:t>
+            </a:r>
+            <a:r>
+              <a:rPr lang="en-US" sz="1400" dirty="0">
                 <a:solidFill>
                   <a:srgbClr val="000000"/>
                 </a:solidFill>
@@ -4949,8 +4973,130 @@
               <a:t> </a:t>
             </a:r>
             <a:r>
+              <a:rPr lang="en-US" sz="1400" dirty="0" err="1">
+                <a:solidFill>
+                  <a:srgbClr val="000000"/>
+                </a:solidFill>
+                <a:latin typeface="Consolas" panose="020B0609020204030204" pitchFamily="49" charset="0"/>
+              </a:rPr>
+              <a:t>myArray</a:t>
+            </a:r>
+            <a:r>
               <a:rPr lang="en-US" sz="1400" dirty="0">
                 <a:solidFill>
+                  <a:srgbClr val="000000"/>
+                </a:solidFill>
+                <a:latin typeface="Consolas" panose="020B0609020204030204" pitchFamily="49" charset="0"/>
+              </a:rPr>
+              <a:t> = [</a:t>
+            </a:r>
+            <a:r>
+              <a:rPr lang="en-US" sz="1400" dirty="0">
+                <a:solidFill>
+                  <a:srgbClr val="A31515"/>
+                </a:solidFill>
+                <a:latin typeface="Consolas" panose="020B0609020204030204" pitchFamily="49" charset="0"/>
+              </a:rPr>
+              <a:t>'Item 1'</a:t>
+            </a:r>
+            <a:r>
+              <a:rPr lang="en-US" sz="1400" dirty="0">
+                <a:solidFill>
+                  <a:srgbClr val="000000"/>
+                </a:solidFill>
+                <a:latin typeface="Consolas" panose="020B0609020204030204" pitchFamily="49" charset="0"/>
+              </a:rPr>
+              <a:t>,</a:t>
+            </a:r>
+            <a:r>
+              <a:rPr lang="en-US" sz="1400" dirty="0">
+                <a:solidFill>
+                  <a:srgbClr val="A31515"/>
+                </a:solidFill>
+                <a:latin typeface="Consolas" panose="020B0609020204030204" pitchFamily="49" charset="0"/>
+              </a:rPr>
+              <a:t>'Item 2'</a:t>
+            </a:r>
+            <a:r>
+              <a:rPr lang="en-US" sz="1400" dirty="0">
+                <a:solidFill>
+                  <a:srgbClr val="000000"/>
+                </a:solidFill>
+                <a:latin typeface="Consolas" panose="020B0609020204030204" pitchFamily="49" charset="0"/>
+              </a:rPr>
+              <a:t>,</a:t>
+            </a:r>
+            <a:r>
+              <a:rPr lang="en-US" sz="1400" dirty="0">
+                <a:solidFill>
+                  <a:srgbClr val="A31515"/>
+                </a:solidFill>
+                <a:latin typeface="Consolas" panose="020B0609020204030204" pitchFamily="49" charset="0"/>
+              </a:rPr>
+              <a:t>'Item 3'</a:t>
+            </a:r>
+            <a:r>
+              <a:rPr lang="en-US" sz="1400" dirty="0">
+                <a:solidFill>
+                  <a:srgbClr val="000000"/>
+                </a:solidFill>
+                <a:latin typeface="Consolas" panose="020B0609020204030204" pitchFamily="49" charset="0"/>
+              </a:rPr>
+              <a:t>,</a:t>
+            </a:r>
+            <a:r>
+              <a:rPr lang="en-US" sz="1400" dirty="0">
+                <a:solidFill>
+                  <a:srgbClr val="A31515"/>
+                </a:solidFill>
+                <a:latin typeface="Consolas" panose="020B0609020204030204" pitchFamily="49" charset="0"/>
+              </a:rPr>
+              <a:t>'Item 4'</a:t>
+            </a:r>
+            <a:r>
+              <a:rPr lang="en-US" sz="1400" dirty="0">
+                <a:solidFill>
+                  <a:srgbClr val="000000"/>
+                </a:solidFill>
+                <a:latin typeface="Consolas" panose="020B0609020204030204" pitchFamily="49" charset="0"/>
+              </a:rPr>
+              <a:t>,</a:t>
+            </a:r>
+            <a:r>
+              <a:rPr lang="en-US" sz="1400" dirty="0">
+                <a:solidFill>
+                  <a:srgbClr val="A31515"/>
+                </a:solidFill>
+                <a:latin typeface="Consolas" panose="020B0609020204030204" pitchFamily="49" charset="0"/>
+              </a:rPr>
+              <a:t>'Item 5'</a:t>
+            </a:r>
+            <a:r>
+              <a:rPr lang="en-US" sz="1400" dirty="0">
+                <a:solidFill>
+                  <a:srgbClr val="000000"/>
+                </a:solidFill>
+                <a:latin typeface="Consolas" panose="020B0609020204030204" pitchFamily="49" charset="0"/>
+              </a:rPr>
+              <a:t>];</a:t>
+            </a:r>
+          </a:p>
+          <a:p>
+            <a:pPr marL="114300" indent="0">
+              <a:buNone/>
+            </a:pPr>
+            <a:r>
+              <a:rPr lang="en-US" sz="1400" dirty="0">
+                <a:solidFill>
+                  <a:srgbClr val="000000"/>
+                </a:solidFill>
+                <a:latin typeface="Consolas" panose="020B0609020204030204" pitchFamily="49" charset="0"/>
+              </a:rPr>
+              <a:t>  </a:t>
+            </a:r>
+            <a:r>
+              <a:rPr lang="en-US" sz="1400" dirty="0">
+                <a:solidFill>
                   <a:srgbClr val="0000FF"/>
                 </a:solidFill>
                 <a:latin typeface="Consolas" panose="020B0609020204030204" pitchFamily="49" charset="0"/>
@@ -4973,7 +5119,7 @@
                 </a:solidFill>
                 <a:latin typeface="Consolas" panose="020B0609020204030204" pitchFamily="49" charset="0"/>
               </a:rPr>
-              <a:t>myArray</a:t>
+              <a:t>teamA</a:t>
             </a:r>
             <a:r>
               <a:rPr lang="en-US" sz="1400" dirty="0">
@@ -4982,34 +5128,48 @@
                 </a:solidFill>
                 <a:latin typeface="Consolas" panose="020B0609020204030204" pitchFamily="49" charset="0"/>
               </a:rPr>
-              <a:t> = [</a:t>
-            </a:r>
+              <a:t> = [];</a:t>
+            </a:r>
+          </a:p>
+          <a:p>
+            <a:pPr marL="114300" indent="0">
+              <a:buNone/>
+            </a:pPr>
             <a:r>
               <a:rPr lang="en-US" sz="1400" dirty="0">
                 <a:solidFill>
-                  <a:srgbClr val="A31515"/>
-                </a:solidFill>
-                <a:latin typeface="Consolas" panose="020B0609020204030204" pitchFamily="49" charset="0"/>
-              </a:rPr>
-              <a:t>'Item 1'</a:t>
+                  <a:srgbClr val="000000"/>
+                </a:solidFill>
+                <a:latin typeface="Consolas" panose="020B0609020204030204" pitchFamily="49" charset="0"/>
+              </a:rPr>
+              <a:t>  </a:t>
             </a:r>
             <a:r>
               <a:rPr lang="en-US" sz="1400" dirty="0">
                 <a:solidFill>
-                  <a:srgbClr val="000000"/>
-                </a:solidFill>
-                <a:latin typeface="Consolas" panose="020B0609020204030204" pitchFamily="49" charset="0"/>
-              </a:rPr>
-              <a:t>,</a:t>
+                  <a:srgbClr val="0000FF"/>
+                </a:solidFill>
+                <a:latin typeface="Consolas" panose="020B0609020204030204" pitchFamily="49" charset="0"/>
+              </a:rPr>
+              <a:t>public</a:t>
             </a:r>
             <a:r>
               <a:rPr lang="en-US" sz="1400" dirty="0">
                 <a:solidFill>
-                  <a:srgbClr val="A31515"/>
-                </a:solidFill>
-                <a:latin typeface="Consolas" panose="020B0609020204030204" pitchFamily="49" charset="0"/>
-              </a:rPr>
-              <a:t>'Item 2'</a:t>
+                  <a:srgbClr val="000000"/>
+                </a:solidFill>
+                <a:latin typeface="Consolas" panose="020B0609020204030204" pitchFamily="49" charset="0"/>
+              </a:rPr>
+              <a:t> </a:t>
+            </a:r>
+            <a:r>
+              <a:rPr lang="en-US" sz="1400" dirty="0" err="1">
+                <a:solidFill>
+                  <a:srgbClr val="000000"/>
+                </a:solidFill>
+                <a:latin typeface="Consolas" panose="020B0609020204030204" pitchFamily="49" charset="0"/>
+              </a:rPr>
+              <a:t>teamB</a:t>
             </a:r>
             <a:r>
               <a:rPr lang="en-US" sz="1400" dirty="0">
@@ -5018,17 +5178,27 @@
                 </a:solidFill>
                 <a:latin typeface="Consolas" panose="020B0609020204030204" pitchFamily="49" charset="0"/>
               </a:rPr>
-              <a:t>,</a:t>
-            </a:r>
+              <a:t> = [];</a:t>
+            </a:r>
+          </a:p>
+          <a:p>
+            <a:pPr marL="114300" indent="0">
+              <a:buNone/>
+            </a:pPr>
             <a:r>
               <a:rPr lang="en-US" sz="1400" dirty="0">
                 <a:solidFill>
-                  <a:srgbClr val="A31515"/>
-                </a:solidFill>
-                <a:latin typeface="Consolas" panose="020B0609020204030204" pitchFamily="49" charset="0"/>
-              </a:rPr>
-              <a:t>'Item 3'</a:t>
-            </a:r>
+                  <a:srgbClr val="000000"/>
+                </a:solidFill>
+                <a:latin typeface="Consolas" panose="020B0609020204030204" pitchFamily="49" charset="0"/>
+              </a:rPr>
+              <a:t>   </a:t>
+            </a:r>
+          </a:p>
+          <a:p>
+            <a:pPr marL="114300" indent="0">
+              <a:buNone/>
+            </a:pPr>
             <a:r>
               <a:rPr lang="en-US" sz="1400" dirty="0">
                 <a:solidFill>
@@ -5036,16 +5206,16 @@
                 </a:solidFill>
                 <a:latin typeface="Consolas" panose="020B0609020204030204" pitchFamily="49" charset="0"/>
               </a:rPr>
-              <a:t>,</a:t>
+              <a:t>  </a:t>
             </a:r>
             <a:r>
               <a:rPr lang="en-US" sz="1400" dirty="0">
                 <a:solidFill>
-                  <a:srgbClr val="A31515"/>
-                </a:solidFill>
-                <a:latin typeface="Consolas" panose="020B0609020204030204" pitchFamily="49" charset="0"/>
-              </a:rPr>
-              <a:t>'Item 4'</a:t>
+                  <a:srgbClr val="0000FF"/>
+                </a:solidFill>
+                <a:latin typeface="Consolas" panose="020B0609020204030204" pitchFamily="49" charset="0"/>
+              </a:rPr>
+              <a:t>constructor</a:t>
             </a:r>
             <a:r>
               <a:rPr lang="en-US" sz="1400" dirty="0">
@@ -5054,16 +5224,16 @@
                 </a:solidFill>
                 <a:latin typeface="Consolas" panose="020B0609020204030204" pitchFamily="49" charset="0"/>
               </a:rPr>
-              <a:t>,</a:t>
+              <a:t>(</a:t>
             </a:r>
             <a:r>
               <a:rPr lang="en-US" sz="1400" dirty="0">
                 <a:solidFill>
-                  <a:srgbClr val="A31515"/>
-                </a:solidFill>
-                <a:latin typeface="Consolas" panose="020B0609020204030204" pitchFamily="49" charset="0"/>
-              </a:rPr>
-              <a:t>'Item 5'</a:t>
+                  <a:srgbClr val="0000FF"/>
+                </a:solidFill>
+                <a:latin typeface="Consolas" panose="020B0609020204030204" pitchFamily="49" charset="0"/>
+              </a:rPr>
+              <a:t>private</a:t>
             </a:r>
             <a:r>
               <a:rPr lang="en-US" sz="1400" dirty="0">
@@ -5072,13 +5242,17 @@
                 </a:solidFill>
                 <a:latin typeface="Consolas" panose="020B0609020204030204" pitchFamily="49" charset="0"/>
               </a:rPr>
-              <a:t>];</a:t>
-            </a:r>
-          </a:p>
-          <a:p>
-            <a:pPr marL="114300" indent="0">
-              <a:buNone/>
-            </a:pPr>
+              <a:t> </a:t>
+            </a:r>
+            <a:r>
+              <a:rPr lang="en-US" sz="1400" dirty="0" err="1">
+                <a:solidFill>
+                  <a:srgbClr val="000000"/>
+                </a:solidFill>
+                <a:latin typeface="Consolas" panose="020B0609020204030204" pitchFamily="49" charset="0"/>
+              </a:rPr>
+              <a:t>gestureCtrl</a:t>
+            </a:r>
             <a:r>
               <a:rPr lang="en-US" sz="1400" dirty="0">
                 <a:solidFill>
@@ -5086,200 +5260,26 @@
                 </a:solidFill>
                 <a:latin typeface="Consolas" panose="020B0609020204030204" pitchFamily="49" charset="0"/>
               </a:rPr>
-              <a:t>  </a:t>
+              <a:t>: </a:t>
+            </a:r>
+            <a:r>
+              <a:rPr lang="en-US" sz="1400" dirty="0" err="1">
+                <a:solidFill>
+                  <a:srgbClr val="000000"/>
+                </a:solidFill>
+                <a:latin typeface="Consolas" panose="020B0609020204030204" pitchFamily="49" charset="0"/>
+              </a:rPr>
+              <a:t>GestureController</a:t>
             </a:r>
             <a:r>
               <a:rPr lang="en-US" sz="1400" dirty="0">
                 <a:solidFill>
-                  <a:srgbClr val="0000FF"/>
-                </a:solidFill>
-                <a:latin typeface="Consolas" panose="020B0609020204030204" pitchFamily="49" charset="0"/>
-              </a:rPr>
-              <a:t>public</a:t>
-            </a:r>
-            <a:r>
-              <a:rPr lang="en-US" sz="1400" dirty="0">
-                <a:solidFill>
-                  <a:srgbClr val="000000"/>
-                </a:solidFill>
-                <a:latin typeface="Consolas" panose="020B0609020204030204" pitchFamily="49" charset="0"/>
-              </a:rPr>
-              <a:t> </a:t>
-            </a:r>
-            <a:r>
-              <a:rPr lang="en-US" sz="1400" dirty="0" err="1">
-                <a:solidFill>
-                  <a:srgbClr val="000000"/>
-                </a:solidFill>
-                <a:latin typeface="Consolas" panose="020B0609020204030204" pitchFamily="49" charset="0"/>
-              </a:rPr>
-              <a:t>teamA</a:t>
-            </a:r>
-            <a:r>
-              <a:rPr lang="en-US" sz="1400" dirty="0">
-                <a:solidFill>
-                  <a:srgbClr val="000000"/>
-                </a:solidFill>
-                <a:latin typeface="Consolas" panose="020B0609020204030204" pitchFamily="49" charset="0"/>
-              </a:rPr>
-              <a:t> = [];</a:t>
-            </a:r>
-          </a:p>
-          <a:p>
-            <a:pPr marL="114300" indent="0">
-              <a:buNone/>
-            </a:pPr>
-            <a:r>
-              <a:rPr lang="en-US" sz="1400" dirty="0">
-                <a:solidFill>
-                  <a:srgbClr val="000000"/>
-                </a:solidFill>
-                <a:latin typeface="Consolas" panose="020B0609020204030204" pitchFamily="49" charset="0"/>
-              </a:rPr>
-              <a:t>  </a:t>
-            </a:r>
-            <a:r>
-              <a:rPr lang="en-US" sz="1400" dirty="0">
-                <a:solidFill>
-                  <a:srgbClr val="0000FF"/>
-                </a:solidFill>
-                <a:latin typeface="Consolas" panose="020B0609020204030204" pitchFamily="49" charset="0"/>
-              </a:rPr>
-              <a:t>public</a:t>
-            </a:r>
-            <a:r>
-              <a:rPr lang="en-US" sz="1400" dirty="0">
-                <a:solidFill>
-                  <a:srgbClr val="000000"/>
-                </a:solidFill>
-                <a:latin typeface="Consolas" panose="020B0609020204030204" pitchFamily="49" charset="0"/>
-              </a:rPr>
-              <a:t> </a:t>
-            </a:r>
-            <a:r>
-              <a:rPr lang="en-US" sz="1400" dirty="0" err="1">
-                <a:solidFill>
-                  <a:srgbClr val="000000"/>
-                </a:solidFill>
-                <a:latin typeface="Consolas" panose="020B0609020204030204" pitchFamily="49" charset="0"/>
-              </a:rPr>
-              <a:t>teamB</a:t>
-            </a:r>
-            <a:r>
-              <a:rPr lang="en-US" sz="1400" dirty="0">
-                <a:solidFill>
-                  <a:srgbClr val="000000"/>
-                </a:solidFill>
-                <a:latin typeface="Consolas" panose="020B0609020204030204" pitchFamily="49" charset="0"/>
-              </a:rPr>
-              <a:t> = [];</a:t>
-            </a:r>
-          </a:p>
-          <a:p>
-            <a:pPr marL="114300" indent="0">
-              <a:buNone/>
-            </a:pPr>
-            <a:r>
-              <a:rPr lang="en-US" sz="1400" dirty="0">
-                <a:solidFill>
-                  <a:srgbClr val="000000"/>
-                </a:solidFill>
-                <a:latin typeface="Consolas" panose="020B0609020204030204" pitchFamily="49" charset="0"/>
-              </a:rPr>
-              <a:t>   </a:t>
-            </a:r>
-          </a:p>
-          <a:p>
-            <a:pPr marL="114300" indent="0">
-              <a:buNone/>
-            </a:pPr>
-            <a:r>
-              <a:rPr lang="en-US" sz="1400" dirty="0">
-                <a:solidFill>
-                  <a:srgbClr val="000000"/>
-                </a:solidFill>
-                <a:latin typeface="Consolas" panose="020B0609020204030204" pitchFamily="49" charset="0"/>
-              </a:rPr>
-              <a:t>  </a:t>
-            </a:r>
-            <a:r>
-              <a:rPr lang="en-US" sz="1400" dirty="0">
-                <a:solidFill>
-                  <a:srgbClr val="0000FF"/>
-                </a:solidFill>
-                <a:latin typeface="Consolas" panose="020B0609020204030204" pitchFamily="49" charset="0"/>
-              </a:rPr>
-              <a:t>constructor</a:t>
-            </a:r>
-            <a:r>
-              <a:rPr lang="en-US" sz="1400" dirty="0">
-                <a:solidFill>
-                  <a:srgbClr val="000000"/>
-                </a:solidFill>
-                <a:latin typeface="Consolas" panose="020B0609020204030204" pitchFamily="49" charset="0"/>
-              </a:rPr>
-              <a:t>(</a:t>
-            </a:r>
-            <a:r>
-              <a:rPr lang="en-US" sz="1400" dirty="0">
-                <a:solidFill>
-                  <a:srgbClr val="0000FF"/>
-                </a:solidFill>
-                <a:latin typeface="Consolas" panose="020B0609020204030204" pitchFamily="49" charset="0"/>
-              </a:rPr>
-              <a:t>private</a:t>
-            </a:r>
-            <a:r>
-              <a:rPr lang="en-US" sz="1400" dirty="0">
-                <a:solidFill>
-                  <a:srgbClr val="000000"/>
-                </a:solidFill>
-                <a:latin typeface="Consolas" panose="020B0609020204030204" pitchFamily="49" charset="0"/>
-              </a:rPr>
-              <a:t> </a:t>
-            </a:r>
-            <a:r>
-              <a:rPr lang="en-US" sz="1400" dirty="0" err="1">
-                <a:solidFill>
-                  <a:srgbClr val="000000"/>
-                </a:solidFill>
-                <a:latin typeface="Consolas" panose="020B0609020204030204" pitchFamily="49" charset="0"/>
-              </a:rPr>
-              <a:t>gestureCtrl</a:t>
-            </a:r>
-            <a:r>
-              <a:rPr lang="en-US" sz="1400" dirty="0">
-                <a:solidFill>
-                  <a:srgbClr val="000000"/>
-                </a:solidFill>
-                <a:latin typeface="Consolas" panose="020B0609020204030204" pitchFamily="49" charset="0"/>
-              </a:rPr>
-              <a:t>: </a:t>
-            </a:r>
-            <a:r>
-              <a:rPr lang="en-US" sz="1400" dirty="0" err="1" smtClean="0">
-                <a:solidFill>
-                  <a:srgbClr val="000000"/>
-                </a:solidFill>
-                <a:latin typeface="Consolas" panose="020B0609020204030204" pitchFamily="49" charset="0"/>
-              </a:rPr>
-              <a:t>GestureController</a:t>
-            </a:r>
-            <a:r>
-              <a:rPr lang="en-US" sz="1400" dirty="0" smtClean="0">
-                <a:solidFill>
                   <a:srgbClr val="000000"/>
                 </a:solidFill>
                 <a:latin typeface="Consolas" panose="020B0609020204030204" pitchFamily="49" charset="0"/>
               </a:rPr>
               <a:t>){}</a:t>
             </a:r>
-            <a:endParaRPr lang="en-US" sz="1400" dirty="0">
-              <a:solidFill>
-                <a:srgbClr val="000000"/>
-              </a:solidFill>
-              <a:latin typeface="Consolas" panose="020B0609020204030204" pitchFamily="49" charset="0"/>
-            </a:endParaRPr>
           </a:p>
           <a:p>
             <a:pPr marL="114300" indent="0">
@@ -5335,10 +5335,9 @@
           <a:lstStyle/>
           <a:p>
             <a:r>
-              <a:rPr lang="en-US" dirty="0" smtClean="0"/>
+              <a:rPr lang="en-US" dirty="0"/>
               <a:t>CSS</a:t>
             </a:r>
-            <a:endParaRPr lang="en-US" dirty="0"/>
           </a:p>
         </p:txBody>
       </p:sp>
@@ -5608,15 +5607,6 @@
             <a:pPr marL="114300" indent="0">
               <a:buNone/>
             </a:pPr>
-            <a:r>
-              <a:rPr lang="en-US" dirty="0">
-                <a:solidFill>
-                  <a:srgbClr val="000000"/>
-                </a:solidFill>
-                <a:latin typeface="Consolas" panose="020B0609020204030204" pitchFamily="49" charset="0"/>
-              </a:rPr>
-              <a:t/>
-            </a:r>
             <a:br>
               <a:rPr lang="en-US" dirty="0">
                 <a:solidFill>
@@ -6157,15 +6147,6 @@
             <a:pPr marL="114300" indent="0">
               <a:buNone/>
             </a:pPr>
-            <a:r>
-              <a:rPr lang="en-US" dirty="0">
-                <a:solidFill>
-                  <a:srgbClr val="000000"/>
-                </a:solidFill>
-                <a:latin typeface="Consolas" panose="020B0609020204030204" pitchFamily="49" charset="0"/>
-              </a:rPr>
-              <a:t/>
-            </a:r>
             <a:br>
               <a:rPr lang="en-US" dirty="0">
                 <a:solidFill>
@@ -6311,10 +6292,9 @@
           <a:lstStyle/>
           <a:p>
             <a:r>
-              <a:rPr lang="en-US" dirty="0" smtClean="0"/>
+              <a:rPr lang="en-US" dirty="0"/>
               <a:t>Complete TS</a:t>
             </a:r>
-            <a:endParaRPr lang="en-US" dirty="0"/>
           </a:p>
         </p:txBody>
       </p:sp>
@@ -6600,15 +6580,6 @@
             <a:pPr marL="114300" indent="0">
               <a:buNone/>
             </a:pPr>
-            <a:r>
-              <a:rPr lang="en-US" dirty="0">
-                <a:solidFill>
-                  <a:srgbClr val="000000"/>
-                </a:solidFill>
-                <a:latin typeface="Consolas" panose="020B0609020204030204" pitchFamily="49" charset="0"/>
-              </a:rPr>
-              <a:t/>
-            </a:r>
             <a:br>
               <a:rPr lang="en-US" dirty="0">
                 <a:solidFill>
@@ -7202,15 +7173,6 @@
             <a:pPr marL="114300" indent="0">
               <a:buNone/>
             </a:pPr>
-            <a:r>
-              <a:rPr lang="en-US" dirty="0">
-                <a:solidFill>
-                  <a:srgbClr val="000000"/>
-                </a:solidFill>
-                <a:latin typeface="Consolas" panose="020B0609020204030204" pitchFamily="49" charset="0"/>
-              </a:rPr>
-              <a:t/>
-            </a:r>
             <a:br>
               <a:rPr lang="en-US" dirty="0">
                 <a:solidFill>
@@ -7229,7 +7191,7 @@
               <a:t>  </a:t>
             </a:r>
             <a:r>
-              <a:rPr lang="en-US" dirty="0" smtClean="0">
+              <a:rPr lang="en-US" dirty="0">
                 <a:solidFill>
                   <a:srgbClr val="0000FF"/>
                 </a:solidFill>
@@ -7238,7 +7200,7 @@
               <a:t>public</a:t>
             </a:r>
             <a:r>
-              <a:rPr lang="en-US" dirty="0" smtClean="0">
+              <a:rPr lang="en-US" dirty="0">
                 <a:solidFill>
                   <a:srgbClr val="000000"/>
                 </a:solidFill>
@@ -7605,10 +7567,9 @@
           <a:lstStyle/>
           <a:p>
             <a:r>
-              <a:rPr lang="en-US" dirty="0" smtClean="0"/>
+              <a:rPr lang="en-US" dirty="0"/>
               <a:t>Continue TS</a:t>
             </a:r>
-            <a:endParaRPr lang="en-US" dirty="0"/>
           </a:p>
         </p:txBody>
       </p:sp>
@@ -7633,7 +7594,7 @@
               <a:buNone/>
             </a:pPr>
             <a:r>
-              <a:rPr lang="en-US" dirty="0" smtClean="0">
+              <a:rPr lang="en-US" dirty="0">
                 <a:solidFill>
                   <a:srgbClr val="0000FF"/>
                 </a:solidFill>
@@ -7642,7 +7603,7 @@
               <a:t>constructor</a:t>
             </a:r>
             <a:r>
-              <a:rPr lang="en-US" dirty="0" smtClean="0">
+              <a:rPr lang="en-US" dirty="0">
                 <a:solidFill>
                   <a:srgbClr val="000000"/>
                 </a:solidFill>
@@ -7651,7 +7612,7 @@
               <a:t>(</a:t>
             </a:r>
             <a:r>
-              <a:rPr lang="en-US" dirty="0" smtClean="0">
+              <a:rPr lang="en-US" dirty="0">
                 <a:solidFill>
                   <a:srgbClr val="0000FF"/>
                 </a:solidFill>
@@ -7660,7 +7621,7 @@
               <a:t>private</a:t>
             </a:r>
             <a:r>
-              <a:rPr lang="en-US" dirty="0" smtClean="0">
+              <a:rPr lang="en-US" dirty="0">
                 <a:solidFill>
                   <a:srgbClr val="000000"/>
                 </a:solidFill>
@@ -7763,15 +7724,6 @@
             <a:pPr marL="114300" indent="0">
               <a:buNone/>
             </a:pPr>
-            <a:r>
-              <a:rPr lang="en-US" dirty="0">
-                <a:solidFill>
-                  <a:srgbClr val="000000"/>
-                </a:solidFill>
-                <a:latin typeface="Consolas" panose="020B0609020204030204" pitchFamily="49" charset="0"/>
-              </a:rPr>
-              <a:t/>
-            </a:r>
             <a:br>
               <a:rPr lang="en-US" dirty="0">
                 <a:solidFill>
@@ -7867,53 +7819,6 @@
             <a:pPr marL="114300" indent="0">
               <a:buNone/>
             </a:pPr>
-            <a:endParaRPr lang="en-US" dirty="0" smtClean="0">
-              <a:solidFill>
-                <a:srgbClr val="000000"/>
-              </a:solidFill>
-              <a:latin typeface="Consolas" panose="020B0609020204030204" pitchFamily="49" charset="0"/>
-            </a:endParaRPr>
-          </a:p>
-          <a:p>
-            <a:pPr marL="114300" indent="0">
-              <a:buNone/>
-            </a:pPr>
-            <a:r>
-              <a:rPr lang="en-US" dirty="0">
-                <a:solidFill>
-                  <a:srgbClr val="008000"/>
-                </a:solidFill>
-                <a:latin typeface="Consolas" panose="020B0609020204030204" pitchFamily="49" charset="0"/>
-              </a:rPr>
-              <a:t>// Remove and add gestures based on </a:t>
-            </a:r>
-            <a:r>
-              <a:rPr lang="en-US" dirty="0" err="1">
-                <a:solidFill>
-                  <a:srgbClr val="008000"/>
-                </a:solidFill>
-                <a:latin typeface="Consolas" panose="020B0609020204030204" pitchFamily="49" charset="0"/>
-              </a:rPr>
-              <a:t>ViewChildren</a:t>
-            </a:r>
-            <a:r>
-              <a:rPr lang="en-US" dirty="0">
-                <a:solidFill>
-                  <a:srgbClr val="008000"/>
-                </a:solidFill>
-                <a:latin typeface="Consolas" panose="020B0609020204030204" pitchFamily="49" charset="0"/>
-              </a:rPr>
-              <a:t> </a:t>
-            </a:r>
-            <a:r>
-              <a:rPr lang="en-US" dirty="0" err="1">
-                <a:solidFill>
-                  <a:srgbClr val="008000"/>
-                </a:solidFill>
-                <a:latin typeface="Consolas" panose="020B0609020204030204" pitchFamily="49" charset="0"/>
-              </a:rPr>
-              <a:t>Querylist</a:t>
-            </a:r>
             <a:endParaRPr lang="en-US" dirty="0">
               <a:solidFill>
                 <a:srgbClr val="000000"/>
@@ -7928,6 +7833,53 @@
             <a:r>
               <a:rPr lang="en-US" dirty="0">
                 <a:solidFill>
+                  <a:srgbClr val="008000"/>
+                </a:solidFill>
+                <a:latin typeface="Consolas" panose="020B0609020204030204" pitchFamily="49" charset="0"/>
+              </a:rPr>
+              <a:t>// Remove and add gestures based on </a:t>
+            </a:r>
+            <a:r>
+              <a:rPr lang="en-US" dirty="0" err="1">
+                <a:solidFill>
+                  <a:srgbClr val="008000"/>
+                </a:solidFill>
+                <a:latin typeface="Consolas" panose="020B0609020204030204" pitchFamily="49" charset="0"/>
+              </a:rPr>
+              <a:t>ViewChildren</a:t>
+            </a:r>
+            <a:r>
+              <a:rPr lang="en-US" dirty="0">
+                <a:solidFill>
+                  <a:srgbClr val="008000"/>
+                </a:solidFill>
+                <a:latin typeface="Consolas" panose="020B0609020204030204" pitchFamily="49" charset="0"/>
+              </a:rPr>
+              <a:t> </a:t>
+            </a:r>
+            <a:r>
+              <a:rPr lang="en-US" dirty="0" err="1">
+                <a:solidFill>
+                  <a:srgbClr val="008000"/>
+                </a:solidFill>
+                <a:latin typeface="Consolas" panose="020B0609020204030204" pitchFamily="49" charset="0"/>
+              </a:rPr>
+              <a:t>Querylist</a:t>
+            </a:r>
+            <a:endParaRPr lang="en-US" dirty="0">
+              <a:solidFill>
+                <a:srgbClr val="000000"/>
+              </a:solidFill>
+              <a:latin typeface="Consolas" panose="020B0609020204030204" pitchFamily="49" charset="0"/>
+            </a:endParaRPr>
+          </a:p>
+          <a:p>
+            <a:pPr marL="114300" indent="0">
+              <a:buNone/>
+            </a:pPr>
+            <a:r>
+              <a:rPr lang="en-US" dirty="0">
+                <a:solidFill>
                   <a:srgbClr val="000000"/>
                 </a:solidFill>
                 <a:latin typeface="Consolas" panose="020B0609020204030204" pitchFamily="49" charset="0"/>
@@ -8075,15 +8027,6 @@
             <a:pPr marL="114300" indent="0">
               <a:buNone/>
             </a:pPr>
-            <a:r>
-              <a:rPr lang="en-US" dirty="0">
-                <a:solidFill>
-                  <a:srgbClr val="000000"/>
-                </a:solidFill>
-                <a:latin typeface="Consolas" panose="020B0609020204030204" pitchFamily="49" charset="0"/>
-              </a:rPr>
-              <a:t/>
-            </a:r>
             <a:br>
               <a:rPr lang="en-US" dirty="0">
                 <a:solidFill>
@@ -8102,7 +8045,7 @@
               <a:t>      </a:t>
             </a:r>
             <a:r>
-              <a:rPr lang="en-US" dirty="0" err="1" smtClean="0">
+              <a:rPr lang="en-US" dirty="0" err="1">
                 <a:solidFill>
                   <a:srgbClr val="0000FF"/>
                 </a:solidFill>
@@ -8111,7 +8054,7 @@
               <a:t>const</a:t>
             </a:r>
             <a:r>
-              <a:rPr lang="en-US" dirty="0" smtClean="0">
+              <a:rPr lang="en-US" dirty="0">
                 <a:solidFill>
                   <a:srgbClr val="000000"/>
                 </a:solidFill>
@@ -8193,10 +8136,37 @@
                 </a:solidFill>
                 <a:latin typeface="Consolas" panose="020B0609020204030204" pitchFamily="49" charset="0"/>
               </a:rPr>
-              <a:t>     </a:t>
-            </a:r>
-            <a:r>
-              <a:rPr lang="en-US" dirty="0" smtClean="0">
+              <a:t>      </a:t>
+            </a:r>
+            <a:r>
+              <a:rPr lang="en-US" dirty="0">
+                <a:solidFill>
+                  <a:srgbClr val="0000FF"/>
+                </a:solidFill>
+                <a:latin typeface="Consolas" panose="020B0609020204030204" pitchFamily="49" charset="0"/>
+              </a:rPr>
+              <a:t>for</a:t>
+            </a:r>
+            <a:r>
+              <a:rPr lang="en-US" dirty="0">
+                <a:solidFill>
+                  <a:srgbClr val="000000"/>
+                </a:solidFill>
+                <a:latin typeface="Consolas" panose="020B0609020204030204" pitchFamily="49" charset="0"/>
+              </a:rPr>
+              <a:t> (</a:t>
+            </a:r>
+            <a:r>
+              <a:rPr lang="en-US" dirty="0">
+                <a:solidFill>
+                  <a:srgbClr val="0000FF"/>
+                </a:solidFill>
+                <a:latin typeface="Consolas" panose="020B0609020204030204" pitchFamily="49" charset="0"/>
+              </a:rPr>
+              <a:t>let</a:t>
+            </a:r>
+            <a:r>
+              <a:rPr lang="en-US" dirty="0">
                 <a:solidFill>
                   <a:srgbClr val="000000"/>
                 </a:solidFill>
@@ -8205,31 +8175,117 @@
               <a:t> </a:t>
             </a:r>
             <a:r>
-              <a:rPr lang="en-US" dirty="0">
+              <a:rPr lang="en-US" dirty="0" err="1">
+                <a:solidFill>
+                  <a:srgbClr val="000000"/>
+                </a:solidFill>
+                <a:latin typeface="Consolas" panose="020B0609020204030204" pitchFamily="49" charset="0"/>
+              </a:rPr>
+              <a:t>i</a:t>
+            </a:r>
+            <a:r>
+              <a:rPr lang="en-US" dirty="0">
+                <a:solidFill>
+                  <a:srgbClr val="000000"/>
+                </a:solidFill>
+                <a:latin typeface="Consolas" panose="020B0609020204030204" pitchFamily="49" charset="0"/>
+              </a:rPr>
+              <a:t>=</a:t>
+            </a:r>
+            <a:r>
+              <a:rPr lang="en-US" dirty="0">
+                <a:solidFill>
+                  <a:srgbClr val="098658"/>
+                </a:solidFill>
+                <a:latin typeface="Consolas" panose="020B0609020204030204" pitchFamily="49" charset="0"/>
+              </a:rPr>
+              <a:t>0</a:t>
+            </a:r>
+            <a:r>
+              <a:rPr lang="en-US" dirty="0">
+                <a:solidFill>
+                  <a:srgbClr val="000000"/>
+                </a:solidFill>
+                <a:latin typeface="Consolas" panose="020B0609020204030204" pitchFamily="49" charset="0"/>
+              </a:rPr>
+              <a:t>; </a:t>
+            </a:r>
+            <a:r>
+              <a:rPr lang="en-US" dirty="0" err="1">
+                <a:solidFill>
+                  <a:srgbClr val="000000"/>
+                </a:solidFill>
+                <a:latin typeface="Consolas" panose="020B0609020204030204" pitchFamily="49" charset="0"/>
+              </a:rPr>
+              <a:t>i</a:t>
+            </a:r>
+            <a:r>
+              <a:rPr lang="en-US" dirty="0">
+                <a:solidFill>
+                  <a:srgbClr val="000000"/>
+                </a:solidFill>
+                <a:latin typeface="Consolas" panose="020B0609020204030204" pitchFamily="49" charset="0"/>
+              </a:rPr>
+              <a:t>&lt;</a:t>
+            </a:r>
+            <a:r>
+              <a:rPr lang="en-US" dirty="0" err="1">
+                <a:solidFill>
+                  <a:srgbClr val="000000"/>
+                </a:solidFill>
+                <a:latin typeface="Consolas" panose="020B0609020204030204" pitchFamily="49" charset="0"/>
+              </a:rPr>
+              <a:t>arr.length</a:t>
+            </a:r>
+            <a:r>
+              <a:rPr lang="en-US" dirty="0">
+                <a:solidFill>
+                  <a:srgbClr val="000000"/>
+                </a:solidFill>
+                <a:latin typeface="Consolas" panose="020B0609020204030204" pitchFamily="49" charset="0"/>
+              </a:rPr>
+              <a:t>; </a:t>
+            </a:r>
+            <a:r>
+              <a:rPr lang="en-US" dirty="0" err="1">
+                <a:solidFill>
+                  <a:srgbClr val="000000"/>
+                </a:solidFill>
+                <a:latin typeface="Consolas" panose="020B0609020204030204" pitchFamily="49" charset="0"/>
+              </a:rPr>
+              <a:t>i</a:t>
+            </a:r>
+            <a:r>
+              <a:rPr lang="en-US" dirty="0">
+                <a:solidFill>
+                  <a:srgbClr val="000000"/>
+                </a:solidFill>
+                <a:latin typeface="Consolas" panose="020B0609020204030204" pitchFamily="49" charset="0"/>
+              </a:rPr>
+              <a:t>++){</a:t>
+            </a:r>
+          </a:p>
+          <a:p>
+            <a:pPr marL="114300" indent="0">
+              <a:buNone/>
+            </a:pPr>
+            <a:r>
+              <a:rPr lang="en-US" dirty="0">
+                <a:solidFill>
+                  <a:srgbClr val="000000"/>
+                </a:solidFill>
+                <a:latin typeface="Consolas" panose="020B0609020204030204" pitchFamily="49" charset="0"/>
+              </a:rPr>
+              <a:t>        </a:t>
+            </a:r>
+            <a:r>
+              <a:rPr lang="en-US" dirty="0" err="1">
                 <a:solidFill>
                   <a:srgbClr val="0000FF"/>
                 </a:solidFill>
                 <a:latin typeface="Consolas" panose="020B0609020204030204" pitchFamily="49" charset="0"/>
               </a:rPr>
-              <a:t>for</a:t>
-            </a:r>
-            <a:r>
-              <a:rPr lang="en-US" dirty="0">
-                <a:solidFill>
-                  <a:srgbClr val="000000"/>
-                </a:solidFill>
-                <a:latin typeface="Consolas" panose="020B0609020204030204" pitchFamily="49" charset="0"/>
-              </a:rPr>
-              <a:t> (</a:t>
-            </a:r>
-            <a:r>
-              <a:rPr lang="en-US" dirty="0">
-                <a:solidFill>
-                  <a:srgbClr val="0000FF"/>
-                </a:solidFill>
-                <a:latin typeface="Consolas" panose="020B0609020204030204" pitchFamily="49" charset="0"/>
-              </a:rPr>
-              <a:t>let</a:t>
+              <a:t>const</a:t>
             </a:r>
             <a:r>
               <a:rPr lang="en-US" dirty="0">
@@ -8247,6 +8303,42 @@
                 </a:solidFill>
                 <a:latin typeface="Consolas" panose="020B0609020204030204" pitchFamily="49" charset="0"/>
               </a:rPr>
+              <a:t>oneItem</a:t>
+            </a:r>
+            <a:r>
+              <a:rPr lang="en-US" dirty="0">
+                <a:solidFill>
+                  <a:srgbClr val="000000"/>
+                </a:solidFill>
+                <a:latin typeface="Consolas" panose="020B0609020204030204" pitchFamily="49" charset="0"/>
+              </a:rPr>
+              <a:t> = </a:t>
+            </a:r>
+            <a:r>
+              <a:rPr lang="en-US" dirty="0" err="1">
+                <a:solidFill>
+                  <a:srgbClr val="000000"/>
+                </a:solidFill>
+                <a:latin typeface="Consolas" panose="020B0609020204030204" pitchFamily="49" charset="0"/>
+              </a:rPr>
+              <a:t>arr</a:t>
+            </a:r>
+            <a:r>
+              <a:rPr lang="en-US" dirty="0">
+                <a:solidFill>
+                  <a:srgbClr val="000000"/>
+                </a:solidFill>
+                <a:latin typeface="Consolas" panose="020B0609020204030204" pitchFamily="49" charset="0"/>
+              </a:rPr>
+              <a:t>[</a:t>
+            </a:r>
+            <a:r>
+              <a:rPr lang="en-US" dirty="0" err="1">
+                <a:solidFill>
+                  <a:srgbClr val="000000"/>
+                </a:solidFill>
+                <a:latin typeface="Consolas" panose="020B0609020204030204" pitchFamily="49" charset="0"/>
+              </a:rPr>
               <a:t>i</a:t>
             </a:r>
             <a:r>
@@ -8256,164 +8348,6 @@
                 </a:solidFill>
                 <a:latin typeface="Consolas" panose="020B0609020204030204" pitchFamily="49" charset="0"/>
               </a:rPr>
-              <a:t>=</a:t>
-            </a:r>
-            <a:r>
-              <a:rPr lang="en-US" dirty="0">
-                <a:solidFill>
-                  <a:srgbClr val="098658"/>
-                </a:solidFill>
-                <a:latin typeface="Consolas" panose="020B0609020204030204" pitchFamily="49" charset="0"/>
-              </a:rPr>
-              <a:t>0</a:t>
-            </a:r>
-            <a:r>
-              <a:rPr lang="en-US" dirty="0">
-                <a:solidFill>
-                  <a:srgbClr val="000000"/>
-                </a:solidFill>
-                <a:latin typeface="Consolas" panose="020B0609020204030204" pitchFamily="49" charset="0"/>
-              </a:rPr>
-              <a:t>; </a:t>
-            </a:r>
-            <a:r>
-              <a:rPr lang="en-US" dirty="0" err="1">
-                <a:solidFill>
-                  <a:srgbClr val="000000"/>
-                </a:solidFill>
-                <a:latin typeface="Consolas" panose="020B0609020204030204" pitchFamily="49" charset="0"/>
-              </a:rPr>
-              <a:t>i</a:t>
-            </a:r>
-            <a:r>
-              <a:rPr lang="en-US" dirty="0">
-                <a:solidFill>
-                  <a:srgbClr val="000000"/>
-                </a:solidFill>
-                <a:latin typeface="Consolas" panose="020B0609020204030204" pitchFamily="49" charset="0"/>
-              </a:rPr>
-              <a:t>&lt;</a:t>
-            </a:r>
-            <a:r>
-              <a:rPr lang="en-US" dirty="0" err="1">
-                <a:solidFill>
-                  <a:srgbClr val="000000"/>
-                </a:solidFill>
-                <a:latin typeface="Consolas" panose="020B0609020204030204" pitchFamily="49" charset="0"/>
-              </a:rPr>
-              <a:t>arr.length</a:t>
-            </a:r>
-            <a:r>
-              <a:rPr lang="en-US" dirty="0">
-                <a:solidFill>
-                  <a:srgbClr val="000000"/>
-                </a:solidFill>
-                <a:latin typeface="Consolas" panose="020B0609020204030204" pitchFamily="49" charset="0"/>
-              </a:rPr>
-              <a:t>; </a:t>
-            </a:r>
-            <a:r>
-              <a:rPr lang="en-US" dirty="0" err="1">
-                <a:solidFill>
-                  <a:srgbClr val="000000"/>
-                </a:solidFill>
-                <a:latin typeface="Consolas" panose="020B0609020204030204" pitchFamily="49" charset="0"/>
-              </a:rPr>
-              <a:t>i</a:t>
-            </a:r>
-            <a:r>
-              <a:rPr lang="en-US" dirty="0">
-                <a:solidFill>
-                  <a:srgbClr val="000000"/>
-                </a:solidFill>
-                <a:latin typeface="Consolas" panose="020B0609020204030204" pitchFamily="49" charset="0"/>
-              </a:rPr>
-              <a:t>++){</a:t>
-            </a:r>
-          </a:p>
-          <a:p>
-            <a:pPr marL="114300" indent="0">
-              <a:buNone/>
-            </a:pPr>
-            <a:r>
-              <a:rPr lang="en-US" dirty="0">
-                <a:solidFill>
-                  <a:srgbClr val="000000"/>
-                </a:solidFill>
-                <a:latin typeface="Consolas" panose="020B0609020204030204" pitchFamily="49" charset="0"/>
-              </a:rPr>
-              <a:t>        </a:t>
-            </a:r>
-            <a:r>
-              <a:rPr lang="en-US" dirty="0" err="1">
-                <a:solidFill>
-                  <a:srgbClr val="0000FF"/>
-                </a:solidFill>
-                <a:latin typeface="Consolas" panose="020B0609020204030204" pitchFamily="49" charset="0"/>
-              </a:rPr>
-              <a:t>const</a:t>
-            </a:r>
-            <a:r>
-              <a:rPr lang="en-US" dirty="0">
-                <a:solidFill>
-                  <a:srgbClr val="000000"/>
-                </a:solidFill>
-                <a:latin typeface="Consolas" panose="020B0609020204030204" pitchFamily="49" charset="0"/>
-              </a:rPr>
-              <a:t> </a:t>
-            </a:r>
-            <a:r>
-              <a:rPr lang="en-US" dirty="0" err="1">
-                <a:solidFill>
-                  <a:srgbClr val="000000"/>
-                </a:solidFill>
-                <a:latin typeface="Consolas" panose="020B0609020204030204" pitchFamily="49" charset="0"/>
-              </a:rPr>
-              <a:t>oneItem</a:t>
-            </a:r>
-            <a:r>
-              <a:rPr lang="en-US" dirty="0">
-                <a:solidFill>
-                  <a:srgbClr val="000000"/>
-                </a:solidFill>
-                <a:latin typeface="Consolas" panose="020B0609020204030204" pitchFamily="49" charset="0"/>
-              </a:rPr>
-              <a:t> = </a:t>
-            </a:r>
-            <a:r>
-              <a:rPr lang="en-US" dirty="0" err="1">
-                <a:solidFill>
-                  <a:srgbClr val="000000"/>
-                </a:solidFill>
-                <a:latin typeface="Consolas" panose="020B0609020204030204" pitchFamily="49" charset="0"/>
-              </a:rPr>
-              <a:t>arr</a:t>
-            </a:r>
-            <a:r>
-              <a:rPr lang="en-US" dirty="0">
-                <a:solidFill>
-                  <a:srgbClr val="000000"/>
-                </a:solidFill>
-                <a:latin typeface="Consolas" panose="020B0609020204030204" pitchFamily="49" charset="0"/>
-              </a:rPr>
-              <a:t>[</a:t>
-            </a:r>
-            <a:r>
-              <a:rPr lang="en-US" dirty="0" err="1">
-                <a:solidFill>
-                  <a:srgbClr val="000000"/>
-                </a:solidFill>
-                <a:latin typeface="Consolas" panose="020B0609020204030204" pitchFamily="49" charset="0"/>
-              </a:rPr>
-              <a:t>i</a:t>
-            </a:r>
-            <a:r>
-              <a:rPr lang="en-US" dirty="0">
-                <a:solidFill>
-                  <a:srgbClr val="000000"/>
-                </a:solidFill>
-                <a:latin typeface="Consolas" panose="020B0609020204030204" pitchFamily="49" charset="0"/>
-              </a:rPr>
               <a:t>];</a:t>
             </a:r>
           </a:p>
@@ -8421,15 +8355,6 @@
             <a:pPr marL="114300" indent="0">
               <a:buNone/>
             </a:pPr>
-            <a:r>
-              <a:rPr lang="en-US" dirty="0">
-                <a:solidFill>
-                  <a:srgbClr val="000000"/>
-                </a:solidFill>
-                <a:latin typeface="Consolas" panose="020B0609020204030204" pitchFamily="49" charset="0"/>
-              </a:rPr>
-              <a:t/>
-            </a:r>
             <a:br>
               <a:rPr lang="en-US" dirty="0">
                 <a:solidFill>
@@ -8449,24 +8374,15 @@
             <a:pPr marL="114300" indent="0">
               <a:buNone/>
             </a:pPr>
-            <a:r>
-              <a:rPr lang="en-US" dirty="0" smtClean="0">
-                <a:solidFill>
-                  <a:srgbClr val="000000"/>
-                </a:solidFill>
-                <a:latin typeface="Consolas" panose="020B0609020204030204" pitchFamily="49" charset="0"/>
-              </a:rPr>
-              <a:t/>
-            </a:r>
             <a:br>
-              <a:rPr lang="en-US" dirty="0" smtClean="0">
+              <a:rPr lang="en-US" dirty="0">
                 <a:solidFill>
                   <a:srgbClr val="000000"/>
                 </a:solidFill>
                 <a:latin typeface="Consolas" panose="020B0609020204030204" pitchFamily="49" charset="0"/>
               </a:rPr>
             </a:br>
-            <a:endParaRPr lang="en-US" dirty="0" smtClean="0">
+            <a:endParaRPr lang="en-US" dirty="0">
               <a:solidFill>
                 <a:srgbClr val="000000"/>
               </a:solidFill>
@@ -8546,7 +8462,7 @@
               <a:t> </a:t>
             </a:r>
             <a:r>
-              <a:rPr lang="en-US" dirty="0" err="1" smtClean="0">
+              <a:rPr lang="en-US" dirty="0" err="1">
                 <a:solidFill>
                   <a:srgbClr val="0000FF"/>
                 </a:solidFill>
@@ -8555,7 +8471,198 @@
               <a:t>const</a:t>
             </a:r>
             <a:r>
-              <a:rPr lang="en-US" dirty="0" smtClean="0">
+              <a:rPr lang="en-US" dirty="0">
+                <a:solidFill>
+                  <a:srgbClr val="000000"/>
+                </a:solidFill>
+                <a:latin typeface="Consolas" panose="020B0609020204030204" pitchFamily="49" charset="0"/>
+              </a:rPr>
+              <a:t> drag = </a:t>
+            </a:r>
+            <a:r>
+              <a:rPr lang="en-US" dirty="0" err="1">
+                <a:solidFill>
+                  <a:srgbClr val="0000FF"/>
+                </a:solidFill>
+                <a:latin typeface="Consolas" panose="020B0609020204030204" pitchFamily="49" charset="0"/>
+              </a:rPr>
+              <a:t>this</a:t>
+            </a:r>
+            <a:r>
+              <a:rPr lang="en-US" dirty="0" err="1">
+                <a:solidFill>
+                  <a:srgbClr val="000000"/>
+                </a:solidFill>
+                <a:latin typeface="Consolas" panose="020B0609020204030204" pitchFamily="49" charset="0"/>
+              </a:rPr>
+              <a:t>.gestureCtrl.create</a:t>
+            </a:r>
+            <a:r>
+              <a:rPr lang="en-US" dirty="0">
+                <a:solidFill>
+                  <a:srgbClr val="000000"/>
+                </a:solidFill>
+                <a:latin typeface="Consolas" panose="020B0609020204030204" pitchFamily="49" charset="0"/>
+              </a:rPr>
+              <a:t>({</a:t>
+            </a:r>
+          </a:p>
+          <a:p>
+            <a:pPr marL="114300" indent="0">
+              <a:buNone/>
+            </a:pPr>
+            <a:r>
+              <a:rPr lang="en-US" dirty="0">
+                <a:solidFill>
+                  <a:srgbClr val="000000"/>
+                </a:solidFill>
+                <a:latin typeface="Consolas" panose="020B0609020204030204" pitchFamily="49" charset="0"/>
+              </a:rPr>
+              <a:t>     el: </a:t>
+            </a:r>
+            <a:r>
+              <a:rPr lang="en-US" dirty="0" err="1">
+                <a:solidFill>
+                  <a:srgbClr val="000000"/>
+                </a:solidFill>
+                <a:latin typeface="Consolas" panose="020B0609020204030204" pitchFamily="49" charset="0"/>
+              </a:rPr>
+              <a:t>oneItem.nativeElement</a:t>
+            </a:r>
+            <a:r>
+              <a:rPr lang="en-US" dirty="0">
+                <a:solidFill>
+                  <a:srgbClr val="000000"/>
+                </a:solidFill>
+                <a:latin typeface="Consolas" panose="020B0609020204030204" pitchFamily="49" charset="0"/>
+              </a:rPr>
+              <a:t>,</a:t>
+            </a:r>
+          </a:p>
+          <a:p>
+            <a:pPr marL="114300" indent="0">
+              <a:buNone/>
+            </a:pPr>
+            <a:r>
+              <a:rPr lang="en-US" dirty="0">
+                <a:solidFill>
+                  <a:srgbClr val="000000"/>
+                </a:solidFill>
+                <a:latin typeface="Consolas" panose="020B0609020204030204" pitchFamily="49" charset="0"/>
+              </a:rPr>
+              <a:t>     threshold: </a:t>
+            </a:r>
+            <a:r>
+              <a:rPr lang="en-US" dirty="0">
+                <a:solidFill>
+                  <a:srgbClr val="098658"/>
+                </a:solidFill>
+                <a:latin typeface="Consolas" panose="020B0609020204030204" pitchFamily="49" charset="0"/>
+              </a:rPr>
+              <a:t>1</a:t>
+            </a:r>
+            <a:r>
+              <a:rPr lang="en-US" dirty="0">
+                <a:solidFill>
+                  <a:srgbClr val="000000"/>
+                </a:solidFill>
+                <a:latin typeface="Consolas" panose="020B0609020204030204" pitchFamily="49" charset="0"/>
+              </a:rPr>
+              <a:t>,</a:t>
+            </a:r>
+          </a:p>
+          <a:p>
+            <a:pPr marL="114300" indent="0">
+              <a:buNone/>
+            </a:pPr>
+            <a:r>
+              <a:rPr lang="en-US" dirty="0">
+                <a:solidFill>
+                  <a:srgbClr val="000000"/>
+                </a:solidFill>
+                <a:latin typeface="Consolas" panose="020B0609020204030204" pitchFamily="49" charset="0"/>
+              </a:rPr>
+              <a:t>     </a:t>
+            </a:r>
+            <a:r>
+              <a:rPr lang="en-US" dirty="0" err="1">
+                <a:solidFill>
+                  <a:srgbClr val="000000"/>
+                </a:solidFill>
+                <a:latin typeface="Consolas" panose="020B0609020204030204" pitchFamily="49" charset="0"/>
+              </a:rPr>
+              <a:t>gestureName</a:t>
+            </a:r>
+            <a:r>
+              <a:rPr lang="en-US" dirty="0">
+                <a:solidFill>
+                  <a:srgbClr val="000000"/>
+                </a:solidFill>
+                <a:latin typeface="Consolas" panose="020B0609020204030204" pitchFamily="49" charset="0"/>
+              </a:rPr>
+              <a:t>: </a:t>
+            </a:r>
+            <a:r>
+              <a:rPr lang="en-US" dirty="0">
+                <a:solidFill>
+                  <a:srgbClr val="A31515"/>
+                </a:solidFill>
+                <a:latin typeface="Consolas" panose="020B0609020204030204" pitchFamily="49" charset="0"/>
+              </a:rPr>
+              <a:t>'drag'</a:t>
+            </a:r>
+            <a:r>
+              <a:rPr lang="en-US" dirty="0">
+                <a:solidFill>
+                  <a:srgbClr val="000000"/>
+                </a:solidFill>
+                <a:latin typeface="Consolas" panose="020B0609020204030204" pitchFamily="49" charset="0"/>
+              </a:rPr>
+              <a:t>,</a:t>
+            </a:r>
+          </a:p>
+          <a:p>
+            <a:pPr marL="114300" indent="0">
+              <a:buNone/>
+            </a:pPr>
+            <a:r>
+              <a:rPr lang="en-US" dirty="0">
+                <a:solidFill>
+                  <a:srgbClr val="000000"/>
+                </a:solidFill>
+                <a:latin typeface="Consolas" panose="020B0609020204030204" pitchFamily="49" charset="0"/>
+              </a:rPr>
+              <a:t>     </a:t>
+            </a:r>
+            <a:r>
+              <a:rPr lang="en-US" dirty="0" err="1">
+                <a:solidFill>
+                  <a:srgbClr val="000000"/>
+                </a:solidFill>
+                <a:latin typeface="Consolas" panose="020B0609020204030204" pitchFamily="49" charset="0"/>
+              </a:rPr>
+              <a:t>onStart</a:t>
+            </a:r>
+            <a:r>
+              <a:rPr lang="en-US" dirty="0">
+                <a:solidFill>
+                  <a:srgbClr val="000000"/>
+                </a:solidFill>
+                <a:latin typeface="Consolas" panose="020B0609020204030204" pitchFamily="49" charset="0"/>
+              </a:rPr>
+              <a:t>: </a:t>
+            </a:r>
+            <a:r>
+              <a:rPr lang="en-US" dirty="0" err="1">
+                <a:solidFill>
+                  <a:srgbClr val="000000"/>
+                </a:solidFill>
+                <a:latin typeface="Consolas" panose="020B0609020204030204" pitchFamily="49" charset="0"/>
+              </a:rPr>
+              <a:t>ev</a:t>
+            </a:r>
+            <a:r>
+              <a:rPr lang="en-US" dirty="0">
                 <a:solidFill>
                   <a:srgbClr val="000000"/>
                 </a:solidFill>
@@ -8566,15 +8673,188 @@
             <a:r>
               <a:rPr lang="en-US" dirty="0">
                 <a:solidFill>
-                  <a:srgbClr val="000000"/>
-                </a:solidFill>
-                <a:latin typeface="Consolas" panose="020B0609020204030204" pitchFamily="49" charset="0"/>
-              </a:rPr>
-              <a:t>drag = </a:t>
+                  <a:srgbClr val="0000FF"/>
+                </a:solidFill>
+                <a:latin typeface="Consolas" panose="020B0609020204030204" pitchFamily="49" charset="0"/>
+              </a:rPr>
+              <a:t>=&gt;</a:t>
+            </a:r>
+            <a:r>
+              <a:rPr lang="en-US" dirty="0">
+                <a:solidFill>
+                  <a:srgbClr val="000000"/>
+                </a:solidFill>
+                <a:latin typeface="Consolas" panose="020B0609020204030204" pitchFamily="49" charset="0"/>
+              </a:rPr>
+              <a:t>{</a:t>
+            </a:r>
+          </a:p>
+          <a:p>
+            <a:pPr marL="114300" indent="0">
+              <a:buNone/>
+            </a:pPr>
+            <a:r>
+              <a:rPr lang="en-US" dirty="0">
+                <a:solidFill>
+                  <a:srgbClr val="000000"/>
+                </a:solidFill>
+                <a:latin typeface="Consolas" panose="020B0609020204030204" pitchFamily="49" charset="0"/>
+              </a:rPr>
+              <a:t>         </a:t>
             </a:r>
             <a:r>
               <a:rPr lang="en-US" dirty="0" err="1">
                 <a:solidFill>
+                  <a:srgbClr val="000000"/>
+                </a:solidFill>
+                <a:latin typeface="Consolas" panose="020B0609020204030204" pitchFamily="49" charset="0"/>
+              </a:rPr>
+              <a:t>oneItem.nativeElement.style.transition</a:t>
+            </a:r>
+            <a:r>
+              <a:rPr lang="en-US" dirty="0">
+                <a:solidFill>
+                  <a:srgbClr val="000000"/>
+                </a:solidFill>
+                <a:latin typeface="Consolas" panose="020B0609020204030204" pitchFamily="49" charset="0"/>
+              </a:rPr>
+              <a:t> = </a:t>
+            </a:r>
+            <a:r>
+              <a:rPr lang="en-US" dirty="0">
+                <a:solidFill>
+                  <a:srgbClr val="A31515"/>
+                </a:solidFill>
+                <a:latin typeface="Consolas" panose="020B0609020204030204" pitchFamily="49" charset="0"/>
+              </a:rPr>
+              <a:t>''</a:t>
+            </a:r>
+            <a:r>
+              <a:rPr lang="en-US" dirty="0">
+                <a:solidFill>
+                  <a:srgbClr val="000000"/>
+                </a:solidFill>
+                <a:latin typeface="Consolas" panose="020B0609020204030204" pitchFamily="49" charset="0"/>
+              </a:rPr>
+              <a:t>;</a:t>
+            </a:r>
+          </a:p>
+          <a:p>
+            <a:pPr marL="114300" indent="0">
+              <a:buNone/>
+            </a:pPr>
+            <a:r>
+              <a:rPr lang="en-US" dirty="0">
+                <a:solidFill>
+                  <a:srgbClr val="000000"/>
+                </a:solidFill>
+                <a:latin typeface="Consolas" panose="020B0609020204030204" pitchFamily="49" charset="0"/>
+              </a:rPr>
+              <a:t>         </a:t>
+            </a:r>
+            <a:r>
+              <a:rPr lang="en-US" dirty="0" err="1">
+                <a:solidFill>
+                  <a:srgbClr val="000000"/>
+                </a:solidFill>
+                <a:latin typeface="Consolas" panose="020B0609020204030204" pitchFamily="49" charset="0"/>
+              </a:rPr>
+              <a:t>oneItem.nativeElement.style.opacity</a:t>
+            </a:r>
+            <a:r>
+              <a:rPr lang="en-US" dirty="0">
+                <a:solidFill>
+                  <a:srgbClr val="000000"/>
+                </a:solidFill>
+                <a:latin typeface="Consolas" panose="020B0609020204030204" pitchFamily="49" charset="0"/>
+              </a:rPr>
+              <a:t> = </a:t>
+            </a:r>
+            <a:r>
+              <a:rPr lang="en-US" dirty="0">
+                <a:solidFill>
+                  <a:srgbClr val="A31515"/>
+                </a:solidFill>
+                <a:latin typeface="Consolas" panose="020B0609020204030204" pitchFamily="49" charset="0"/>
+              </a:rPr>
+              <a:t>'0.8'</a:t>
+            </a:r>
+            <a:r>
+              <a:rPr lang="en-US" dirty="0">
+                <a:solidFill>
+                  <a:srgbClr val="000000"/>
+                </a:solidFill>
+                <a:latin typeface="Consolas" panose="020B0609020204030204" pitchFamily="49" charset="0"/>
+              </a:rPr>
+              <a:t>;</a:t>
+            </a:r>
+          </a:p>
+          <a:p>
+            <a:pPr marL="114300" indent="0">
+              <a:buNone/>
+            </a:pPr>
+            <a:r>
+              <a:rPr lang="en-US" dirty="0">
+                <a:solidFill>
+                  <a:srgbClr val="000000"/>
+                </a:solidFill>
+                <a:latin typeface="Consolas" panose="020B0609020204030204" pitchFamily="49" charset="0"/>
+              </a:rPr>
+              <a:t>         </a:t>
+            </a:r>
+            <a:r>
+              <a:rPr lang="en-US" dirty="0" err="1">
+                <a:solidFill>
+                  <a:srgbClr val="000000"/>
+                </a:solidFill>
+                <a:latin typeface="Consolas" panose="020B0609020204030204" pitchFamily="49" charset="0"/>
+              </a:rPr>
+              <a:t>oneItem.nativeElement.style.fontWeight</a:t>
+            </a:r>
+            <a:r>
+              <a:rPr lang="en-US" dirty="0">
+                <a:solidFill>
+                  <a:srgbClr val="000000"/>
+                </a:solidFill>
+                <a:latin typeface="Consolas" panose="020B0609020204030204" pitchFamily="49" charset="0"/>
+              </a:rPr>
+              <a:t> = </a:t>
+            </a:r>
+            <a:r>
+              <a:rPr lang="en-US" dirty="0">
+                <a:solidFill>
+                  <a:srgbClr val="A31515"/>
+                </a:solidFill>
+                <a:latin typeface="Consolas" panose="020B0609020204030204" pitchFamily="49" charset="0"/>
+              </a:rPr>
+              <a:t>'bold'</a:t>
+            </a:r>
+            <a:r>
+              <a:rPr lang="en-US" dirty="0">
+                <a:solidFill>
+                  <a:srgbClr val="000000"/>
+                </a:solidFill>
+                <a:latin typeface="Consolas" panose="020B0609020204030204" pitchFamily="49" charset="0"/>
+              </a:rPr>
+              <a:t>;</a:t>
+            </a:r>
+          </a:p>
+          <a:p>
+            <a:pPr marL="114300" indent="0">
+              <a:buNone/>
+            </a:pPr>
+            <a:r>
+              <a:rPr lang="en-US" dirty="0">
+                <a:solidFill>
+                  <a:srgbClr val="000000"/>
+                </a:solidFill>
+                <a:latin typeface="Consolas" panose="020B0609020204030204" pitchFamily="49" charset="0"/>
+              </a:rPr>
+              <a:t>         </a:t>
+            </a:r>
+            <a:r>
+              <a:rPr lang="en-US" dirty="0" err="1">
+                <a:solidFill>
                   <a:srgbClr val="0000FF"/>
                 </a:solidFill>
                 <a:latin typeface="Consolas" panose="020B0609020204030204" pitchFamily="49" charset="0"/>
@@ -8588,30 +8868,44 @@
                 </a:solidFill>
                 <a:latin typeface="Consolas" panose="020B0609020204030204" pitchFamily="49" charset="0"/>
               </a:rPr>
-              <a:t>.gestureCtrl.create</a:t>
-            </a:r>
-            <a:r>
-              <a:rPr lang="en-US" dirty="0">
-                <a:solidFill>
-                  <a:srgbClr val="000000"/>
-                </a:solidFill>
-                <a:latin typeface="Consolas" panose="020B0609020204030204" pitchFamily="49" charset="0"/>
-              </a:rPr>
-              <a:t>({</a:t>
-            </a:r>
-          </a:p>
-          <a:p>
-            <a:pPr marL="114300" indent="0">
-              <a:buNone/>
-            </a:pPr>
-            <a:r>
-              <a:rPr lang="en-US" dirty="0">
-                <a:solidFill>
-                  <a:srgbClr val="000000"/>
-                </a:solidFill>
-                <a:latin typeface="Consolas" panose="020B0609020204030204" pitchFamily="49" charset="0"/>
-              </a:rPr>
-              <a:t>     el: </a:t>
+              <a:t>.changeDetectorRef.detectChanges</a:t>
+            </a:r>
+            <a:r>
+              <a:rPr lang="en-US" dirty="0">
+                <a:solidFill>
+                  <a:srgbClr val="000000"/>
+                </a:solidFill>
+                <a:latin typeface="Consolas" panose="020B0609020204030204" pitchFamily="49" charset="0"/>
+              </a:rPr>
+              <a:t>();</a:t>
+            </a:r>
+          </a:p>
+          <a:p>
+            <a:pPr marL="114300" indent="0">
+              <a:buNone/>
+            </a:pPr>
+            <a:r>
+              <a:rPr lang="en-US" dirty="0">
+                <a:solidFill>
+                  <a:srgbClr val="000000"/>
+                </a:solidFill>
+                <a:latin typeface="Consolas" panose="020B0609020204030204" pitchFamily="49" charset="0"/>
+              </a:rPr>
+              <a:t>        },</a:t>
+            </a:r>
+          </a:p>
+          <a:p>
+            <a:pPr marL="114300" indent="0">
+              <a:buNone/>
+            </a:pPr>
+            <a:r>
+              <a:rPr lang="en-US" dirty="0">
+                <a:solidFill>
+                  <a:srgbClr val="000000"/>
+                </a:solidFill>
+                <a:latin typeface="Consolas" panose="020B0609020204030204" pitchFamily="49" charset="0"/>
+              </a:rPr>
+              <a:t>     </a:t>
             </a:r>
             <a:r>
               <a:rPr lang="en-US" dirty="0" err="1">
@@ -8620,30 +8914,224 @@
                 </a:solidFill>
                 <a:latin typeface="Consolas" panose="020B0609020204030204" pitchFamily="49" charset="0"/>
               </a:rPr>
-              <a:t>oneItem.nativeElement</a:t>
-            </a:r>
-            <a:r>
-              <a:rPr lang="en-US" dirty="0">
-                <a:solidFill>
-                  <a:srgbClr val="000000"/>
-                </a:solidFill>
-                <a:latin typeface="Consolas" panose="020B0609020204030204" pitchFamily="49" charset="0"/>
-              </a:rPr>
-              <a:t>,</a:t>
-            </a:r>
-          </a:p>
-          <a:p>
-            <a:pPr marL="114300" indent="0">
-              <a:buNone/>
-            </a:pPr>
-            <a:r>
-              <a:rPr lang="en-US" dirty="0">
-                <a:solidFill>
-                  <a:srgbClr val="000000"/>
-                </a:solidFill>
-                <a:latin typeface="Consolas" panose="020B0609020204030204" pitchFamily="49" charset="0"/>
-              </a:rPr>
-              <a:t>     threshold: </a:t>
+              <a:t>onMove</a:t>
+            </a:r>
+            <a:r>
+              <a:rPr lang="en-US" dirty="0">
+                <a:solidFill>
+                  <a:srgbClr val="000000"/>
+                </a:solidFill>
+                <a:latin typeface="Consolas" panose="020B0609020204030204" pitchFamily="49" charset="0"/>
+              </a:rPr>
+              <a:t>: </a:t>
+            </a:r>
+            <a:r>
+              <a:rPr lang="en-US" dirty="0" err="1">
+                <a:solidFill>
+                  <a:srgbClr val="000000"/>
+                </a:solidFill>
+                <a:latin typeface="Consolas" panose="020B0609020204030204" pitchFamily="49" charset="0"/>
+              </a:rPr>
+              <a:t>ev</a:t>
+            </a:r>
+            <a:r>
+              <a:rPr lang="en-US" dirty="0">
+                <a:solidFill>
+                  <a:srgbClr val="000000"/>
+                </a:solidFill>
+                <a:latin typeface="Consolas" panose="020B0609020204030204" pitchFamily="49" charset="0"/>
+              </a:rPr>
+              <a:t> </a:t>
+            </a:r>
+            <a:r>
+              <a:rPr lang="en-US" dirty="0">
+                <a:solidFill>
+                  <a:srgbClr val="0000FF"/>
+                </a:solidFill>
+                <a:latin typeface="Consolas" panose="020B0609020204030204" pitchFamily="49" charset="0"/>
+              </a:rPr>
+              <a:t>=&gt;</a:t>
+            </a:r>
+            <a:r>
+              <a:rPr lang="en-US" dirty="0">
+                <a:solidFill>
+                  <a:srgbClr val="000000"/>
+                </a:solidFill>
+                <a:latin typeface="Consolas" panose="020B0609020204030204" pitchFamily="49" charset="0"/>
+              </a:rPr>
+              <a:t> {</a:t>
+            </a:r>
+          </a:p>
+          <a:p>
+            <a:pPr marL="114300" indent="0">
+              <a:buNone/>
+            </a:pPr>
+            <a:r>
+              <a:rPr lang="en-US" dirty="0">
+                <a:solidFill>
+                  <a:srgbClr val="000000"/>
+                </a:solidFill>
+                <a:latin typeface="Consolas" panose="020B0609020204030204" pitchFamily="49" charset="0"/>
+              </a:rPr>
+              <a:t>        </a:t>
+            </a:r>
+            <a:r>
+              <a:rPr lang="en-US" dirty="0" err="1">
+                <a:solidFill>
+                  <a:srgbClr val="000000"/>
+                </a:solidFill>
+                <a:latin typeface="Consolas" panose="020B0609020204030204" pitchFamily="49" charset="0"/>
+              </a:rPr>
+              <a:t>oneItem.nativeElement.style.transform</a:t>
+            </a:r>
+            <a:r>
+              <a:rPr lang="en-US" dirty="0">
+                <a:solidFill>
+                  <a:srgbClr val="000000"/>
+                </a:solidFill>
+                <a:latin typeface="Consolas" panose="020B0609020204030204" pitchFamily="49" charset="0"/>
+              </a:rPr>
+              <a:t> = </a:t>
+            </a:r>
+            <a:r>
+              <a:rPr lang="en-US" dirty="0">
+                <a:solidFill>
+                  <a:srgbClr val="A31515"/>
+                </a:solidFill>
+                <a:latin typeface="Consolas" panose="020B0609020204030204" pitchFamily="49" charset="0"/>
+              </a:rPr>
+              <a:t>`translate(</a:t>
+            </a:r>
+            <a:r>
+              <a:rPr lang="en-US" dirty="0">
+                <a:solidFill>
+                  <a:srgbClr val="0000FF"/>
+                </a:solidFill>
+                <a:latin typeface="Consolas" panose="020B0609020204030204" pitchFamily="49" charset="0"/>
+              </a:rPr>
+              <a:t>${</a:t>
+            </a:r>
+            <a:r>
+              <a:rPr lang="en-US" dirty="0" err="1">
+                <a:solidFill>
+                  <a:srgbClr val="000000"/>
+                </a:solidFill>
+                <a:latin typeface="Consolas" panose="020B0609020204030204" pitchFamily="49" charset="0"/>
+              </a:rPr>
+              <a:t>ev.deltaX</a:t>
+            </a:r>
+            <a:r>
+              <a:rPr lang="en-US" dirty="0">
+                <a:solidFill>
+                  <a:srgbClr val="0000FF"/>
+                </a:solidFill>
+                <a:latin typeface="Consolas" panose="020B0609020204030204" pitchFamily="49" charset="0"/>
+              </a:rPr>
+              <a:t>}</a:t>
+            </a:r>
+            <a:r>
+              <a:rPr lang="en-US" dirty="0" err="1">
+                <a:solidFill>
+                  <a:srgbClr val="A31515"/>
+                </a:solidFill>
+                <a:latin typeface="Consolas" panose="020B0609020204030204" pitchFamily="49" charset="0"/>
+              </a:rPr>
+              <a:t>px</a:t>
+            </a:r>
+            <a:r>
+              <a:rPr lang="en-US" dirty="0">
+                <a:solidFill>
+                  <a:srgbClr val="A31515"/>
+                </a:solidFill>
+                <a:latin typeface="Consolas" panose="020B0609020204030204" pitchFamily="49" charset="0"/>
+              </a:rPr>
+              <a:t>, </a:t>
+            </a:r>
+            <a:r>
+              <a:rPr lang="en-US" dirty="0">
+                <a:solidFill>
+                  <a:srgbClr val="0000FF"/>
+                </a:solidFill>
+                <a:latin typeface="Consolas" panose="020B0609020204030204" pitchFamily="49" charset="0"/>
+              </a:rPr>
+              <a:t>${</a:t>
+            </a:r>
+            <a:r>
+              <a:rPr lang="en-US" dirty="0" err="1">
+                <a:solidFill>
+                  <a:srgbClr val="000000"/>
+                </a:solidFill>
+                <a:latin typeface="Consolas" panose="020B0609020204030204" pitchFamily="49" charset="0"/>
+              </a:rPr>
+              <a:t>ev.deltaY</a:t>
+            </a:r>
+            <a:r>
+              <a:rPr lang="en-US" dirty="0">
+                <a:solidFill>
+                  <a:srgbClr val="0000FF"/>
+                </a:solidFill>
+                <a:latin typeface="Consolas" panose="020B0609020204030204" pitchFamily="49" charset="0"/>
+              </a:rPr>
+              <a:t>}</a:t>
+            </a:r>
+            <a:r>
+              <a:rPr lang="en-US" dirty="0" err="1">
+                <a:solidFill>
+                  <a:srgbClr val="A31515"/>
+                </a:solidFill>
+                <a:latin typeface="Consolas" panose="020B0609020204030204" pitchFamily="49" charset="0"/>
+              </a:rPr>
+              <a:t>px</a:t>
+            </a:r>
+            <a:r>
+              <a:rPr lang="en-US" dirty="0">
+                <a:solidFill>
+                  <a:srgbClr val="A31515"/>
+                </a:solidFill>
+                <a:latin typeface="Consolas" panose="020B0609020204030204" pitchFamily="49" charset="0"/>
+              </a:rPr>
+              <a:t>)`</a:t>
+            </a:r>
+            <a:r>
+              <a:rPr lang="en-US" dirty="0">
+                <a:solidFill>
+                  <a:srgbClr val="000000"/>
+                </a:solidFill>
+                <a:latin typeface="Consolas" panose="020B0609020204030204" pitchFamily="49" charset="0"/>
+              </a:rPr>
+              <a:t>;</a:t>
+            </a:r>
+          </a:p>
+          <a:p>
+            <a:pPr marL="114300" indent="0">
+              <a:buNone/>
+            </a:pPr>
+            <a:r>
+              <a:rPr lang="en-US" dirty="0">
+                <a:solidFill>
+                  <a:srgbClr val="000000"/>
+                </a:solidFill>
+                <a:latin typeface="Consolas" panose="020B0609020204030204" pitchFamily="49" charset="0"/>
+              </a:rPr>
+              <a:t>        </a:t>
+            </a:r>
+            <a:r>
+              <a:rPr lang="en-US" dirty="0" err="1">
+                <a:solidFill>
+                  <a:srgbClr val="000000"/>
+                </a:solidFill>
+                <a:latin typeface="Consolas" panose="020B0609020204030204" pitchFamily="49" charset="0"/>
+              </a:rPr>
+              <a:t>oneItem.nativeElement.style.zIndex</a:t>
+            </a:r>
+            <a:r>
+              <a:rPr lang="en-US" dirty="0">
+                <a:solidFill>
+                  <a:srgbClr val="000000"/>
+                </a:solidFill>
+                <a:latin typeface="Consolas" panose="020B0609020204030204" pitchFamily="49" charset="0"/>
+              </a:rPr>
+              <a:t> = </a:t>
             </a:r>
             <a:r>
               <a:rPr lang="en-US" dirty="0">
@@ -8652,16 +9140,89 @@
                 </a:solidFill>
                 <a:latin typeface="Consolas" panose="020B0609020204030204" pitchFamily="49" charset="0"/>
               </a:rPr>
-              <a:t>1</a:t>
-            </a:r>
-            <a:r>
-              <a:rPr lang="en-US" dirty="0">
-                <a:solidFill>
-                  <a:srgbClr val="000000"/>
-                </a:solidFill>
-                <a:latin typeface="Consolas" panose="020B0609020204030204" pitchFamily="49" charset="0"/>
-              </a:rPr>
-              <a:t>,</a:t>
+              <a:t>11</a:t>
+            </a:r>
+            <a:r>
+              <a:rPr lang="en-US" dirty="0">
+                <a:solidFill>
+                  <a:srgbClr val="000000"/>
+                </a:solidFill>
+                <a:latin typeface="Consolas" panose="020B0609020204030204" pitchFamily="49" charset="0"/>
+              </a:rPr>
+              <a:t>; </a:t>
+            </a:r>
+          </a:p>
+          <a:p>
+            <a:pPr marL="114300" indent="0">
+              <a:buNone/>
+            </a:pPr>
+            <a:r>
+              <a:rPr lang="en-US" dirty="0">
+                <a:solidFill>
+                  <a:srgbClr val="000000"/>
+                </a:solidFill>
+                <a:latin typeface="Consolas" panose="020B0609020204030204" pitchFamily="49" charset="0"/>
+              </a:rPr>
+              <a:t>        </a:t>
+            </a:r>
+            <a:r>
+              <a:rPr lang="en-US" dirty="0" err="1">
+                <a:solidFill>
+                  <a:srgbClr val="0000FF"/>
+                </a:solidFill>
+                <a:latin typeface="Consolas" panose="020B0609020204030204" pitchFamily="49" charset="0"/>
+              </a:rPr>
+              <a:t>this</a:t>
+            </a:r>
+            <a:r>
+              <a:rPr lang="en-US" dirty="0" err="1">
+                <a:solidFill>
+                  <a:srgbClr val="000000"/>
+                </a:solidFill>
+                <a:latin typeface="Consolas" panose="020B0609020204030204" pitchFamily="49" charset="0"/>
+              </a:rPr>
+              <a:t>.checkDropZoneHover</a:t>
+            </a:r>
+            <a:r>
+              <a:rPr lang="en-US" dirty="0">
+                <a:solidFill>
+                  <a:srgbClr val="000000"/>
+                </a:solidFill>
+                <a:latin typeface="Consolas" panose="020B0609020204030204" pitchFamily="49" charset="0"/>
+              </a:rPr>
+              <a:t>(</a:t>
+            </a:r>
+            <a:r>
+              <a:rPr lang="en-US" dirty="0" err="1">
+                <a:solidFill>
+                  <a:srgbClr val="000000"/>
+                </a:solidFill>
+                <a:latin typeface="Consolas" panose="020B0609020204030204" pitchFamily="49" charset="0"/>
+              </a:rPr>
+              <a:t>ev.currentX,ev.currentY</a:t>
+            </a:r>
+            <a:r>
+              <a:rPr lang="en-US" dirty="0">
+                <a:solidFill>
+                  <a:srgbClr val="000000"/>
+                </a:solidFill>
+                <a:latin typeface="Consolas" panose="020B0609020204030204" pitchFamily="49" charset="0"/>
+              </a:rPr>
+              <a:t>);</a:t>
+            </a:r>
+          </a:p>
+          <a:p>
+            <a:pPr marL="114300" indent="0">
+              <a:buNone/>
+            </a:pPr>
+            <a:r>
+              <a:rPr lang="en-US" dirty="0">
+                <a:solidFill>
+                  <a:srgbClr val="000000"/>
+                </a:solidFill>
+                <a:latin typeface="Consolas" panose="020B0609020204030204" pitchFamily="49" charset="0"/>
+              </a:rPr>
+              <a:t>        },</a:t>
             </a:r>
           </a:p>
           <a:p>
@@ -8684,7 +9245,7 @@
                 </a:solidFill>
                 <a:latin typeface="Consolas" panose="020B0609020204030204" pitchFamily="49" charset="0"/>
               </a:rPr>
-              <a:t>gestureName</a:t>
+              <a:t>onEnd</a:t>
             </a:r>
             <a:r>
               <a:rPr lang="en-US" dirty="0">
@@ -8696,80 +9257,263 @@
               <a:t>: </a:t>
             </a:r>
             <a:r>
-              <a:rPr lang="en-US" dirty="0">
-                <a:solidFill>
-                  <a:srgbClr val="A31515"/>
-                </a:solidFill>
-                <a:latin typeface="Consolas" panose="020B0609020204030204" pitchFamily="49" charset="0"/>
-              </a:rPr>
-              <a:t>'drag'</a:t>
-            </a:r>
-            <a:r>
-              <a:rPr lang="en-US" dirty="0">
-                <a:solidFill>
-                  <a:srgbClr val="000000"/>
-                </a:solidFill>
-                <a:latin typeface="Consolas" panose="020B0609020204030204" pitchFamily="49" charset="0"/>
-              </a:rPr>
-              <a:t>,</a:t>
-            </a:r>
-          </a:p>
-          <a:p>
-            <a:pPr marL="114300" indent="0">
-              <a:buNone/>
-            </a:pPr>
-            <a:r>
-              <a:rPr lang="en-US" dirty="0">
-                <a:solidFill>
-                  <a:srgbClr val="000000"/>
-                </a:solidFill>
-                <a:latin typeface="Consolas" panose="020B0609020204030204" pitchFamily="49" charset="0"/>
-              </a:rPr>
-              <a:t>     </a:t>
-            </a:r>
-            <a:r>
               <a:rPr lang="en-US" dirty="0" err="1">
                 <a:solidFill>
                   <a:srgbClr val="000000"/>
                 </a:solidFill>
                 <a:latin typeface="Consolas" panose="020B0609020204030204" pitchFamily="49" charset="0"/>
               </a:rPr>
-              <a:t>onStart</a:t>
-            </a:r>
-            <a:r>
-              <a:rPr lang="en-US" dirty="0">
-                <a:solidFill>
-                  <a:srgbClr val="000000"/>
-                </a:solidFill>
-                <a:latin typeface="Consolas" panose="020B0609020204030204" pitchFamily="49" charset="0"/>
-              </a:rPr>
-              <a:t>: </a:t>
+              <a:t>ev</a:t>
+            </a:r>
+            <a:r>
+              <a:rPr lang="en-US" dirty="0">
+                <a:solidFill>
+                  <a:srgbClr val="000000"/>
+                </a:solidFill>
+                <a:latin typeface="Consolas" panose="020B0609020204030204" pitchFamily="49" charset="0"/>
+              </a:rPr>
+              <a:t> </a:t>
+            </a:r>
+            <a:r>
+              <a:rPr lang="en-US" dirty="0">
+                <a:solidFill>
+                  <a:srgbClr val="0000FF"/>
+                </a:solidFill>
+                <a:latin typeface="Consolas" panose="020B0609020204030204" pitchFamily="49" charset="0"/>
+              </a:rPr>
+              <a:t>=&gt;</a:t>
+            </a:r>
+            <a:r>
+              <a:rPr lang="en-US" dirty="0">
+                <a:solidFill>
+                  <a:srgbClr val="000000"/>
+                </a:solidFill>
+                <a:latin typeface="Consolas" panose="020B0609020204030204" pitchFamily="49" charset="0"/>
+              </a:rPr>
+              <a:t> {</a:t>
+            </a:r>
+          </a:p>
+          <a:p>
+            <a:pPr marL="114300" indent="0">
+              <a:buNone/>
+            </a:pPr>
+            <a:r>
+              <a:rPr lang="en-US" dirty="0">
+                <a:solidFill>
+                  <a:srgbClr val="000000"/>
+                </a:solidFill>
+                <a:latin typeface="Consolas" panose="020B0609020204030204" pitchFamily="49" charset="0"/>
+              </a:rPr>
+              <a:t>        </a:t>
             </a:r>
             <a:r>
               <a:rPr lang="en-US" dirty="0" err="1">
                 <a:solidFill>
-                  <a:srgbClr val="000000"/>
-                </a:solidFill>
-                <a:latin typeface="Consolas" panose="020B0609020204030204" pitchFamily="49" charset="0"/>
-              </a:rPr>
-              <a:t>ev</a:t>
-            </a:r>
-            <a:r>
-              <a:rPr lang="en-US" dirty="0">
-                <a:solidFill>
-                  <a:srgbClr val="000000"/>
-                </a:solidFill>
-                <a:latin typeface="Consolas" panose="020B0609020204030204" pitchFamily="49" charset="0"/>
-              </a:rPr>
-              <a:t> </a:t>
-            </a:r>
-            <a:r>
-              <a:rPr lang="en-US" dirty="0">
-                <a:solidFill>
                   <a:srgbClr val="0000FF"/>
                 </a:solidFill>
                 <a:latin typeface="Consolas" panose="020B0609020204030204" pitchFamily="49" charset="0"/>
               </a:rPr>
+              <a:t>this</a:t>
+            </a:r>
+            <a:r>
+              <a:rPr lang="en-US" dirty="0" err="1">
+                <a:solidFill>
+                  <a:srgbClr val="000000"/>
+                </a:solidFill>
+                <a:latin typeface="Consolas" panose="020B0609020204030204" pitchFamily="49" charset="0"/>
+              </a:rPr>
+              <a:t>.handleDrop</a:t>
+            </a:r>
+            <a:r>
+              <a:rPr lang="en-US" dirty="0">
+                <a:solidFill>
+                  <a:srgbClr val="000000"/>
+                </a:solidFill>
+                <a:latin typeface="Consolas" panose="020B0609020204030204" pitchFamily="49" charset="0"/>
+              </a:rPr>
+              <a:t>(</a:t>
+            </a:r>
+            <a:r>
+              <a:rPr lang="en-US" dirty="0" err="1">
+                <a:solidFill>
+                  <a:srgbClr val="000000"/>
+                </a:solidFill>
+                <a:latin typeface="Consolas" panose="020B0609020204030204" pitchFamily="49" charset="0"/>
+              </a:rPr>
+              <a:t>oneItem,ev.currentX,ev.currentY,i</a:t>
+            </a:r>
+            <a:r>
+              <a:rPr lang="en-US" dirty="0">
+                <a:solidFill>
+                  <a:srgbClr val="000000"/>
+                </a:solidFill>
+                <a:latin typeface="Consolas" panose="020B0609020204030204" pitchFamily="49" charset="0"/>
+              </a:rPr>
+              <a:t>);</a:t>
+            </a:r>
+          </a:p>
+          <a:p>
+            <a:pPr marL="114300" indent="0">
+              <a:buNone/>
+            </a:pPr>
+            <a:r>
+              <a:rPr lang="en-US" dirty="0">
+                <a:solidFill>
+                  <a:srgbClr val="000000"/>
+                </a:solidFill>
+                <a:latin typeface="Consolas" panose="020B0609020204030204" pitchFamily="49" charset="0"/>
+              </a:rPr>
+              <a:t>       }</a:t>
+            </a:r>
+          </a:p>
+          <a:p>
+            <a:pPr marL="114300" indent="0">
+              <a:buNone/>
+            </a:pPr>
+            <a:r>
+              <a:rPr lang="en-US" dirty="0">
+                <a:solidFill>
+                  <a:srgbClr val="000000"/>
+                </a:solidFill>
+                <a:latin typeface="Consolas" panose="020B0609020204030204" pitchFamily="49" charset="0"/>
+              </a:rPr>
+              <a:t>  });</a:t>
+            </a:r>
+          </a:p>
+          <a:p>
+            <a:pPr marL="114300" indent="0">
+              <a:buNone/>
+            </a:pPr>
+            <a:r>
+              <a:rPr lang="en-US" dirty="0">
+                <a:solidFill>
+                  <a:srgbClr val="000000"/>
+                </a:solidFill>
+                <a:latin typeface="Consolas" panose="020B0609020204030204" pitchFamily="49" charset="0"/>
+              </a:rPr>
+              <a:t>  </a:t>
+            </a:r>
+            <a:r>
+              <a:rPr lang="en-US" dirty="0" err="1">
+                <a:solidFill>
+                  <a:srgbClr val="000000"/>
+                </a:solidFill>
+                <a:latin typeface="Consolas" panose="020B0609020204030204" pitchFamily="49" charset="0"/>
+              </a:rPr>
+              <a:t>drag.enable</a:t>
+            </a:r>
+            <a:r>
+              <a:rPr lang="en-US" dirty="0">
+                <a:solidFill>
+                  <a:srgbClr val="000000"/>
+                </a:solidFill>
+                <a:latin typeface="Consolas" panose="020B0609020204030204" pitchFamily="49" charset="0"/>
+              </a:rPr>
+              <a:t>();</a:t>
+            </a:r>
+          </a:p>
+          <a:p>
+            <a:pPr marL="114300" indent="0">
+              <a:buNone/>
+            </a:pPr>
+            <a:r>
+              <a:rPr lang="en-US" dirty="0">
+                <a:solidFill>
+                  <a:srgbClr val="000000"/>
+                </a:solidFill>
+                <a:latin typeface="Consolas" panose="020B0609020204030204" pitchFamily="49" charset="0"/>
+              </a:rPr>
+              <a:t>  </a:t>
+            </a:r>
+            <a:r>
+              <a:rPr lang="en-US" dirty="0" err="1">
+                <a:solidFill>
+                  <a:srgbClr val="0000FF"/>
+                </a:solidFill>
+                <a:latin typeface="Consolas" panose="020B0609020204030204" pitchFamily="49" charset="0"/>
+              </a:rPr>
+              <a:t>this</a:t>
+            </a:r>
+            <a:r>
+              <a:rPr lang="en-US" dirty="0" err="1">
+                <a:solidFill>
+                  <a:srgbClr val="000000"/>
+                </a:solidFill>
+                <a:latin typeface="Consolas" panose="020B0609020204030204" pitchFamily="49" charset="0"/>
+              </a:rPr>
+              <a:t>.gesturearray.push</a:t>
+            </a:r>
+            <a:r>
+              <a:rPr lang="en-US" dirty="0">
+                <a:solidFill>
+                  <a:srgbClr val="000000"/>
+                </a:solidFill>
+                <a:latin typeface="Consolas" panose="020B0609020204030204" pitchFamily="49" charset="0"/>
+              </a:rPr>
+              <a:t>(drag);</a:t>
+            </a:r>
+          </a:p>
+          <a:p>
+            <a:pPr marL="114300" indent="0">
+              <a:buNone/>
+            </a:pPr>
+            <a:r>
+              <a:rPr lang="en-US" dirty="0">
+                <a:solidFill>
+                  <a:srgbClr val="000000"/>
+                </a:solidFill>
+                <a:latin typeface="Consolas" panose="020B0609020204030204" pitchFamily="49" charset="0"/>
+              </a:rPr>
+              <a:t>  }</a:t>
+            </a:r>
+          </a:p>
+          <a:p>
+            <a:pPr marL="114300" indent="0">
+              <a:buNone/>
+            </a:pPr>
+            <a:r>
+              <a:rPr lang="en-US" dirty="0">
+                <a:solidFill>
+                  <a:srgbClr val="000000"/>
+                </a:solidFill>
+                <a:latin typeface="Consolas" panose="020B0609020204030204" pitchFamily="49" charset="0"/>
+              </a:rPr>
+              <a:t>  </a:t>
+            </a:r>
+            <a:r>
+              <a:rPr lang="en-US" dirty="0" err="1">
+                <a:solidFill>
+                  <a:srgbClr val="0000FF"/>
+                </a:solidFill>
+                <a:latin typeface="Consolas" panose="020B0609020204030204" pitchFamily="49" charset="0"/>
+              </a:rPr>
+              <a:t>this</a:t>
+            </a:r>
+            <a:r>
+              <a:rPr lang="en-US" dirty="0" err="1">
+                <a:solidFill>
+                  <a:srgbClr val="000000"/>
+                </a:solidFill>
+                <a:latin typeface="Consolas" panose="020B0609020204030204" pitchFamily="49" charset="0"/>
+              </a:rPr>
+              <a:t>.items.changes.subscribe</a:t>
+            </a:r>
+            <a:r>
+              <a:rPr lang="en-US" dirty="0">
+                <a:solidFill>
+                  <a:srgbClr val="000000"/>
+                </a:solidFill>
+                <a:latin typeface="Consolas" panose="020B0609020204030204" pitchFamily="49" charset="0"/>
+              </a:rPr>
+              <a:t>(res </a:t>
+            </a:r>
+            <a:r>
+              <a:rPr lang="en-US" dirty="0">
+                <a:solidFill>
+                  <a:srgbClr val="0000FF"/>
+                </a:solidFill>
+                <a:latin typeface="Consolas" panose="020B0609020204030204" pitchFamily="49" charset="0"/>
+              </a:rPr>
               <a:t>=&gt;</a:t>
             </a:r>
             <a:r>
@@ -8793,57 +9537,16 @@
                 </a:solidFill>
                 <a:latin typeface="Consolas" panose="020B0609020204030204" pitchFamily="49" charset="0"/>
               </a:rPr>
-              <a:t>         </a:t>
+              <a:t>    </a:t>
             </a:r>
             <a:r>
               <a:rPr lang="en-US" dirty="0" err="1">
                 <a:solidFill>
-                  <a:srgbClr val="000000"/>
-                </a:solidFill>
-                <a:latin typeface="Consolas" panose="020B0609020204030204" pitchFamily="49" charset="0"/>
-              </a:rPr>
-              <a:t>oneItem.nativeElement.style.transition</a:t>
-            </a:r>
-            <a:r>
-              <a:rPr lang="en-US" dirty="0">
-                <a:solidFill>
-                  <a:srgbClr val="000000"/>
-                </a:solidFill>
-                <a:latin typeface="Consolas" panose="020B0609020204030204" pitchFamily="49" charset="0"/>
-              </a:rPr>
-              <a:t> = </a:t>
-            </a:r>
-            <a:r>
-              <a:rPr lang="en-US" dirty="0">
-                <a:solidFill>
-                  <a:srgbClr val="A31515"/>
-                </a:solidFill>
-                <a:latin typeface="Consolas" panose="020B0609020204030204" pitchFamily="49" charset="0"/>
-              </a:rPr>
-              <a:t>''</a:t>
-            </a:r>
-            <a:r>
-              <a:rPr lang="en-US" dirty="0">
-                <a:solidFill>
-                  <a:srgbClr val="000000"/>
-                </a:solidFill>
-                <a:latin typeface="Consolas" panose="020B0609020204030204" pitchFamily="49" charset="0"/>
-              </a:rPr>
-              <a:t>;</a:t>
-            </a:r>
-          </a:p>
-          <a:p>
-            <a:pPr marL="114300" indent="0">
-              <a:buNone/>
-            </a:pPr>
-            <a:r>
-              <a:rPr lang="en-US" dirty="0">
-                <a:solidFill>
-                  <a:srgbClr val="000000"/>
-                </a:solidFill>
-                <a:latin typeface="Consolas" panose="020B0609020204030204" pitchFamily="49" charset="0"/>
-              </a:rPr>
-              <a:t>         </a:t>
+                  <a:srgbClr val="0000FF"/>
+                </a:solidFill>
+                <a:latin typeface="Consolas" panose="020B0609020204030204" pitchFamily="49" charset="0"/>
+              </a:rPr>
+              <a:t>this</a:t>
             </a:r>
             <a:r>
               <a:rPr lang="en-US" dirty="0" err="1">
@@ -8852,116 +9555,7 @@
                 </a:solidFill>
                 <a:latin typeface="Consolas" panose="020B0609020204030204" pitchFamily="49" charset="0"/>
               </a:rPr>
-              <a:t>oneItem.nativeElement.style.opacity</a:t>
-            </a:r>
-            <a:r>
-              <a:rPr lang="en-US" dirty="0">
-                <a:solidFill>
-                  <a:srgbClr val="000000"/>
-                </a:solidFill>
-                <a:latin typeface="Consolas" panose="020B0609020204030204" pitchFamily="49" charset="0"/>
-              </a:rPr>
-              <a:t> = </a:t>
-            </a:r>
-            <a:r>
-              <a:rPr lang="en-US" dirty="0">
-                <a:solidFill>
-                  <a:srgbClr val="A31515"/>
-                </a:solidFill>
-                <a:latin typeface="Consolas" panose="020B0609020204030204" pitchFamily="49" charset="0"/>
-              </a:rPr>
-              <a:t>'0.8'</a:t>
-            </a:r>
-            <a:r>
-              <a:rPr lang="en-US" dirty="0">
-                <a:solidFill>
-                  <a:srgbClr val="000000"/>
-                </a:solidFill>
-                <a:latin typeface="Consolas" panose="020B0609020204030204" pitchFamily="49" charset="0"/>
-              </a:rPr>
-              <a:t>;</a:t>
-            </a:r>
-          </a:p>
-          <a:p>
-            <a:pPr marL="114300" indent="0">
-              <a:buNone/>
-            </a:pPr>
-            <a:r>
-              <a:rPr lang="en-US" dirty="0">
-                <a:solidFill>
-                  <a:srgbClr val="000000"/>
-                </a:solidFill>
-                <a:latin typeface="Consolas" panose="020B0609020204030204" pitchFamily="49" charset="0"/>
-              </a:rPr>
-              <a:t>         </a:t>
-            </a:r>
-            <a:r>
-              <a:rPr lang="en-US" dirty="0" err="1">
-                <a:solidFill>
-                  <a:srgbClr val="000000"/>
-                </a:solidFill>
-                <a:latin typeface="Consolas" panose="020B0609020204030204" pitchFamily="49" charset="0"/>
-              </a:rPr>
-              <a:t>oneItem.nativeElement.style.fontWeight</a:t>
-            </a:r>
-            <a:r>
-              <a:rPr lang="en-US" dirty="0">
-                <a:solidFill>
-                  <a:srgbClr val="000000"/>
-                </a:solidFill>
-                <a:latin typeface="Consolas" panose="020B0609020204030204" pitchFamily="49" charset="0"/>
-              </a:rPr>
-              <a:t> = </a:t>
-            </a:r>
-            <a:r>
-              <a:rPr lang="en-US" dirty="0">
-                <a:solidFill>
-                  <a:srgbClr val="A31515"/>
-                </a:solidFill>
-                <a:latin typeface="Consolas" panose="020B0609020204030204" pitchFamily="49" charset="0"/>
-              </a:rPr>
-              <a:t>'bold'</a:t>
-            </a:r>
-            <a:r>
-              <a:rPr lang="en-US" dirty="0">
-                <a:solidFill>
-                  <a:srgbClr val="000000"/>
-                </a:solidFill>
-                <a:latin typeface="Consolas" panose="020B0609020204030204" pitchFamily="49" charset="0"/>
-              </a:rPr>
-              <a:t>;</a:t>
-            </a:r>
-          </a:p>
-          <a:p>
-            <a:pPr marL="114300" indent="0">
-              <a:buNone/>
-            </a:pPr>
-            <a:r>
-              <a:rPr lang="en-US" dirty="0">
-                <a:solidFill>
-                  <a:srgbClr val="000000"/>
-                </a:solidFill>
-                <a:latin typeface="Consolas" panose="020B0609020204030204" pitchFamily="49" charset="0"/>
-              </a:rPr>
-              <a:t>         </a:t>
-            </a:r>
-            <a:r>
-              <a:rPr lang="en-US" dirty="0" err="1">
-                <a:solidFill>
-                  <a:srgbClr val="0000FF"/>
-                </a:solidFill>
-                <a:latin typeface="Consolas" panose="020B0609020204030204" pitchFamily="49" charset="0"/>
-              </a:rPr>
-              <a:t>this</a:t>
-            </a:r>
-            <a:r>
-              <a:rPr lang="en-US" dirty="0" err="1">
-                <a:solidFill>
-                  <a:srgbClr val="000000"/>
-                </a:solidFill>
-                <a:latin typeface="Consolas" panose="020B0609020204030204" pitchFamily="49" charset="0"/>
-              </a:rPr>
-              <a:t>.changeDetectorRef.detectChanges</a:t>
+              <a:t>.updateGestures</a:t>
             </a:r>
             <a:r>
               <a:rPr lang="en-US" dirty="0">
@@ -8984,880 +9578,22 @@
                 </a:solidFill>
                 <a:latin typeface="Consolas" panose="020B0609020204030204" pitchFamily="49" charset="0"/>
               </a:rPr>
-              <a:t> </a:t>
-            </a:r>
-            <a:r>
-              <a:rPr lang="en-US" dirty="0" smtClean="0">
-                <a:solidFill>
-                  <a:srgbClr val="000000"/>
-                </a:solidFill>
-                <a:latin typeface="Consolas" panose="020B0609020204030204" pitchFamily="49" charset="0"/>
-              </a:rPr>
-              <a:t> </a:t>
-            </a:r>
-            <a:r>
-              <a:rPr lang="en-US" dirty="0">
-                <a:solidFill>
-                  <a:srgbClr val="000000"/>
-                </a:solidFill>
-                <a:latin typeface="Consolas" panose="020B0609020204030204" pitchFamily="49" charset="0"/>
-              </a:rPr>
-              <a:t>      },</a:t>
-            </a:r>
-          </a:p>
-          <a:p>
-            <a:pPr marL="114300" indent="0">
-              <a:buNone/>
-            </a:pPr>
-            <a:r>
-              <a:rPr lang="en-US" dirty="0">
-                <a:solidFill>
-                  <a:srgbClr val="000000"/>
-                </a:solidFill>
-                <a:latin typeface="Consolas" panose="020B0609020204030204" pitchFamily="49" charset="0"/>
-              </a:rPr>
-              <a:t>     </a:t>
-            </a:r>
-            <a:r>
-              <a:rPr lang="en-US" dirty="0" err="1">
-                <a:solidFill>
-                  <a:srgbClr val="000000"/>
-                </a:solidFill>
-                <a:latin typeface="Consolas" panose="020B0609020204030204" pitchFamily="49" charset="0"/>
-              </a:rPr>
-              <a:t>onMove</a:t>
-            </a:r>
-            <a:r>
-              <a:rPr lang="en-US" dirty="0">
-                <a:solidFill>
-                  <a:srgbClr val="000000"/>
-                </a:solidFill>
-                <a:latin typeface="Consolas" panose="020B0609020204030204" pitchFamily="49" charset="0"/>
-              </a:rPr>
-              <a:t>: </a:t>
-            </a:r>
-            <a:r>
-              <a:rPr lang="en-US" dirty="0" err="1">
-                <a:solidFill>
-                  <a:srgbClr val="000000"/>
-                </a:solidFill>
-                <a:latin typeface="Consolas" panose="020B0609020204030204" pitchFamily="49" charset="0"/>
-              </a:rPr>
-              <a:t>ev</a:t>
-            </a:r>
-            <a:r>
-              <a:rPr lang="en-US" dirty="0">
-                <a:solidFill>
-                  <a:srgbClr val="000000"/>
-                </a:solidFill>
-                <a:latin typeface="Consolas" panose="020B0609020204030204" pitchFamily="49" charset="0"/>
-              </a:rPr>
-              <a:t> </a:t>
-            </a:r>
-            <a:r>
-              <a:rPr lang="en-US" dirty="0">
-                <a:solidFill>
-                  <a:srgbClr val="0000FF"/>
-                </a:solidFill>
-                <a:latin typeface="Consolas" panose="020B0609020204030204" pitchFamily="49" charset="0"/>
-              </a:rPr>
-              <a:t>=&gt;</a:t>
-            </a:r>
-            <a:r>
-              <a:rPr lang="en-US" dirty="0">
-                <a:solidFill>
-                  <a:srgbClr val="000000"/>
-                </a:solidFill>
-                <a:latin typeface="Consolas" panose="020B0609020204030204" pitchFamily="49" charset="0"/>
-              </a:rPr>
-              <a:t> {</a:t>
-            </a:r>
-          </a:p>
-          <a:p>
-            <a:pPr marL="114300" indent="0">
-              <a:buNone/>
-            </a:pPr>
-            <a:r>
-              <a:rPr lang="en-US" dirty="0">
-                <a:solidFill>
-                  <a:srgbClr val="000000"/>
-                </a:solidFill>
-                <a:latin typeface="Consolas" panose="020B0609020204030204" pitchFamily="49" charset="0"/>
-              </a:rPr>
-              <a:t> </a:t>
-            </a:r>
-            <a:r>
-              <a:rPr lang="en-US" dirty="0" smtClean="0">
-                <a:solidFill>
-                  <a:srgbClr val="000000"/>
-                </a:solidFill>
-                <a:latin typeface="Consolas" panose="020B0609020204030204" pitchFamily="49" charset="0"/>
-              </a:rPr>
-              <a:t> </a:t>
-            </a:r>
-            <a:r>
-              <a:rPr lang="en-US" dirty="0">
-                <a:solidFill>
-                  <a:srgbClr val="000000"/>
-                </a:solidFill>
-                <a:latin typeface="Consolas" panose="020B0609020204030204" pitchFamily="49" charset="0"/>
-              </a:rPr>
-              <a:t>      </a:t>
-            </a:r>
-            <a:r>
-              <a:rPr lang="en-US" dirty="0" err="1">
-                <a:solidFill>
-                  <a:srgbClr val="000000"/>
-                </a:solidFill>
-                <a:latin typeface="Consolas" panose="020B0609020204030204" pitchFamily="49" charset="0"/>
-              </a:rPr>
-              <a:t>oneItem.nativeElement.style.transform</a:t>
-            </a:r>
-            <a:r>
-              <a:rPr lang="en-US" dirty="0">
-                <a:solidFill>
-                  <a:srgbClr val="000000"/>
-                </a:solidFill>
-                <a:latin typeface="Consolas" panose="020B0609020204030204" pitchFamily="49" charset="0"/>
-              </a:rPr>
-              <a:t> = </a:t>
-            </a:r>
-            <a:r>
-              <a:rPr lang="en-US" dirty="0">
-                <a:solidFill>
-                  <a:srgbClr val="A31515"/>
-                </a:solidFill>
-                <a:latin typeface="Consolas" panose="020B0609020204030204" pitchFamily="49" charset="0"/>
-              </a:rPr>
-              <a:t>`translate(</a:t>
-            </a:r>
-            <a:r>
-              <a:rPr lang="en-US" dirty="0">
-                <a:solidFill>
-                  <a:srgbClr val="0000FF"/>
-                </a:solidFill>
-                <a:latin typeface="Consolas" panose="020B0609020204030204" pitchFamily="49" charset="0"/>
-              </a:rPr>
-              <a:t>${</a:t>
-            </a:r>
-            <a:r>
-              <a:rPr lang="en-US" dirty="0" err="1">
-                <a:solidFill>
-                  <a:srgbClr val="000000"/>
-                </a:solidFill>
-                <a:latin typeface="Consolas" panose="020B0609020204030204" pitchFamily="49" charset="0"/>
-              </a:rPr>
-              <a:t>ev.deltaX</a:t>
-            </a:r>
-            <a:r>
-              <a:rPr lang="en-US" dirty="0">
-                <a:solidFill>
-                  <a:srgbClr val="0000FF"/>
+              <a:t>  });</a:t>
+            </a:r>
+          </a:p>
+          <a:p>
+            <a:pPr marL="114300" indent="0">
+              <a:buNone/>
+            </a:pPr>
+            <a:r>
+              <a:rPr lang="en-US" dirty="0">
+                <a:solidFill>
+                  <a:srgbClr val="000000"/>
                 </a:solidFill>
                 <a:latin typeface="Consolas" panose="020B0609020204030204" pitchFamily="49" charset="0"/>
               </a:rPr>
               <a:t>}</a:t>
             </a:r>
-            <a:r>
-              <a:rPr lang="en-US" dirty="0" err="1">
-                <a:solidFill>
-                  <a:srgbClr val="A31515"/>
-                </a:solidFill>
-                <a:latin typeface="Consolas" panose="020B0609020204030204" pitchFamily="49" charset="0"/>
-              </a:rPr>
-              <a:t>px</a:t>
-            </a:r>
-            <a:r>
-              <a:rPr lang="en-US" dirty="0">
-                <a:solidFill>
-                  <a:srgbClr val="A31515"/>
-                </a:solidFill>
-                <a:latin typeface="Consolas" panose="020B0609020204030204" pitchFamily="49" charset="0"/>
-              </a:rPr>
-              <a:t>, </a:t>
-            </a:r>
-            <a:r>
-              <a:rPr lang="en-US" dirty="0">
-                <a:solidFill>
-                  <a:srgbClr val="0000FF"/>
-                </a:solidFill>
-                <a:latin typeface="Consolas" panose="020B0609020204030204" pitchFamily="49" charset="0"/>
-              </a:rPr>
-              <a:t>${</a:t>
-            </a:r>
-            <a:r>
-              <a:rPr lang="en-US" dirty="0" err="1">
-                <a:solidFill>
-                  <a:srgbClr val="000000"/>
-                </a:solidFill>
-                <a:latin typeface="Consolas" panose="020B0609020204030204" pitchFamily="49" charset="0"/>
-              </a:rPr>
-              <a:t>ev.deltaY</a:t>
-            </a:r>
-            <a:r>
-              <a:rPr lang="en-US" dirty="0">
-                <a:solidFill>
-                  <a:srgbClr val="0000FF"/>
-                </a:solidFill>
-                <a:latin typeface="Consolas" panose="020B0609020204030204" pitchFamily="49" charset="0"/>
-              </a:rPr>
-              <a:t>}</a:t>
-            </a:r>
-            <a:r>
-              <a:rPr lang="en-US" dirty="0" err="1">
-                <a:solidFill>
-                  <a:srgbClr val="A31515"/>
-                </a:solidFill>
-                <a:latin typeface="Consolas" panose="020B0609020204030204" pitchFamily="49" charset="0"/>
-              </a:rPr>
-              <a:t>px</a:t>
-            </a:r>
-            <a:r>
-              <a:rPr lang="en-US" dirty="0">
-                <a:solidFill>
-                  <a:srgbClr val="A31515"/>
-                </a:solidFill>
-                <a:latin typeface="Consolas" panose="020B0609020204030204" pitchFamily="49" charset="0"/>
-              </a:rPr>
-              <a:t>)`</a:t>
-            </a:r>
-            <a:r>
-              <a:rPr lang="en-US" dirty="0">
-                <a:solidFill>
-                  <a:srgbClr val="000000"/>
-                </a:solidFill>
-                <a:latin typeface="Consolas" panose="020B0609020204030204" pitchFamily="49" charset="0"/>
-              </a:rPr>
-              <a:t>;</a:t>
-            </a:r>
-          </a:p>
-          <a:p>
-            <a:pPr marL="114300" indent="0">
-              <a:buNone/>
-            </a:pPr>
-            <a:r>
-              <a:rPr lang="en-US" dirty="0">
-                <a:solidFill>
-                  <a:srgbClr val="000000"/>
-                </a:solidFill>
-                <a:latin typeface="Consolas" panose="020B0609020204030204" pitchFamily="49" charset="0"/>
-              </a:rPr>
-              <a:t> </a:t>
-            </a:r>
-            <a:r>
-              <a:rPr lang="en-US" dirty="0" smtClean="0">
-                <a:solidFill>
-                  <a:srgbClr val="000000"/>
-                </a:solidFill>
-                <a:latin typeface="Consolas" panose="020B0609020204030204" pitchFamily="49" charset="0"/>
-              </a:rPr>
-              <a:t> </a:t>
-            </a:r>
-            <a:r>
-              <a:rPr lang="en-US" dirty="0">
-                <a:solidFill>
-                  <a:srgbClr val="000000"/>
-                </a:solidFill>
-                <a:latin typeface="Consolas" panose="020B0609020204030204" pitchFamily="49" charset="0"/>
-              </a:rPr>
-              <a:t>      </a:t>
-            </a:r>
-            <a:r>
-              <a:rPr lang="en-US" dirty="0" err="1">
-                <a:solidFill>
-                  <a:srgbClr val="000000"/>
-                </a:solidFill>
-                <a:latin typeface="Consolas" panose="020B0609020204030204" pitchFamily="49" charset="0"/>
-              </a:rPr>
-              <a:t>oneItem.nativeElement.style.zIndex</a:t>
-            </a:r>
-            <a:r>
-              <a:rPr lang="en-US" dirty="0">
-                <a:solidFill>
-                  <a:srgbClr val="000000"/>
-                </a:solidFill>
-                <a:latin typeface="Consolas" panose="020B0609020204030204" pitchFamily="49" charset="0"/>
-              </a:rPr>
-              <a:t> = </a:t>
-            </a:r>
-            <a:r>
-              <a:rPr lang="en-US" dirty="0">
-                <a:solidFill>
-                  <a:srgbClr val="098658"/>
-                </a:solidFill>
-                <a:latin typeface="Consolas" panose="020B0609020204030204" pitchFamily="49" charset="0"/>
-              </a:rPr>
-              <a:t>11</a:t>
-            </a:r>
-            <a:r>
-              <a:rPr lang="en-US" dirty="0">
-                <a:solidFill>
-                  <a:srgbClr val="000000"/>
-                </a:solidFill>
-                <a:latin typeface="Consolas" panose="020B0609020204030204" pitchFamily="49" charset="0"/>
-              </a:rPr>
-              <a:t>; </a:t>
-            </a:r>
-          </a:p>
-          <a:p>
-            <a:pPr marL="114300" indent="0">
-              <a:buNone/>
-            </a:pPr>
-            <a:r>
-              <a:rPr lang="en-US" dirty="0">
-                <a:solidFill>
-                  <a:srgbClr val="000000"/>
-                </a:solidFill>
-                <a:latin typeface="Consolas" panose="020B0609020204030204" pitchFamily="49" charset="0"/>
-              </a:rPr>
-              <a:t> </a:t>
-            </a:r>
-            <a:r>
-              <a:rPr lang="en-US" dirty="0" smtClean="0">
-                <a:solidFill>
-                  <a:srgbClr val="000000"/>
-                </a:solidFill>
-                <a:latin typeface="Consolas" panose="020B0609020204030204" pitchFamily="49" charset="0"/>
-              </a:rPr>
-              <a:t> </a:t>
-            </a:r>
-            <a:r>
-              <a:rPr lang="en-US" dirty="0">
-                <a:solidFill>
-                  <a:srgbClr val="000000"/>
-                </a:solidFill>
-                <a:latin typeface="Consolas" panose="020B0609020204030204" pitchFamily="49" charset="0"/>
-              </a:rPr>
-              <a:t>      </a:t>
-            </a:r>
-            <a:r>
-              <a:rPr lang="en-US" dirty="0" err="1">
-                <a:solidFill>
-                  <a:srgbClr val="0000FF"/>
-                </a:solidFill>
-                <a:latin typeface="Consolas" panose="020B0609020204030204" pitchFamily="49" charset="0"/>
-              </a:rPr>
-              <a:t>this</a:t>
-            </a:r>
-            <a:r>
-              <a:rPr lang="en-US" dirty="0" err="1">
-                <a:solidFill>
-                  <a:srgbClr val="000000"/>
-                </a:solidFill>
-                <a:latin typeface="Consolas" panose="020B0609020204030204" pitchFamily="49" charset="0"/>
-              </a:rPr>
-              <a:t>.checkDropZoneHover</a:t>
-            </a:r>
-            <a:r>
-              <a:rPr lang="en-US" dirty="0">
-                <a:solidFill>
-                  <a:srgbClr val="000000"/>
-                </a:solidFill>
-                <a:latin typeface="Consolas" panose="020B0609020204030204" pitchFamily="49" charset="0"/>
-              </a:rPr>
-              <a:t>(</a:t>
-            </a:r>
-            <a:r>
-              <a:rPr lang="en-US" dirty="0" err="1">
-                <a:solidFill>
-                  <a:srgbClr val="000000"/>
-                </a:solidFill>
-                <a:latin typeface="Consolas" panose="020B0609020204030204" pitchFamily="49" charset="0"/>
-              </a:rPr>
-              <a:t>ev.currentX,ev.currentY</a:t>
-            </a:r>
-            <a:r>
-              <a:rPr lang="en-US" dirty="0">
-                <a:solidFill>
-                  <a:srgbClr val="000000"/>
-                </a:solidFill>
-                <a:latin typeface="Consolas" panose="020B0609020204030204" pitchFamily="49" charset="0"/>
-              </a:rPr>
-              <a:t>);</a:t>
-            </a:r>
-          </a:p>
-          <a:p>
-            <a:pPr marL="114300" indent="0">
-              <a:buNone/>
-            </a:pPr>
-            <a:r>
-              <a:rPr lang="en-US" dirty="0">
-                <a:solidFill>
-                  <a:srgbClr val="000000"/>
-                </a:solidFill>
-                <a:latin typeface="Consolas" panose="020B0609020204030204" pitchFamily="49" charset="0"/>
-              </a:rPr>
-              <a:t> </a:t>
-            </a:r>
-            <a:r>
-              <a:rPr lang="en-US" dirty="0" smtClean="0">
-                <a:solidFill>
-                  <a:srgbClr val="000000"/>
-                </a:solidFill>
-                <a:latin typeface="Consolas" panose="020B0609020204030204" pitchFamily="49" charset="0"/>
-              </a:rPr>
-              <a:t> </a:t>
-            </a:r>
-            <a:r>
-              <a:rPr lang="en-US" dirty="0">
-                <a:solidFill>
-                  <a:srgbClr val="000000"/>
-                </a:solidFill>
-                <a:latin typeface="Consolas" panose="020B0609020204030204" pitchFamily="49" charset="0"/>
-              </a:rPr>
-              <a:t>      },</a:t>
-            </a:r>
-          </a:p>
-          <a:p>
-            <a:pPr marL="114300" indent="0">
-              <a:buNone/>
-            </a:pPr>
-            <a:r>
-              <a:rPr lang="en-US" dirty="0">
-                <a:solidFill>
-                  <a:srgbClr val="000000"/>
-                </a:solidFill>
-                <a:latin typeface="Consolas" panose="020B0609020204030204" pitchFamily="49" charset="0"/>
-              </a:rPr>
-              <a:t>     </a:t>
-            </a:r>
-            <a:r>
-              <a:rPr lang="en-US" dirty="0" err="1">
-                <a:solidFill>
-                  <a:srgbClr val="000000"/>
-                </a:solidFill>
-                <a:latin typeface="Consolas" panose="020B0609020204030204" pitchFamily="49" charset="0"/>
-              </a:rPr>
-              <a:t>onEnd</a:t>
-            </a:r>
-            <a:r>
-              <a:rPr lang="en-US" dirty="0">
-                <a:solidFill>
-                  <a:srgbClr val="000000"/>
-                </a:solidFill>
-                <a:latin typeface="Consolas" panose="020B0609020204030204" pitchFamily="49" charset="0"/>
-              </a:rPr>
-              <a:t>: </a:t>
-            </a:r>
-            <a:r>
-              <a:rPr lang="en-US" dirty="0" err="1">
-                <a:solidFill>
-                  <a:srgbClr val="000000"/>
-                </a:solidFill>
-                <a:latin typeface="Consolas" panose="020B0609020204030204" pitchFamily="49" charset="0"/>
-              </a:rPr>
-              <a:t>ev</a:t>
-            </a:r>
-            <a:r>
-              <a:rPr lang="en-US" dirty="0">
-                <a:solidFill>
-                  <a:srgbClr val="000000"/>
-                </a:solidFill>
-                <a:latin typeface="Consolas" panose="020B0609020204030204" pitchFamily="49" charset="0"/>
-              </a:rPr>
-              <a:t> </a:t>
-            </a:r>
-            <a:r>
-              <a:rPr lang="en-US" dirty="0">
-                <a:solidFill>
-                  <a:srgbClr val="0000FF"/>
-                </a:solidFill>
-                <a:latin typeface="Consolas" panose="020B0609020204030204" pitchFamily="49" charset="0"/>
-              </a:rPr>
-              <a:t>=&gt;</a:t>
-            </a:r>
-            <a:r>
-              <a:rPr lang="en-US" dirty="0">
-                <a:solidFill>
-                  <a:srgbClr val="000000"/>
-                </a:solidFill>
-                <a:latin typeface="Consolas" panose="020B0609020204030204" pitchFamily="49" charset="0"/>
-              </a:rPr>
-              <a:t> {</a:t>
-            </a:r>
-          </a:p>
-          <a:p>
-            <a:pPr marL="114300" indent="0">
-              <a:buNone/>
-            </a:pPr>
-            <a:r>
-              <a:rPr lang="en-US" dirty="0">
-                <a:solidFill>
-                  <a:srgbClr val="000000"/>
-                </a:solidFill>
-                <a:latin typeface="Consolas" panose="020B0609020204030204" pitchFamily="49" charset="0"/>
-              </a:rPr>
-              <a:t> </a:t>
-            </a:r>
-            <a:r>
-              <a:rPr lang="en-US" dirty="0" smtClean="0">
-                <a:solidFill>
-                  <a:srgbClr val="000000"/>
-                </a:solidFill>
-                <a:latin typeface="Consolas" panose="020B0609020204030204" pitchFamily="49" charset="0"/>
-              </a:rPr>
-              <a:t> </a:t>
-            </a:r>
-            <a:r>
-              <a:rPr lang="en-US" dirty="0">
-                <a:solidFill>
-                  <a:srgbClr val="000000"/>
-                </a:solidFill>
-                <a:latin typeface="Consolas" panose="020B0609020204030204" pitchFamily="49" charset="0"/>
-              </a:rPr>
-              <a:t>      </a:t>
-            </a:r>
-            <a:r>
-              <a:rPr lang="en-US" dirty="0" err="1">
-                <a:solidFill>
-                  <a:srgbClr val="0000FF"/>
-                </a:solidFill>
-                <a:latin typeface="Consolas" panose="020B0609020204030204" pitchFamily="49" charset="0"/>
-              </a:rPr>
-              <a:t>this</a:t>
-            </a:r>
-            <a:r>
-              <a:rPr lang="en-US" dirty="0" err="1">
-                <a:solidFill>
-                  <a:srgbClr val="000000"/>
-                </a:solidFill>
-                <a:latin typeface="Consolas" panose="020B0609020204030204" pitchFamily="49" charset="0"/>
-              </a:rPr>
-              <a:t>.handleDrop</a:t>
-            </a:r>
-            <a:r>
-              <a:rPr lang="en-US" dirty="0">
-                <a:solidFill>
-                  <a:srgbClr val="000000"/>
-                </a:solidFill>
-                <a:latin typeface="Consolas" panose="020B0609020204030204" pitchFamily="49" charset="0"/>
-              </a:rPr>
-              <a:t>(</a:t>
-            </a:r>
-            <a:r>
-              <a:rPr lang="en-US" dirty="0" err="1">
-                <a:solidFill>
-                  <a:srgbClr val="000000"/>
-                </a:solidFill>
-                <a:latin typeface="Consolas" panose="020B0609020204030204" pitchFamily="49" charset="0"/>
-              </a:rPr>
-              <a:t>oneItem,ev.currentX,ev.currentY,i</a:t>
-            </a:r>
-            <a:r>
-              <a:rPr lang="en-US" dirty="0">
-                <a:solidFill>
-                  <a:srgbClr val="000000"/>
-                </a:solidFill>
-                <a:latin typeface="Consolas" panose="020B0609020204030204" pitchFamily="49" charset="0"/>
-              </a:rPr>
-              <a:t>);</a:t>
-            </a:r>
-          </a:p>
-          <a:p>
-            <a:pPr marL="114300" indent="0">
-              <a:buNone/>
-            </a:pPr>
-            <a:r>
-              <a:rPr lang="en-US" dirty="0">
-                <a:solidFill>
-                  <a:srgbClr val="000000"/>
-                </a:solidFill>
-                <a:latin typeface="Consolas" panose="020B0609020204030204" pitchFamily="49" charset="0"/>
-              </a:rPr>
-              <a:t> </a:t>
-            </a:r>
-            <a:r>
-              <a:rPr lang="en-US" dirty="0" smtClean="0">
-                <a:solidFill>
-                  <a:srgbClr val="000000"/>
-                </a:solidFill>
-                <a:latin typeface="Consolas" panose="020B0609020204030204" pitchFamily="49" charset="0"/>
-              </a:rPr>
-              <a:t>  </a:t>
-            </a:r>
-            <a:r>
-              <a:rPr lang="en-US" dirty="0">
-                <a:solidFill>
-                  <a:srgbClr val="000000"/>
-                </a:solidFill>
-                <a:latin typeface="Consolas" panose="020B0609020204030204" pitchFamily="49" charset="0"/>
-              </a:rPr>
-              <a:t>    }</a:t>
-            </a:r>
-          </a:p>
-          <a:p>
-            <a:pPr marL="114300" indent="0">
-              <a:buNone/>
-            </a:pPr>
-            <a:r>
-              <a:rPr lang="en-US" dirty="0">
-                <a:solidFill>
-                  <a:srgbClr val="000000"/>
-                </a:solidFill>
-                <a:latin typeface="Consolas" panose="020B0609020204030204" pitchFamily="49" charset="0"/>
-              </a:rPr>
-              <a:t>  </a:t>
-            </a:r>
-            <a:r>
-              <a:rPr lang="en-US" dirty="0" smtClean="0">
-                <a:solidFill>
-                  <a:srgbClr val="000000"/>
-                </a:solidFill>
-                <a:latin typeface="Consolas" panose="020B0609020204030204" pitchFamily="49" charset="0"/>
-              </a:rPr>
-              <a:t>});</a:t>
-            </a:r>
-            <a:endParaRPr lang="en-US" dirty="0">
-              <a:solidFill>
-                <a:srgbClr val="000000"/>
-              </a:solidFill>
-              <a:latin typeface="Consolas" panose="020B0609020204030204" pitchFamily="49" charset="0"/>
-            </a:endParaRPr>
-          </a:p>
-          <a:p>
-            <a:pPr marL="114300" indent="0">
-              <a:buNone/>
-            </a:pPr>
-            <a:r>
-              <a:rPr lang="en-US" dirty="0">
-                <a:solidFill>
-                  <a:srgbClr val="000000"/>
-                </a:solidFill>
-                <a:latin typeface="Consolas" panose="020B0609020204030204" pitchFamily="49" charset="0"/>
-              </a:rPr>
-              <a:t>  </a:t>
-            </a:r>
-            <a:r>
-              <a:rPr lang="en-US" dirty="0" err="1" smtClean="0">
-                <a:solidFill>
-                  <a:srgbClr val="000000"/>
-                </a:solidFill>
-                <a:latin typeface="Consolas" panose="020B0609020204030204" pitchFamily="49" charset="0"/>
-              </a:rPr>
-              <a:t>drag.enable</a:t>
-            </a:r>
-            <a:r>
-              <a:rPr lang="en-US" dirty="0">
-                <a:solidFill>
-                  <a:srgbClr val="000000"/>
-                </a:solidFill>
-                <a:latin typeface="Consolas" panose="020B0609020204030204" pitchFamily="49" charset="0"/>
-              </a:rPr>
-              <a:t>();</a:t>
-            </a:r>
-          </a:p>
-          <a:p>
-            <a:pPr marL="114300" indent="0">
-              <a:buNone/>
-            </a:pPr>
-            <a:r>
-              <a:rPr lang="en-US" dirty="0">
-                <a:solidFill>
-                  <a:srgbClr val="000000"/>
-                </a:solidFill>
-                <a:latin typeface="Consolas" panose="020B0609020204030204" pitchFamily="49" charset="0"/>
-              </a:rPr>
-              <a:t>  </a:t>
-            </a:r>
-            <a:r>
-              <a:rPr lang="en-US" dirty="0" err="1" smtClean="0">
-                <a:solidFill>
-                  <a:srgbClr val="0000FF"/>
-                </a:solidFill>
-                <a:latin typeface="Consolas" panose="020B0609020204030204" pitchFamily="49" charset="0"/>
-              </a:rPr>
-              <a:t>this</a:t>
-            </a:r>
-            <a:r>
-              <a:rPr lang="en-US" dirty="0" err="1" smtClean="0">
-                <a:solidFill>
-                  <a:srgbClr val="000000"/>
-                </a:solidFill>
-                <a:latin typeface="Consolas" panose="020B0609020204030204" pitchFamily="49" charset="0"/>
-              </a:rPr>
-              <a:t>.gesturearray.push</a:t>
-            </a:r>
-            <a:r>
-              <a:rPr lang="en-US" dirty="0" smtClean="0">
-                <a:solidFill>
-                  <a:srgbClr val="000000"/>
-                </a:solidFill>
-                <a:latin typeface="Consolas" panose="020B0609020204030204" pitchFamily="49" charset="0"/>
-              </a:rPr>
-              <a:t>(drag</a:t>
-            </a:r>
-            <a:r>
-              <a:rPr lang="en-US" dirty="0">
-                <a:solidFill>
-                  <a:srgbClr val="000000"/>
-                </a:solidFill>
-                <a:latin typeface="Consolas" panose="020B0609020204030204" pitchFamily="49" charset="0"/>
-              </a:rPr>
-              <a:t>);</a:t>
-            </a:r>
-          </a:p>
-          <a:p>
-            <a:pPr marL="114300" indent="0">
-              <a:buNone/>
-            </a:pPr>
-            <a:r>
-              <a:rPr lang="en-US" dirty="0">
-                <a:solidFill>
-                  <a:srgbClr val="000000"/>
-                </a:solidFill>
-                <a:latin typeface="Consolas" panose="020B0609020204030204" pitchFamily="49" charset="0"/>
-              </a:rPr>
-              <a:t>  </a:t>
-            </a:r>
-            <a:r>
-              <a:rPr lang="en-US" dirty="0" smtClean="0">
-                <a:solidFill>
-                  <a:srgbClr val="000000"/>
-                </a:solidFill>
-                <a:latin typeface="Consolas" panose="020B0609020204030204" pitchFamily="49" charset="0"/>
-              </a:rPr>
-              <a:t>}</a:t>
-            </a:r>
-            <a:endParaRPr lang="en-US" dirty="0">
-              <a:solidFill>
-                <a:srgbClr val="000000"/>
-              </a:solidFill>
-              <a:latin typeface="Consolas" panose="020B0609020204030204" pitchFamily="49" charset="0"/>
-            </a:endParaRPr>
-          </a:p>
-          <a:p>
-            <a:pPr marL="114300" indent="0">
-              <a:buNone/>
-            </a:pPr>
-            <a:r>
-              <a:rPr lang="en-US" dirty="0">
-                <a:solidFill>
-                  <a:srgbClr val="000000"/>
-                </a:solidFill>
-                <a:latin typeface="Consolas" panose="020B0609020204030204" pitchFamily="49" charset="0"/>
-              </a:rPr>
-              <a:t>  </a:t>
-            </a:r>
-            <a:r>
-              <a:rPr lang="en-US" dirty="0" err="1">
-                <a:solidFill>
-                  <a:srgbClr val="0000FF"/>
-                </a:solidFill>
-                <a:latin typeface="Consolas" panose="020B0609020204030204" pitchFamily="49" charset="0"/>
-              </a:rPr>
-              <a:t>this</a:t>
-            </a:r>
-            <a:r>
-              <a:rPr lang="en-US" dirty="0" err="1">
-                <a:solidFill>
-                  <a:srgbClr val="000000"/>
-                </a:solidFill>
-                <a:latin typeface="Consolas" panose="020B0609020204030204" pitchFamily="49" charset="0"/>
-              </a:rPr>
-              <a:t>.items.changes.subscribe</a:t>
-            </a:r>
-            <a:r>
-              <a:rPr lang="en-US" dirty="0">
-                <a:solidFill>
-                  <a:srgbClr val="000000"/>
-                </a:solidFill>
-                <a:latin typeface="Consolas" panose="020B0609020204030204" pitchFamily="49" charset="0"/>
-              </a:rPr>
-              <a:t>(res </a:t>
-            </a:r>
-            <a:r>
-              <a:rPr lang="en-US" dirty="0">
-                <a:solidFill>
-                  <a:srgbClr val="0000FF"/>
-                </a:solidFill>
-                <a:latin typeface="Consolas" panose="020B0609020204030204" pitchFamily="49" charset="0"/>
-              </a:rPr>
-              <a:t>=&gt;</a:t>
-            </a:r>
-            <a:r>
-              <a:rPr lang="en-US" dirty="0">
-                <a:solidFill>
-                  <a:srgbClr val="000000"/>
-                </a:solidFill>
-                <a:latin typeface="Consolas" panose="020B0609020204030204" pitchFamily="49" charset="0"/>
-              </a:rPr>
-              <a:t>{</a:t>
-            </a:r>
-          </a:p>
-          <a:p>
-            <a:pPr marL="114300" indent="0">
-              <a:buNone/>
-            </a:pPr>
-            <a:r>
-              <a:rPr lang="en-US" dirty="0">
-                <a:solidFill>
-                  <a:srgbClr val="000000"/>
-                </a:solidFill>
-                <a:latin typeface="Consolas" panose="020B0609020204030204" pitchFamily="49" charset="0"/>
-              </a:rPr>
-              <a:t>    </a:t>
-            </a:r>
-            <a:r>
-              <a:rPr lang="en-US" dirty="0" err="1">
-                <a:solidFill>
-                  <a:srgbClr val="0000FF"/>
-                </a:solidFill>
-                <a:latin typeface="Consolas" panose="020B0609020204030204" pitchFamily="49" charset="0"/>
-              </a:rPr>
-              <a:t>this</a:t>
-            </a:r>
-            <a:r>
-              <a:rPr lang="en-US" dirty="0" err="1">
-                <a:solidFill>
-                  <a:srgbClr val="000000"/>
-                </a:solidFill>
-                <a:latin typeface="Consolas" panose="020B0609020204030204" pitchFamily="49" charset="0"/>
-              </a:rPr>
-              <a:t>.updateGestures</a:t>
-            </a:r>
-            <a:r>
-              <a:rPr lang="en-US" dirty="0">
-                <a:solidFill>
-                  <a:srgbClr val="000000"/>
-                </a:solidFill>
-                <a:latin typeface="Consolas" panose="020B0609020204030204" pitchFamily="49" charset="0"/>
-              </a:rPr>
-              <a:t>();</a:t>
-            </a:r>
-          </a:p>
-          <a:p>
-            <a:pPr marL="114300" indent="0">
-              <a:buNone/>
-            </a:pPr>
-            <a:r>
-              <a:rPr lang="en-US" dirty="0">
-                <a:solidFill>
-                  <a:srgbClr val="000000"/>
-                </a:solidFill>
-                <a:latin typeface="Consolas" panose="020B0609020204030204" pitchFamily="49" charset="0"/>
-              </a:rPr>
-              <a:t>  });</a:t>
-            </a:r>
-          </a:p>
-          <a:p>
-            <a:pPr marL="114300" indent="0">
-              <a:buNone/>
-            </a:pPr>
-            <a:r>
-              <a:rPr lang="en-US" dirty="0" smtClean="0">
-                <a:solidFill>
-                  <a:srgbClr val="000000"/>
-                </a:solidFill>
-                <a:latin typeface="Consolas" panose="020B0609020204030204" pitchFamily="49" charset="0"/>
-              </a:rPr>
-              <a:t>}</a:t>
-            </a:r>
-            <a:endParaRPr lang="en-US" dirty="0">
-              <a:solidFill>
-                <a:srgbClr val="000000"/>
-              </a:solidFill>
-              <a:latin typeface="Consolas" panose="020B0609020204030204" pitchFamily="49" charset="0"/>
-            </a:endParaRPr>
           </a:p>
           <a:p>
             <a:pPr marL="114300" indent="0">
@@ -9924,10 +9660,9 @@
           <a:lstStyle/>
           <a:p>
             <a:r>
-              <a:rPr lang="en-US" dirty="0" smtClean="0"/>
+              <a:rPr lang="en-US" dirty="0"/>
               <a:t>Continue TS</a:t>
             </a:r>
-            <a:endParaRPr lang="en-US" dirty="0"/>
           </a:p>
         </p:txBody>
       </p:sp>
@@ -9952,535 +9687,13 @@
               <a:buNone/>
             </a:pPr>
             <a:r>
-              <a:rPr lang="en-US" dirty="0" smtClean="0">
+              <a:rPr lang="en-US" dirty="0">
                 <a:solidFill>
                   <a:srgbClr val="008000"/>
                 </a:solidFill>
                 <a:latin typeface="Consolas" panose="020B0609020204030204" pitchFamily="49" charset="0"/>
               </a:rPr>
-              <a:t>// </a:t>
-            </a:r>
-            <a:r>
-              <a:rPr lang="en-US" dirty="0">
-                <a:solidFill>
-                  <a:srgbClr val="008000"/>
-                </a:solidFill>
-                <a:latin typeface="Consolas" panose="020B0609020204030204" pitchFamily="49" charset="0"/>
-              </a:rPr>
-              <a:t>Check if we are dragging above a </a:t>
-            </a:r>
-            <a:r>
-              <a:rPr lang="en-US" dirty="0" smtClean="0">
-                <a:solidFill>
-                  <a:srgbClr val="008000"/>
-                </a:solidFill>
-                <a:latin typeface="Consolas" panose="020B0609020204030204" pitchFamily="49" charset="0"/>
-              </a:rPr>
-              <a:t>zone</a:t>
-            </a:r>
-            <a:endParaRPr lang="en-US" dirty="0" smtClean="0">
-              <a:solidFill>
-                <a:srgbClr val="000000"/>
-              </a:solidFill>
-              <a:latin typeface="Consolas" panose="020B0609020204030204" pitchFamily="49" charset="0"/>
-            </a:endParaRPr>
-          </a:p>
-          <a:p>
-            <a:pPr marL="114300" indent="0">
-              <a:buNone/>
-            </a:pPr>
-            <a:r>
-              <a:rPr lang="en-US" dirty="0" err="1" smtClean="0">
-                <a:solidFill>
-                  <a:srgbClr val="000000"/>
-                </a:solidFill>
-                <a:latin typeface="Consolas" panose="020B0609020204030204" pitchFamily="49" charset="0"/>
-              </a:rPr>
-              <a:t>checkDropZoneHover</a:t>
-            </a:r>
-            <a:r>
-              <a:rPr lang="en-US" dirty="0" smtClean="0">
-                <a:solidFill>
-                  <a:srgbClr val="000000"/>
-                </a:solidFill>
-                <a:latin typeface="Consolas" panose="020B0609020204030204" pitchFamily="49" charset="0"/>
-              </a:rPr>
-              <a:t>(</a:t>
-            </a:r>
-            <a:r>
-              <a:rPr lang="en-US" dirty="0" err="1" smtClean="0">
-                <a:solidFill>
-                  <a:srgbClr val="000000"/>
-                </a:solidFill>
-                <a:latin typeface="Consolas" panose="020B0609020204030204" pitchFamily="49" charset="0"/>
-              </a:rPr>
-              <a:t>x,y</a:t>
-            </a:r>
-            <a:r>
-              <a:rPr lang="en-US" dirty="0">
-                <a:solidFill>
-                  <a:srgbClr val="000000"/>
-                </a:solidFill>
-                <a:latin typeface="Consolas" panose="020B0609020204030204" pitchFamily="49" charset="0"/>
-              </a:rPr>
-              <a:t>){</a:t>
-            </a:r>
-          </a:p>
-          <a:p>
-            <a:pPr marL="114300" indent="0">
-              <a:buNone/>
-            </a:pPr>
-            <a:r>
-              <a:rPr lang="en-US" dirty="0" smtClean="0">
-                <a:solidFill>
-                  <a:srgbClr val="000000"/>
-                </a:solidFill>
-                <a:latin typeface="Consolas" panose="020B0609020204030204" pitchFamily="49" charset="0"/>
-              </a:rPr>
-              <a:t> </a:t>
-            </a:r>
-            <a:r>
-              <a:rPr lang="en-US" dirty="0">
-                <a:solidFill>
-                  <a:srgbClr val="000000"/>
-                </a:solidFill>
-                <a:latin typeface="Consolas" panose="020B0609020204030204" pitchFamily="49" charset="0"/>
-              </a:rPr>
-              <a:t>  </a:t>
-            </a:r>
-            <a:r>
-              <a:rPr lang="en-US" dirty="0" err="1">
-                <a:solidFill>
-                  <a:srgbClr val="0000FF"/>
-                </a:solidFill>
-                <a:latin typeface="Consolas" panose="020B0609020204030204" pitchFamily="49" charset="0"/>
-              </a:rPr>
-              <a:t>const</a:t>
-            </a:r>
-            <a:r>
-              <a:rPr lang="en-US" dirty="0">
-                <a:solidFill>
-                  <a:srgbClr val="000000"/>
-                </a:solidFill>
-                <a:latin typeface="Consolas" panose="020B0609020204030204" pitchFamily="49" charset="0"/>
-              </a:rPr>
-              <a:t> </a:t>
-            </a:r>
-            <a:r>
-              <a:rPr lang="en-US" dirty="0" err="1">
-                <a:solidFill>
-                  <a:srgbClr val="000000"/>
-                </a:solidFill>
-                <a:latin typeface="Consolas" panose="020B0609020204030204" pitchFamily="49" charset="0"/>
-              </a:rPr>
-              <a:t>dropA</a:t>
-            </a:r>
-            <a:r>
-              <a:rPr lang="en-US" dirty="0">
-                <a:solidFill>
-                  <a:srgbClr val="000000"/>
-                </a:solidFill>
-                <a:latin typeface="Consolas" panose="020B0609020204030204" pitchFamily="49" charset="0"/>
-              </a:rPr>
-              <a:t> = </a:t>
-            </a:r>
-            <a:r>
-              <a:rPr lang="en-US" dirty="0" err="1">
-                <a:solidFill>
-                  <a:srgbClr val="0000FF"/>
-                </a:solidFill>
-                <a:latin typeface="Consolas" panose="020B0609020204030204" pitchFamily="49" charset="0"/>
-              </a:rPr>
-              <a:t>this</a:t>
-            </a:r>
-            <a:r>
-              <a:rPr lang="en-US" dirty="0" err="1">
-                <a:solidFill>
-                  <a:srgbClr val="000000"/>
-                </a:solidFill>
-                <a:latin typeface="Consolas" panose="020B0609020204030204" pitchFamily="49" charset="0"/>
-              </a:rPr>
-              <a:t>.dropA.nativeElement.getBoundingClientRect</a:t>
-            </a:r>
-            <a:r>
-              <a:rPr lang="en-US" dirty="0">
-                <a:solidFill>
-                  <a:srgbClr val="000000"/>
-                </a:solidFill>
-                <a:latin typeface="Consolas" panose="020B0609020204030204" pitchFamily="49" charset="0"/>
-              </a:rPr>
-              <a:t>();</a:t>
-            </a:r>
-          </a:p>
-          <a:p>
-            <a:pPr marL="114300" indent="0">
-              <a:buNone/>
-            </a:pPr>
-            <a:r>
-              <a:rPr lang="en-US" dirty="0" smtClean="0">
-                <a:solidFill>
-                  <a:srgbClr val="000000"/>
-                </a:solidFill>
-                <a:latin typeface="Consolas" panose="020B0609020204030204" pitchFamily="49" charset="0"/>
-              </a:rPr>
-              <a:t> </a:t>
-            </a:r>
-            <a:r>
-              <a:rPr lang="en-US" dirty="0">
-                <a:solidFill>
-                  <a:srgbClr val="000000"/>
-                </a:solidFill>
-                <a:latin typeface="Consolas" panose="020B0609020204030204" pitchFamily="49" charset="0"/>
-              </a:rPr>
-              <a:t>  </a:t>
-            </a:r>
-            <a:r>
-              <a:rPr lang="en-US" dirty="0" err="1">
-                <a:solidFill>
-                  <a:srgbClr val="0000FF"/>
-                </a:solidFill>
-                <a:latin typeface="Consolas" panose="020B0609020204030204" pitchFamily="49" charset="0"/>
-              </a:rPr>
-              <a:t>const</a:t>
-            </a:r>
-            <a:r>
-              <a:rPr lang="en-US" dirty="0">
-                <a:solidFill>
-                  <a:srgbClr val="000000"/>
-                </a:solidFill>
-                <a:latin typeface="Consolas" panose="020B0609020204030204" pitchFamily="49" charset="0"/>
-              </a:rPr>
-              <a:t> </a:t>
-            </a:r>
-            <a:r>
-              <a:rPr lang="en-US" dirty="0" err="1">
-                <a:solidFill>
-                  <a:srgbClr val="000000"/>
-                </a:solidFill>
-                <a:latin typeface="Consolas" panose="020B0609020204030204" pitchFamily="49" charset="0"/>
-              </a:rPr>
-              <a:t>dropB</a:t>
-            </a:r>
-            <a:r>
-              <a:rPr lang="en-US" dirty="0">
-                <a:solidFill>
-                  <a:srgbClr val="000000"/>
-                </a:solidFill>
-                <a:latin typeface="Consolas" panose="020B0609020204030204" pitchFamily="49" charset="0"/>
-              </a:rPr>
-              <a:t> = </a:t>
-            </a:r>
-            <a:r>
-              <a:rPr lang="en-US" dirty="0" err="1">
-                <a:solidFill>
-                  <a:srgbClr val="0000FF"/>
-                </a:solidFill>
-                <a:latin typeface="Consolas" panose="020B0609020204030204" pitchFamily="49" charset="0"/>
-              </a:rPr>
-              <a:t>this</a:t>
-            </a:r>
-            <a:r>
-              <a:rPr lang="en-US" dirty="0" err="1">
-                <a:solidFill>
-                  <a:srgbClr val="000000"/>
-                </a:solidFill>
-                <a:latin typeface="Consolas" panose="020B0609020204030204" pitchFamily="49" charset="0"/>
-              </a:rPr>
-              <a:t>.dropB.nativeElement.getBoundingClientRect</a:t>
-            </a:r>
-            <a:r>
-              <a:rPr lang="en-US" dirty="0">
-                <a:solidFill>
-                  <a:srgbClr val="000000"/>
-                </a:solidFill>
-                <a:latin typeface="Consolas" panose="020B0609020204030204" pitchFamily="49" charset="0"/>
-              </a:rPr>
-              <a:t>();</a:t>
-            </a:r>
-          </a:p>
-          <a:p>
-            <a:pPr marL="114300" indent="0">
-              <a:buNone/>
-            </a:pPr>
-            <a:r>
-              <a:rPr lang="en-US" dirty="0">
-                <a:solidFill>
-                  <a:srgbClr val="000000"/>
-                </a:solidFill>
-                <a:latin typeface="Consolas" panose="020B0609020204030204" pitchFamily="49" charset="0"/>
-              </a:rPr>
-              <a:t/>
-            </a:r>
-            <a:br>
-              <a:rPr lang="en-US" dirty="0">
-                <a:solidFill>
-                  <a:srgbClr val="000000"/>
-                </a:solidFill>
-                <a:latin typeface="Consolas" panose="020B0609020204030204" pitchFamily="49" charset="0"/>
-              </a:rPr>
-            </a:br>
-            <a:r>
-              <a:rPr lang="en-US" dirty="0">
-                <a:solidFill>
-                  <a:srgbClr val="000000"/>
-                </a:solidFill>
-                <a:latin typeface="Consolas" panose="020B0609020204030204" pitchFamily="49" charset="0"/>
-              </a:rPr>
-              <a:t>   </a:t>
-            </a:r>
-            <a:r>
-              <a:rPr lang="en-US" dirty="0" smtClean="0">
-                <a:solidFill>
-                  <a:srgbClr val="0000FF"/>
-                </a:solidFill>
-                <a:latin typeface="Consolas" panose="020B0609020204030204" pitchFamily="49" charset="0"/>
-              </a:rPr>
-              <a:t>if</a:t>
-            </a:r>
-            <a:r>
-              <a:rPr lang="en-US" dirty="0" smtClean="0">
-                <a:solidFill>
-                  <a:srgbClr val="000000"/>
-                </a:solidFill>
-                <a:latin typeface="Consolas" panose="020B0609020204030204" pitchFamily="49" charset="0"/>
-              </a:rPr>
-              <a:t> </a:t>
-            </a:r>
-            <a:r>
-              <a:rPr lang="en-US" dirty="0">
-                <a:solidFill>
-                  <a:srgbClr val="000000"/>
-                </a:solidFill>
-                <a:latin typeface="Consolas" panose="020B0609020204030204" pitchFamily="49" charset="0"/>
-              </a:rPr>
-              <a:t>( </a:t>
-            </a:r>
-            <a:r>
-              <a:rPr lang="en-US" dirty="0" err="1">
-                <a:solidFill>
-                  <a:srgbClr val="0000FF"/>
-                </a:solidFill>
-                <a:latin typeface="Consolas" panose="020B0609020204030204" pitchFamily="49" charset="0"/>
-              </a:rPr>
-              <a:t>this</a:t>
-            </a:r>
-            <a:r>
-              <a:rPr lang="en-US" dirty="0" err="1">
-                <a:solidFill>
-                  <a:srgbClr val="000000"/>
-                </a:solidFill>
-                <a:latin typeface="Consolas" panose="020B0609020204030204" pitchFamily="49" charset="0"/>
-              </a:rPr>
-              <a:t>.isInZone</a:t>
-            </a:r>
-            <a:r>
-              <a:rPr lang="en-US" dirty="0">
-                <a:solidFill>
-                  <a:srgbClr val="000000"/>
-                </a:solidFill>
-                <a:latin typeface="Consolas" panose="020B0609020204030204" pitchFamily="49" charset="0"/>
-              </a:rPr>
-              <a:t>(</a:t>
-            </a:r>
-            <a:r>
-              <a:rPr lang="en-US" dirty="0" err="1">
-                <a:solidFill>
-                  <a:srgbClr val="000000"/>
-                </a:solidFill>
-                <a:latin typeface="Consolas" panose="020B0609020204030204" pitchFamily="49" charset="0"/>
-              </a:rPr>
-              <a:t>x,y,dropA</a:t>
-            </a:r>
-            <a:r>
-              <a:rPr lang="en-US" dirty="0">
-                <a:solidFill>
-                  <a:srgbClr val="000000"/>
-                </a:solidFill>
-                <a:latin typeface="Consolas" panose="020B0609020204030204" pitchFamily="49" charset="0"/>
-              </a:rPr>
-              <a:t>)) {</a:t>
-            </a:r>
-          </a:p>
-          <a:p>
-            <a:pPr marL="114300" indent="0">
-              <a:buNone/>
-            </a:pPr>
-            <a:r>
-              <a:rPr lang="en-US" dirty="0">
-                <a:solidFill>
-                  <a:srgbClr val="000000"/>
-                </a:solidFill>
-                <a:latin typeface="Consolas" panose="020B0609020204030204" pitchFamily="49" charset="0"/>
-              </a:rPr>
-              <a:t>       </a:t>
-            </a:r>
-            <a:r>
-              <a:rPr lang="en-US" dirty="0" err="1">
-                <a:solidFill>
-                  <a:srgbClr val="0000FF"/>
-                </a:solidFill>
-                <a:latin typeface="Consolas" panose="020B0609020204030204" pitchFamily="49" charset="0"/>
-              </a:rPr>
-              <a:t>this</a:t>
-            </a:r>
-            <a:r>
-              <a:rPr lang="en-US" dirty="0" err="1">
-                <a:solidFill>
-                  <a:srgbClr val="000000"/>
-                </a:solidFill>
-                <a:latin typeface="Consolas" panose="020B0609020204030204" pitchFamily="49" charset="0"/>
-              </a:rPr>
-              <a:t>.dropA.nativeElement.style.backgroundColor</a:t>
-            </a:r>
-            <a:r>
-              <a:rPr lang="en-US" dirty="0">
-                <a:solidFill>
-                  <a:srgbClr val="000000"/>
-                </a:solidFill>
-                <a:latin typeface="Consolas" panose="020B0609020204030204" pitchFamily="49" charset="0"/>
-              </a:rPr>
-              <a:t>= </a:t>
-            </a:r>
-            <a:r>
-              <a:rPr lang="en-US" dirty="0">
-                <a:solidFill>
-                  <a:srgbClr val="A31515"/>
-                </a:solidFill>
-                <a:latin typeface="Consolas" panose="020B0609020204030204" pitchFamily="49" charset="0"/>
-              </a:rPr>
-              <a:t>'#009fff'</a:t>
-            </a:r>
-            <a:r>
-              <a:rPr lang="en-US" dirty="0">
-                <a:solidFill>
-                  <a:srgbClr val="000000"/>
-                </a:solidFill>
-                <a:latin typeface="Consolas" panose="020B0609020204030204" pitchFamily="49" charset="0"/>
-              </a:rPr>
-              <a:t>;</a:t>
-            </a:r>
-          </a:p>
-          <a:p>
-            <a:pPr marL="114300" indent="0">
-              <a:buNone/>
-            </a:pPr>
-            <a:r>
-              <a:rPr lang="en-US" dirty="0">
-                <a:solidFill>
-                  <a:srgbClr val="000000"/>
-                </a:solidFill>
-                <a:latin typeface="Consolas" panose="020B0609020204030204" pitchFamily="49" charset="0"/>
-              </a:rPr>
-              <a:t>   </a:t>
-            </a:r>
-            <a:r>
-              <a:rPr lang="en-US" dirty="0" smtClean="0">
-                <a:solidFill>
-                  <a:srgbClr val="000000"/>
-                </a:solidFill>
-                <a:latin typeface="Consolas" panose="020B0609020204030204" pitchFamily="49" charset="0"/>
-              </a:rPr>
-              <a:t>} </a:t>
-            </a:r>
-            <a:r>
-              <a:rPr lang="en-US" dirty="0">
-                <a:solidFill>
-                  <a:srgbClr val="0000FF"/>
-                </a:solidFill>
-                <a:latin typeface="Consolas" panose="020B0609020204030204" pitchFamily="49" charset="0"/>
-              </a:rPr>
-              <a:t>else</a:t>
-            </a:r>
-            <a:r>
-              <a:rPr lang="en-US" dirty="0">
-                <a:solidFill>
-                  <a:srgbClr val="000000"/>
-                </a:solidFill>
-                <a:latin typeface="Consolas" panose="020B0609020204030204" pitchFamily="49" charset="0"/>
-              </a:rPr>
-              <a:t> {</a:t>
-            </a:r>
-          </a:p>
-          <a:p>
-            <a:pPr marL="114300" indent="0">
-              <a:buNone/>
-            </a:pPr>
-            <a:r>
-              <a:rPr lang="en-US" dirty="0">
-                <a:solidFill>
-                  <a:srgbClr val="000000"/>
-                </a:solidFill>
-                <a:latin typeface="Consolas" panose="020B0609020204030204" pitchFamily="49" charset="0"/>
-              </a:rPr>
-              <a:t>       </a:t>
-            </a:r>
-            <a:r>
-              <a:rPr lang="en-US" dirty="0" err="1">
-                <a:solidFill>
-                  <a:srgbClr val="0000FF"/>
-                </a:solidFill>
-                <a:latin typeface="Consolas" panose="020B0609020204030204" pitchFamily="49" charset="0"/>
-              </a:rPr>
-              <a:t>this</a:t>
-            </a:r>
-            <a:r>
-              <a:rPr lang="en-US" dirty="0" err="1">
-                <a:solidFill>
-                  <a:srgbClr val="000000"/>
-                </a:solidFill>
-                <a:latin typeface="Consolas" panose="020B0609020204030204" pitchFamily="49" charset="0"/>
-              </a:rPr>
-              <a:t>.dropA.nativeElement.style.backgroundColor</a:t>
-            </a:r>
-            <a:r>
-              <a:rPr lang="en-US" dirty="0">
-                <a:solidFill>
-                  <a:srgbClr val="000000"/>
-                </a:solidFill>
-                <a:latin typeface="Consolas" panose="020B0609020204030204" pitchFamily="49" charset="0"/>
-              </a:rPr>
-              <a:t>= </a:t>
-            </a:r>
-            <a:r>
-              <a:rPr lang="en-US" dirty="0">
-                <a:solidFill>
-                  <a:srgbClr val="A31515"/>
-                </a:solidFill>
-                <a:latin typeface="Consolas" panose="020B0609020204030204" pitchFamily="49" charset="0"/>
-              </a:rPr>
-              <a:t>'white'</a:t>
-            </a:r>
-            <a:r>
-              <a:rPr lang="en-US" dirty="0">
-                <a:solidFill>
-                  <a:srgbClr val="000000"/>
-                </a:solidFill>
-                <a:latin typeface="Consolas" panose="020B0609020204030204" pitchFamily="49" charset="0"/>
-              </a:rPr>
-              <a:t>;</a:t>
-            </a:r>
-          </a:p>
-          <a:p>
-            <a:pPr marL="114300" indent="0">
-              <a:buNone/>
-            </a:pPr>
-            <a:r>
-              <a:rPr lang="en-US" dirty="0">
-                <a:solidFill>
-                  <a:srgbClr val="000000"/>
-                </a:solidFill>
-                <a:latin typeface="Consolas" panose="020B0609020204030204" pitchFamily="49" charset="0"/>
-              </a:rPr>
-              <a:t>   </a:t>
-            </a:r>
-            <a:r>
-              <a:rPr lang="en-US" dirty="0" smtClean="0">
-                <a:solidFill>
-                  <a:srgbClr val="000000"/>
-                </a:solidFill>
-                <a:latin typeface="Consolas" panose="020B0609020204030204" pitchFamily="49" charset="0"/>
-              </a:rPr>
-              <a:t>}</a:t>
+              <a:t>// Check if we are dragging above a zone</a:t>
             </a:r>
             <a:endParaRPr lang="en-US" dirty="0">
               <a:solidFill>
@@ -10494,14 +9707,200 @@
               <a:buNone/>
             </a:pPr>
             <a:r>
-              <a:rPr lang="en-US" dirty="0">
-                <a:solidFill>
-                  <a:srgbClr val="000000"/>
-                </a:solidFill>
-                <a:latin typeface="Consolas" panose="020B0609020204030204" pitchFamily="49" charset="0"/>
-              </a:rPr>
-              <a:t/>
-            </a:r>
+              <a:rPr lang="en-US" dirty="0" err="1">
+                <a:solidFill>
+                  <a:srgbClr val="000000"/>
+                </a:solidFill>
+                <a:latin typeface="Consolas" panose="020B0609020204030204" pitchFamily="49" charset="0"/>
+              </a:rPr>
+              <a:t>checkDropZoneHover</a:t>
+            </a:r>
+            <a:r>
+              <a:rPr lang="en-US" dirty="0">
+                <a:solidFill>
+                  <a:srgbClr val="000000"/>
+                </a:solidFill>
+                <a:latin typeface="Consolas" panose="020B0609020204030204" pitchFamily="49" charset="0"/>
+              </a:rPr>
+              <a:t>(</a:t>
+            </a:r>
+            <a:r>
+              <a:rPr lang="en-US" dirty="0" err="1">
+                <a:solidFill>
+                  <a:srgbClr val="000000"/>
+                </a:solidFill>
+                <a:latin typeface="Consolas" panose="020B0609020204030204" pitchFamily="49" charset="0"/>
+              </a:rPr>
+              <a:t>x,y</a:t>
+            </a:r>
+            <a:r>
+              <a:rPr lang="en-US" dirty="0">
+                <a:solidFill>
+                  <a:srgbClr val="000000"/>
+                </a:solidFill>
+                <a:latin typeface="Consolas" panose="020B0609020204030204" pitchFamily="49" charset="0"/>
+              </a:rPr>
+              <a:t>){</a:t>
+            </a:r>
+          </a:p>
+          <a:p>
+            <a:pPr marL="114300" indent="0">
+              <a:buNone/>
+            </a:pPr>
+            <a:r>
+              <a:rPr lang="en-US" dirty="0">
+                <a:solidFill>
+                  <a:srgbClr val="000000"/>
+                </a:solidFill>
+                <a:latin typeface="Consolas" panose="020B0609020204030204" pitchFamily="49" charset="0"/>
+              </a:rPr>
+              <a:t>   </a:t>
+            </a:r>
+            <a:r>
+              <a:rPr lang="en-US" dirty="0" err="1">
+                <a:solidFill>
+                  <a:srgbClr val="0000FF"/>
+                </a:solidFill>
+                <a:latin typeface="Consolas" panose="020B0609020204030204" pitchFamily="49" charset="0"/>
+              </a:rPr>
+              <a:t>const</a:t>
+            </a:r>
+            <a:r>
+              <a:rPr lang="en-US" dirty="0">
+                <a:solidFill>
+                  <a:srgbClr val="000000"/>
+                </a:solidFill>
+                <a:latin typeface="Consolas" panose="020B0609020204030204" pitchFamily="49" charset="0"/>
+              </a:rPr>
+              <a:t> </a:t>
+            </a:r>
+            <a:r>
+              <a:rPr lang="en-US" dirty="0" err="1">
+                <a:solidFill>
+                  <a:srgbClr val="000000"/>
+                </a:solidFill>
+                <a:latin typeface="Consolas" panose="020B0609020204030204" pitchFamily="49" charset="0"/>
+              </a:rPr>
+              <a:t>dropA</a:t>
+            </a:r>
+            <a:r>
+              <a:rPr lang="en-US" dirty="0">
+                <a:solidFill>
+                  <a:srgbClr val="000000"/>
+                </a:solidFill>
+                <a:latin typeface="Consolas" panose="020B0609020204030204" pitchFamily="49" charset="0"/>
+              </a:rPr>
+              <a:t> = </a:t>
+            </a:r>
+            <a:r>
+              <a:rPr lang="en-US" dirty="0" err="1">
+                <a:solidFill>
+                  <a:srgbClr val="0000FF"/>
+                </a:solidFill>
+                <a:latin typeface="Consolas" panose="020B0609020204030204" pitchFamily="49" charset="0"/>
+              </a:rPr>
+              <a:t>this</a:t>
+            </a:r>
+            <a:r>
+              <a:rPr lang="en-US" dirty="0" err="1">
+                <a:solidFill>
+                  <a:srgbClr val="000000"/>
+                </a:solidFill>
+                <a:latin typeface="Consolas" panose="020B0609020204030204" pitchFamily="49" charset="0"/>
+              </a:rPr>
+              <a:t>.dropA.nativeElement.getBoundingClientRect</a:t>
+            </a:r>
+            <a:r>
+              <a:rPr lang="en-US" dirty="0">
+                <a:solidFill>
+                  <a:srgbClr val="000000"/>
+                </a:solidFill>
+                <a:latin typeface="Consolas" panose="020B0609020204030204" pitchFamily="49" charset="0"/>
+              </a:rPr>
+              <a:t>();</a:t>
+            </a:r>
+          </a:p>
+          <a:p>
+            <a:pPr marL="114300" indent="0">
+              <a:buNone/>
+            </a:pPr>
+            <a:r>
+              <a:rPr lang="en-US" dirty="0">
+                <a:solidFill>
+                  <a:srgbClr val="000000"/>
+                </a:solidFill>
+                <a:latin typeface="Consolas" panose="020B0609020204030204" pitchFamily="49" charset="0"/>
+              </a:rPr>
+              <a:t>   </a:t>
+            </a:r>
+            <a:r>
+              <a:rPr lang="en-US" dirty="0" err="1">
+                <a:solidFill>
+                  <a:srgbClr val="0000FF"/>
+                </a:solidFill>
+                <a:latin typeface="Consolas" panose="020B0609020204030204" pitchFamily="49" charset="0"/>
+              </a:rPr>
+              <a:t>const</a:t>
+            </a:r>
+            <a:r>
+              <a:rPr lang="en-US" dirty="0">
+                <a:solidFill>
+                  <a:srgbClr val="000000"/>
+                </a:solidFill>
+                <a:latin typeface="Consolas" panose="020B0609020204030204" pitchFamily="49" charset="0"/>
+              </a:rPr>
+              <a:t> </a:t>
+            </a:r>
+            <a:r>
+              <a:rPr lang="en-US" dirty="0" err="1">
+                <a:solidFill>
+                  <a:srgbClr val="000000"/>
+                </a:solidFill>
+                <a:latin typeface="Consolas" panose="020B0609020204030204" pitchFamily="49" charset="0"/>
+              </a:rPr>
+              <a:t>dropB</a:t>
+            </a:r>
+            <a:r>
+              <a:rPr lang="en-US" dirty="0">
+                <a:solidFill>
+                  <a:srgbClr val="000000"/>
+                </a:solidFill>
+                <a:latin typeface="Consolas" panose="020B0609020204030204" pitchFamily="49" charset="0"/>
+              </a:rPr>
+              <a:t> = </a:t>
+            </a:r>
+            <a:r>
+              <a:rPr lang="en-US" dirty="0" err="1">
+                <a:solidFill>
+                  <a:srgbClr val="0000FF"/>
+                </a:solidFill>
+                <a:latin typeface="Consolas" panose="020B0609020204030204" pitchFamily="49" charset="0"/>
+              </a:rPr>
+              <a:t>this</a:t>
+            </a:r>
+            <a:r>
+              <a:rPr lang="en-US" dirty="0" err="1">
+                <a:solidFill>
+                  <a:srgbClr val="000000"/>
+                </a:solidFill>
+                <a:latin typeface="Consolas" panose="020B0609020204030204" pitchFamily="49" charset="0"/>
+              </a:rPr>
+              <a:t>.dropB.nativeElement.getBoundingClientRect</a:t>
+            </a:r>
+            <a:r>
+              <a:rPr lang="en-US" dirty="0">
+                <a:solidFill>
+                  <a:srgbClr val="000000"/>
+                </a:solidFill>
+                <a:latin typeface="Consolas" panose="020B0609020204030204" pitchFamily="49" charset="0"/>
+              </a:rPr>
+              <a:t>();</a:t>
+            </a:r>
+          </a:p>
+          <a:p>
+            <a:pPr marL="114300" indent="0">
+              <a:buNone/>
+            </a:pPr>
             <a:br>
               <a:rPr lang="en-US" dirty="0">
                 <a:solidFill>
@@ -10520,7 +9919,7 @@
               <a:t>   </a:t>
             </a:r>
             <a:r>
-              <a:rPr lang="en-US" dirty="0" smtClean="0">
+              <a:rPr lang="en-US" dirty="0">
                 <a:solidFill>
                   <a:srgbClr val="0000FF"/>
                 </a:solidFill>
@@ -10529,22 +9928,13 @@
               <a:t>if</a:t>
             </a:r>
             <a:r>
-              <a:rPr lang="en-US" dirty="0" smtClean="0">
-                <a:solidFill>
-                  <a:srgbClr val="000000"/>
-                </a:solidFill>
-                <a:latin typeface="Consolas" panose="020B0609020204030204" pitchFamily="49" charset="0"/>
-              </a:rPr>
-              <a:t> </a:t>
-            </a:r>
-            <a:r>
-              <a:rPr lang="en-US" dirty="0">
-                <a:solidFill>
-                  <a:srgbClr val="000000"/>
-                </a:solidFill>
-                <a:latin typeface="Consolas" panose="020B0609020204030204" pitchFamily="49" charset="0"/>
-              </a:rPr>
-              <a:t>( </a:t>
+              <a:rPr lang="en-US" dirty="0">
+                <a:solidFill>
+                  <a:srgbClr val="000000"/>
+                </a:solidFill>
+                <a:latin typeface="Consolas" panose="020B0609020204030204" pitchFamily="49" charset="0"/>
+              </a:rPr>
+              <a:t> ( </a:t>
             </a:r>
             <a:r>
               <a:rPr lang="en-US" dirty="0" err="1">
@@ -10580,6 +9970,255 @@
                 </a:solidFill>
                 <a:latin typeface="Consolas" panose="020B0609020204030204" pitchFamily="49" charset="0"/>
               </a:rPr>
+              <a:t>x,y,dropA</a:t>
+            </a:r>
+            <a:r>
+              <a:rPr lang="en-US" dirty="0">
+                <a:solidFill>
+                  <a:srgbClr val="000000"/>
+                </a:solidFill>
+                <a:latin typeface="Consolas" panose="020B0609020204030204" pitchFamily="49" charset="0"/>
+              </a:rPr>
+              <a:t>)) {</a:t>
+            </a:r>
+          </a:p>
+          <a:p>
+            <a:pPr marL="114300" indent="0">
+              <a:buNone/>
+            </a:pPr>
+            <a:r>
+              <a:rPr lang="en-US" dirty="0">
+                <a:solidFill>
+                  <a:srgbClr val="000000"/>
+                </a:solidFill>
+                <a:latin typeface="Consolas" panose="020B0609020204030204" pitchFamily="49" charset="0"/>
+              </a:rPr>
+              <a:t>       </a:t>
+            </a:r>
+            <a:r>
+              <a:rPr lang="en-US" dirty="0" err="1">
+                <a:solidFill>
+                  <a:srgbClr val="0000FF"/>
+                </a:solidFill>
+                <a:latin typeface="Consolas" panose="020B0609020204030204" pitchFamily="49" charset="0"/>
+              </a:rPr>
+              <a:t>this</a:t>
+            </a:r>
+            <a:r>
+              <a:rPr lang="en-US" dirty="0" err="1">
+                <a:solidFill>
+                  <a:srgbClr val="000000"/>
+                </a:solidFill>
+                <a:latin typeface="Consolas" panose="020B0609020204030204" pitchFamily="49" charset="0"/>
+              </a:rPr>
+              <a:t>.dropA.nativeElement.style.backgroundColor</a:t>
+            </a:r>
+            <a:r>
+              <a:rPr lang="en-US" dirty="0">
+                <a:solidFill>
+                  <a:srgbClr val="000000"/>
+                </a:solidFill>
+                <a:latin typeface="Consolas" panose="020B0609020204030204" pitchFamily="49" charset="0"/>
+              </a:rPr>
+              <a:t>= </a:t>
+            </a:r>
+            <a:r>
+              <a:rPr lang="en-US" dirty="0">
+                <a:solidFill>
+                  <a:srgbClr val="A31515"/>
+                </a:solidFill>
+                <a:latin typeface="Consolas" panose="020B0609020204030204" pitchFamily="49" charset="0"/>
+              </a:rPr>
+              <a:t>'#009fff'</a:t>
+            </a:r>
+            <a:r>
+              <a:rPr lang="en-US" dirty="0">
+                <a:solidFill>
+                  <a:srgbClr val="000000"/>
+                </a:solidFill>
+                <a:latin typeface="Consolas" panose="020B0609020204030204" pitchFamily="49" charset="0"/>
+              </a:rPr>
+              <a:t>;</a:t>
+            </a:r>
+          </a:p>
+          <a:p>
+            <a:pPr marL="114300" indent="0">
+              <a:buNone/>
+            </a:pPr>
+            <a:r>
+              <a:rPr lang="en-US" dirty="0">
+                <a:solidFill>
+                  <a:srgbClr val="000000"/>
+                </a:solidFill>
+                <a:latin typeface="Consolas" panose="020B0609020204030204" pitchFamily="49" charset="0"/>
+              </a:rPr>
+              <a:t>   } </a:t>
+            </a:r>
+            <a:r>
+              <a:rPr lang="en-US" dirty="0">
+                <a:solidFill>
+                  <a:srgbClr val="0000FF"/>
+                </a:solidFill>
+                <a:latin typeface="Consolas" panose="020B0609020204030204" pitchFamily="49" charset="0"/>
+              </a:rPr>
+              <a:t>else</a:t>
+            </a:r>
+            <a:r>
+              <a:rPr lang="en-US" dirty="0">
+                <a:solidFill>
+                  <a:srgbClr val="000000"/>
+                </a:solidFill>
+                <a:latin typeface="Consolas" panose="020B0609020204030204" pitchFamily="49" charset="0"/>
+              </a:rPr>
+              <a:t> {</a:t>
+            </a:r>
+          </a:p>
+          <a:p>
+            <a:pPr marL="114300" indent="0">
+              <a:buNone/>
+            </a:pPr>
+            <a:r>
+              <a:rPr lang="en-US" dirty="0">
+                <a:solidFill>
+                  <a:srgbClr val="000000"/>
+                </a:solidFill>
+                <a:latin typeface="Consolas" panose="020B0609020204030204" pitchFamily="49" charset="0"/>
+              </a:rPr>
+              <a:t>       </a:t>
+            </a:r>
+            <a:r>
+              <a:rPr lang="en-US" dirty="0" err="1">
+                <a:solidFill>
+                  <a:srgbClr val="0000FF"/>
+                </a:solidFill>
+                <a:latin typeface="Consolas" panose="020B0609020204030204" pitchFamily="49" charset="0"/>
+              </a:rPr>
+              <a:t>this</a:t>
+            </a:r>
+            <a:r>
+              <a:rPr lang="en-US" dirty="0" err="1">
+                <a:solidFill>
+                  <a:srgbClr val="000000"/>
+                </a:solidFill>
+                <a:latin typeface="Consolas" panose="020B0609020204030204" pitchFamily="49" charset="0"/>
+              </a:rPr>
+              <a:t>.dropA.nativeElement.style.backgroundColor</a:t>
+            </a:r>
+            <a:r>
+              <a:rPr lang="en-US" dirty="0">
+                <a:solidFill>
+                  <a:srgbClr val="000000"/>
+                </a:solidFill>
+                <a:latin typeface="Consolas" panose="020B0609020204030204" pitchFamily="49" charset="0"/>
+              </a:rPr>
+              <a:t>= </a:t>
+            </a:r>
+            <a:r>
+              <a:rPr lang="en-US" dirty="0">
+                <a:solidFill>
+                  <a:srgbClr val="A31515"/>
+                </a:solidFill>
+                <a:latin typeface="Consolas" panose="020B0609020204030204" pitchFamily="49" charset="0"/>
+              </a:rPr>
+              <a:t>'white'</a:t>
+            </a:r>
+            <a:r>
+              <a:rPr lang="en-US" dirty="0">
+                <a:solidFill>
+                  <a:srgbClr val="000000"/>
+                </a:solidFill>
+                <a:latin typeface="Consolas" panose="020B0609020204030204" pitchFamily="49" charset="0"/>
+              </a:rPr>
+              <a:t>;</a:t>
+            </a:r>
+          </a:p>
+          <a:p>
+            <a:pPr marL="114300" indent="0">
+              <a:buNone/>
+            </a:pPr>
+            <a:r>
+              <a:rPr lang="en-US" dirty="0">
+                <a:solidFill>
+                  <a:srgbClr val="000000"/>
+                </a:solidFill>
+                <a:latin typeface="Consolas" panose="020B0609020204030204" pitchFamily="49" charset="0"/>
+              </a:rPr>
+              <a:t>   }</a:t>
+            </a:r>
+          </a:p>
+          <a:p>
+            <a:pPr marL="114300" indent="0">
+              <a:buNone/>
+            </a:pPr>
+            <a:br>
+              <a:rPr lang="en-US" dirty="0">
+                <a:solidFill>
+                  <a:srgbClr val="000000"/>
+                </a:solidFill>
+                <a:latin typeface="Consolas" panose="020B0609020204030204" pitchFamily="49" charset="0"/>
+              </a:rPr>
+            </a:br>
+            <a:r>
+              <a:rPr lang="en-US" dirty="0">
+                <a:solidFill>
+                  <a:srgbClr val="000000"/>
+                </a:solidFill>
+                <a:latin typeface="Consolas" panose="020B0609020204030204" pitchFamily="49" charset="0"/>
+              </a:rPr>
+              <a:t>   </a:t>
+            </a:r>
+            <a:r>
+              <a:rPr lang="en-US" dirty="0">
+                <a:solidFill>
+                  <a:srgbClr val="0000FF"/>
+                </a:solidFill>
+                <a:latin typeface="Consolas" panose="020B0609020204030204" pitchFamily="49" charset="0"/>
+              </a:rPr>
+              <a:t>if</a:t>
+            </a:r>
+            <a:r>
+              <a:rPr lang="en-US" dirty="0">
+                <a:solidFill>
+                  <a:srgbClr val="000000"/>
+                </a:solidFill>
+                <a:latin typeface="Consolas" panose="020B0609020204030204" pitchFamily="49" charset="0"/>
+              </a:rPr>
+              <a:t> ( </a:t>
+            </a:r>
+            <a:r>
+              <a:rPr lang="en-US" dirty="0" err="1">
+                <a:solidFill>
+                  <a:srgbClr val="0000FF"/>
+                </a:solidFill>
+                <a:latin typeface="Consolas" panose="020B0609020204030204" pitchFamily="49" charset="0"/>
+              </a:rPr>
+              <a:t>this</a:t>
+            </a:r>
+            <a:r>
+              <a:rPr lang="en-US" dirty="0" err="1">
+                <a:solidFill>
+                  <a:srgbClr val="000000"/>
+                </a:solidFill>
+                <a:latin typeface="Consolas" panose="020B0609020204030204" pitchFamily="49" charset="0"/>
+              </a:rPr>
+              <a:t>.isInZone</a:t>
+            </a:r>
+            <a:r>
+              <a:rPr lang="en-US" dirty="0">
+                <a:solidFill>
+                  <a:srgbClr val="000000"/>
+                </a:solidFill>
+                <a:latin typeface="Consolas" panose="020B0609020204030204" pitchFamily="49" charset="0"/>
+              </a:rPr>
+              <a:t>(</a:t>
+            </a:r>
+            <a:r>
+              <a:rPr lang="en-US" dirty="0" err="1">
+                <a:solidFill>
+                  <a:srgbClr val="000000"/>
+                </a:solidFill>
+                <a:latin typeface="Consolas" panose="020B0609020204030204" pitchFamily="49" charset="0"/>
+              </a:rPr>
               <a:t>x,y,dropB</a:t>
             </a:r>
             <a:r>
@@ -10662,16 +10301,7 @@
                 </a:solidFill>
                 <a:latin typeface="Consolas" panose="020B0609020204030204" pitchFamily="49" charset="0"/>
               </a:rPr>
-              <a:t>   </a:t>
-            </a:r>
-            <a:r>
-              <a:rPr lang="en-US" dirty="0" smtClean="0">
-                <a:solidFill>
-                  <a:srgbClr val="000000"/>
-                </a:solidFill>
-                <a:latin typeface="Consolas" panose="020B0609020204030204" pitchFamily="49" charset="0"/>
-              </a:rPr>
-              <a:t>} </a:t>
+              <a:t>   } </a:t>
             </a:r>
             <a:r>
               <a:rPr lang="en-US" dirty="0">
@@ -10762,10 +10392,15 @@
                 </a:solidFill>
                 <a:latin typeface="Consolas" panose="020B0609020204030204" pitchFamily="49" charset="0"/>
               </a:rPr>
-              <a:t>   </a:t>
-            </a:r>
-            <a:r>
-              <a:rPr lang="en-US" dirty="0" smtClean="0">
+              <a:t>   }</a:t>
+            </a:r>
+          </a:p>
+          <a:p>
+            <a:pPr marL="114300" indent="0">
+              <a:buNone/>
+            </a:pPr>
+            <a:r>
+              <a:rPr lang="en-US" dirty="0">
                 <a:solidFill>
                   <a:srgbClr val="000000"/>
                 </a:solidFill>
@@ -10773,32 +10408,6 @@
               </a:rPr>
               <a:t>}</a:t>
             </a:r>
-            <a:endParaRPr lang="en-US" dirty="0">
-              <a:solidFill>
-                <a:srgbClr val="000000"/>
-              </a:solidFill>
-              <a:latin typeface="Consolas" panose="020B0609020204030204" pitchFamily="49" charset="0"/>
-            </a:endParaRPr>
-          </a:p>
-          <a:p>
-            <a:pPr marL="114300" indent="0">
-              <a:buNone/>
-            </a:pPr>
-            <a:r>
-              <a:rPr lang="en-US" dirty="0" smtClean="0">
-                <a:solidFill>
-                  <a:srgbClr val="000000"/>
-                </a:solidFill>
-                <a:latin typeface="Consolas" panose="020B0609020204030204" pitchFamily="49" charset="0"/>
-              </a:rPr>
-              <a:t>}</a:t>
-            </a:r>
-            <a:endParaRPr lang="en-US" dirty="0">
-              <a:solidFill>
-                <a:srgbClr val="000000"/>
-              </a:solidFill>
-              <a:latin typeface="Consolas" panose="020B0609020204030204" pitchFamily="49" charset="0"/>
-            </a:endParaRPr>
           </a:p>
           <a:p>
             <a:pPr marL="114300" indent="0">
@@ -10854,10 +10463,9 @@
           <a:lstStyle/>
           <a:p>
             <a:r>
-              <a:rPr lang="en-US" dirty="0" smtClean="0"/>
+              <a:rPr lang="en-US" dirty="0"/>
               <a:t>Continue TS</a:t>
             </a:r>
-            <a:endParaRPr lang="en-US" dirty="0"/>
           </a:p>
         </p:txBody>
       </p:sp>
@@ -10947,7 +10555,7 @@
               <a:t> </a:t>
             </a:r>
             <a:r>
-              <a:rPr lang="en-US" sz="1600" dirty="0" err="1" smtClean="0">
+              <a:rPr lang="en-US" sz="1600" dirty="0" err="1">
                 <a:solidFill>
                   <a:srgbClr val="000000"/>
                 </a:solidFill>
@@ -10956,7 +10564,7 @@
               <a:t>isInZone</a:t>
             </a:r>
             <a:r>
-              <a:rPr lang="en-US" sz="1600" dirty="0" smtClean="0">
+              <a:rPr lang="en-US" sz="1600" dirty="0">
                 <a:solidFill>
                   <a:srgbClr val="000000"/>
                 </a:solidFill>
@@ -10965,7 +10573,7 @@
               <a:t>(</a:t>
             </a:r>
             <a:r>
-              <a:rPr lang="en-US" sz="1600" dirty="0" err="1" smtClean="0">
+              <a:rPr lang="en-US" sz="1600" dirty="0" err="1">
                 <a:solidFill>
                   <a:srgbClr val="000000"/>
                 </a:solidFill>
@@ -11308,25 +10916,7 @@
                 </a:solidFill>
                 <a:latin typeface="Consolas" panose="020B0609020204030204" pitchFamily="49" charset="0"/>
               </a:rPr>
-              <a:t> </a:t>
-            </a:r>
-            <a:r>
-              <a:rPr lang="en-US" sz="1600" dirty="0" smtClean="0">
-                <a:solidFill>
-                  <a:srgbClr val="000000"/>
-                </a:solidFill>
-                <a:latin typeface="Consolas" panose="020B0609020204030204" pitchFamily="49" charset="0"/>
-              </a:rPr>
-              <a:t> </a:t>
-            </a:r>
-            <a:r>
-              <a:rPr lang="en-US" sz="1600" dirty="0">
-                <a:solidFill>
-                  <a:srgbClr val="000000"/>
-                </a:solidFill>
-                <a:latin typeface="Consolas" panose="020B0609020204030204" pitchFamily="49" charset="0"/>
-              </a:rPr>
-              <a:t>}</a:t>
+              <a:t>  }</a:t>
             </a:r>
           </a:p>
           <a:p>
@@ -11388,10 +10978,9 @@
           <a:lstStyle/>
           <a:p>
             <a:r>
-              <a:rPr lang="en-US" dirty="0" smtClean="0"/>
+              <a:rPr lang="en-US" dirty="0"/>
               <a:t>More TS</a:t>
             </a:r>
-            <a:endParaRPr lang="en-US" dirty="0"/>
           </a:p>
         </p:txBody>
       </p:sp>
@@ -11671,15 +11260,6 @@
             <a:pPr marL="114300" indent="0">
               <a:buNone/>
             </a:pPr>
-            <a:r>
-              <a:rPr lang="en-US" dirty="0">
-                <a:solidFill>
-                  <a:srgbClr val="000000"/>
-                </a:solidFill>
-                <a:latin typeface="Consolas" panose="020B0609020204030204" pitchFamily="49" charset="0"/>
-              </a:rPr>
-              <a:t/>
-            </a:r>
             <a:br>
               <a:rPr lang="en-US" dirty="0">
                 <a:solidFill>
@@ -11833,16 +11413,7 @@
                 </a:solidFill>
                 <a:latin typeface="Consolas" panose="020B0609020204030204" pitchFamily="49" charset="0"/>
               </a:rPr>
-              <a:t>       </a:t>
-            </a:r>
-            <a:r>
-              <a:rPr lang="en-US" dirty="0" smtClean="0">
-                <a:solidFill>
-                  <a:srgbClr val="000000"/>
-                </a:solidFill>
-                <a:latin typeface="Consolas" panose="020B0609020204030204" pitchFamily="49" charset="0"/>
-              </a:rPr>
-              <a:t> </a:t>
+              <a:t>        </a:t>
             </a:r>
             <a:r>
               <a:rPr lang="en-US" dirty="0" err="1">
@@ -12645,15 +12216,6 @@
             <a:pPr marL="114300" indent="0">
               <a:buNone/>
             </a:pPr>
-            <a:r>
-              <a:rPr lang="en-US" dirty="0">
-                <a:solidFill>
-                  <a:srgbClr val="000000"/>
-                </a:solidFill>
-                <a:latin typeface="Consolas" panose="020B0609020204030204" pitchFamily="49" charset="0"/>
-              </a:rPr>
-              <a:t/>
-            </a:r>
             <a:br>
               <a:rPr lang="en-US" dirty="0">
                 <a:solidFill>
@@ -12790,7 +12352,7 @@
               <a:t>      </a:t>
             </a:r>
             <a:r>
-              <a:rPr lang="en-US" dirty="0" err="1" smtClean="0">
+              <a:rPr lang="en-US" dirty="0" err="1">
                 <a:solidFill>
                   <a:srgbClr val="0000FF"/>
                 </a:solidFill>
@@ -12799,7 +12361,7 @@
               <a:t>this</a:t>
             </a:r>
             <a:r>
-              <a:rPr lang="en-US" dirty="0" err="1" smtClean="0">
+              <a:rPr lang="en-US" dirty="0" err="1">
                 <a:solidFill>
                   <a:srgbClr val="000000"/>
                 </a:solidFill>
@@ -12828,23 +12390,8 @@
                 </a:solidFill>
                 <a:latin typeface="Consolas" panose="020B0609020204030204" pitchFamily="49" charset="0"/>
               </a:rPr>
-              <a:t>    </a:t>
-            </a:r>
-            <a:r>
-              <a:rPr lang="en-US" dirty="0" smtClean="0">
-                <a:solidFill>
-                  <a:srgbClr val="000000"/>
-                </a:solidFill>
-                <a:latin typeface="Consolas" panose="020B0609020204030204" pitchFamily="49" charset="0"/>
-              </a:rPr>
-              <a:t>}</a:t>
-            </a:r>
-            <a:endParaRPr lang="en-US" dirty="0">
-              <a:solidFill>
-                <a:srgbClr val="000000"/>
-              </a:solidFill>
-              <a:latin typeface="Consolas" panose="020B0609020204030204" pitchFamily="49" charset="0"/>
-            </a:endParaRPr>
+              <a:t>    }</a:t>
+            </a:r>
           </a:p>
           <a:p>
             <a:pPr marL="114300" indent="0">
@@ -12914,10 +12461,9 @@
           <a:lstStyle/>
           <a:p>
             <a:r>
-              <a:rPr lang="en-US" dirty="0" smtClean="0"/>
+              <a:rPr lang="en-US" dirty="0"/>
               <a:t>Old Drag &amp; Drop</a:t>
             </a:r>
-            <a:endParaRPr lang="en-US" dirty="0"/>
           </a:p>
         </p:txBody>
       </p:sp>
@@ -12937,10 +12483,9 @@
           <a:lstStyle/>
           <a:p>
             <a:r>
-              <a:rPr lang="en-US" dirty="0" smtClean="0"/>
+              <a:rPr lang="en-US" dirty="0"/>
               <a:t>Cancelled</a:t>
             </a:r>
-            <a:endParaRPr lang="en-US" dirty="0"/>
           </a:p>
         </p:txBody>
       </p:sp>
@@ -12990,10 +12535,9 @@
           <a:lstStyle/>
           <a:p>
             <a:r>
-              <a:rPr lang="en-US" dirty="0" smtClean="0"/>
+              <a:rPr lang="en-US" dirty="0"/>
               <a:t>First Gestures</a:t>
             </a:r>
-            <a:endParaRPr lang="en-US" dirty="0"/>
           </a:p>
         </p:txBody>
       </p:sp>
@@ -13013,30 +12557,14 @@
           <a:lstStyle/>
           <a:p>
             <a:r>
-              <a:rPr lang="en-US" dirty="0" smtClean="0"/>
+              <a:rPr lang="en-US" dirty="0"/>
               <a:t>We’ll learn Ionic Gestures</a:t>
             </a:r>
           </a:p>
           <a:p>
             <a:r>
-              <a:rPr lang="en-US" dirty="0" smtClean="0"/>
-              <a:t>Ionic </a:t>
-            </a:r>
-            <a:r>
               <a:rPr lang="en-US" dirty="0"/>
-              <a:t>Gestures is a utility that allows developers to build custom gestures and interactions for their </a:t>
-            </a:r>
-            <a:r>
-              <a:rPr lang="en-US" dirty="0" smtClean="0"/>
-              <a:t>application. Developers </a:t>
-            </a:r>
-            <a:r>
-              <a:rPr lang="en-US" dirty="0"/>
-              <a:t>do not need to be using a particular framework such as React or Angular, nor do they even need to be building an Ionic app! As long as developers have access to v5.0 or greater of Ionic Framework, they will have access to all of Ionic Animations</a:t>
-            </a:r>
-            <a:r>
-              <a:rPr lang="en-US" dirty="0" smtClean="0"/>
-              <a:t>.</a:t>
+              <a:t>Ionic Gestures is a utility that allows developers to build custom gestures and interactions for their application. Developers do not need to be using a particular framework such as React or Angular, nor do they even need to be building an Ionic app! As long as developers have access to v5.0 or greater of Ionic Framework, they will have access to all of Ionic Animations.</a:t>
             </a:r>
           </a:p>
           <a:p>
@@ -13102,10 +12630,9 @@
           <a:lstStyle/>
           <a:p>
             <a:r>
-              <a:rPr lang="en-US" dirty="0" smtClean="0"/>
+              <a:rPr lang="en-US" dirty="0"/>
               <a:t>Intro</a:t>
             </a:r>
-            <a:endParaRPr lang="en-US" dirty="0"/>
           </a:p>
         </p:txBody>
       </p:sp>
@@ -13132,12 +12659,8 @@
           <a:lstStyle/>
           <a:p>
             <a:r>
-              <a:rPr lang="en-US" dirty="0" smtClean="0"/>
-              <a:t>To </a:t>
-            </a:r>
-            <a:r>
               <a:rPr lang="en-US" dirty="0"/>
-              <a:t>get started with our app we create a blank new project and simply install the </a:t>
+              <a:t>To get started with our app we create a blank new project and simply install the </a:t>
             </a:r>
             <a:r>
               <a:rPr lang="en-US" b="1" dirty="0"/>
@@ -13145,11 +12668,7 @@
             </a:r>
             <a:r>
               <a:rPr lang="en-US" dirty="0"/>
-              <a:t> package</a:t>
-            </a:r>
-            <a:r>
-              <a:rPr lang="en-US" dirty="0" smtClean="0"/>
-              <a:t>:</a:t>
+              <a:t> package:</a:t>
             </a:r>
           </a:p>
           <a:p>
@@ -13164,19 +12683,19 @@
               <a:t>ionic start </a:t>
             </a:r>
             <a:r>
-              <a:rPr lang="en-US" sz="1400" dirty="0" err="1" smtClean="0">
+              <a:rPr lang="en-US" sz="1400" dirty="0" err="1">
                 <a:latin typeface="Consolas" panose="020B0609020204030204" pitchFamily="49" charset="0"/>
               </a:rPr>
               <a:t>DragApp</a:t>
             </a:r>
             <a:r>
-              <a:rPr lang="en-US" sz="1400" dirty="0" smtClean="0">
+              <a:rPr lang="en-US" sz="1400" dirty="0">
                 <a:latin typeface="Consolas" panose="020B0609020204030204" pitchFamily="49" charset="0"/>
               </a:rPr>
               <a:t> </a:t>
             </a:r>
             <a:r>
-              <a:rPr lang="en-US" sz="1400" dirty="0" err="1" smtClean="0">
+              <a:rPr lang="en-US" sz="1400" dirty="0" err="1">
                 <a:latin typeface="Consolas" panose="020B0609020204030204" pitchFamily="49" charset="0"/>
               </a:rPr>
               <a:t>blanK</a:t>
@@ -13194,7 +12713,7 @@
               <a:t>cd </a:t>
             </a:r>
             <a:r>
-              <a:rPr lang="en-US" sz="1400" dirty="0" err="1" smtClean="0">
+              <a:rPr lang="en-US" sz="1400" dirty="0" err="1">
                 <a:latin typeface="Consolas" panose="020B0609020204030204" pitchFamily="49" charset="0"/>
               </a:rPr>
               <a:t>DragApp</a:t>
@@ -13219,7 +12738,7 @@
             </a:r>
           </a:p>
           <a:p>
-            <a:endParaRPr lang="en-US" dirty="0" smtClean="0"/>
+            <a:endParaRPr lang="en-US" dirty="0"/>
           </a:p>
           <a:p>
             <a:endParaRPr lang="en-US" dirty="0"/>
@@ -13344,15 +12863,15 @@
           <a:lstStyle/>
           <a:p>
             <a:r>
-              <a:rPr lang="en-US" sz="1400" dirty="0" smtClean="0"/>
+              <a:rPr lang="en-US" sz="1400" dirty="0"/>
               <a:t>Add </a:t>
             </a:r>
             <a:r>
-              <a:rPr lang="en-US" sz="1400" u="sng" dirty="0" smtClean="0"/>
+              <a:rPr lang="en-US" sz="1400" u="sng" dirty="0"/>
               <a:t>New Item </a:t>
             </a:r>
             <a:r>
-              <a:rPr lang="en-US" sz="1400" dirty="0" smtClean="0"/>
+              <a:rPr lang="en-US" sz="1400" dirty="0"/>
               <a:t>to one of lists: </a:t>
             </a:r>
           </a:p>
@@ -13361,34 +12880,33 @@
           </a:p>
           <a:p>
             <a:r>
-              <a:rPr lang="en-US" sz="1400" b="1" dirty="0" smtClean="0"/>
+              <a:rPr lang="en-US" sz="1400" b="1" dirty="0"/>
               <a:t>Do</a:t>
             </a:r>
             <a:r>
-              <a:rPr lang="en-US" sz="1400" dirty="0" smtClean="0"/>
+              <a:rPr lang="en-US" sz="1400" dirty="0"/>
               <a:t> or </a:t>
             </a:r>
             <a:r>
-              <a:rPr lang="en-US" sz="1400" b="1" dirty="0" smtClean="0"/>
+              <a:rPr lang="en-US" sz="1400" b="1" dirty="0"/>
               <a:t>Schedule</a:t>
             </a:r>
             <a:r>
-              <a:rPr lang="en-US" sz="1400" dirty="0" smtClean="0"/>
+              <a:rPr lang="en-US" sz="1400" dirty="0"/>
               <a:t> or </a:t>
             </a:r>
             <a:r>
-              <a:rPr lang="en-US" sz="1400" b="1" dirty="0" smtClean="0"/>
+              <a:rPr lang="en-US" sz="1400" b="1" dirty="0"/>
               <a:t>Delegate</a:t>
             </a:r>
             <a:r>
-              <a:rPr lang="en-US" sz="1400" dirty="0" smtClean="0"/>
+              <a:rPr lang="en-US" sz="1400" dirty="0"/>
               <a:t> or </a:t>
             </a:r>
             <a:r>
-              <a:rPr lang="en-US" sz="1400" b="1" dirty="0" smtClean="0"/>
+              <a:rPr lang="en-US" sz="1400" b="1" dirty="0"/>
               <a:t>Don’t do</a:t>
             </a:r>
-            <a:endParaRPr lang="en-US" sz="1400" b="1" dirty="0"/>
           </a:p>
         </p:txBody>
       </p:sp>
@@ -13487,10 +13005,9 @@
           <a:lstStyle/>
           <a:p>
             <a:r>
-              <a:rPr lang="en-US" dirty="0" smtClean="0"/>
+              <a:rPr lang="en-US" dirty="0"/>
               <a:t>Drag</a:t>
             </a:r>
-            <a:endParaRPr lang="en-US" dirty="0"/>
           </a:p>
         </p:txBody>
       </p:sp>
@@ -13517,10 +13034,9 @@
           <a:lstStyle/>
           <a:p>
             <a:r>
-              <a:rPr lang="en-US" dirty="0" smtClean="0"/>
+              <a:rPr lang="en-US" dirty="0"/>
               <a:t>Drag here to delete</a:t>
             </a:r>
-            <a:endParaRPr lang="en-US" dirty="0"/>
           </a:p>
         </p:txBody>
       </p:sp>
@@ -14504,7 +14020,7 @@
           <a:lstStyle/>
           <a:p>
             <a:r>
-              <a:rPr lang="en-US" sz="3600" dirty="0" err="1" smtClean="0"/>
+              <a:rPr lang="en-US" sz="3600" dirty="0" err="1"/>
               <a:t>Polyfills.ts</a:t>
             </a:r>
             <a:endParaRPr lang="en-US" sz="3600" dirty="0"/>
@@ -14530,12 +14046,8 @@
               <a:buNone/>
             </a:pPr>
             <a:r>
-              <a:rPr lang="en-US" dirty="0" smtClean="0"/>
-              <a:t>There’s </a:t>
-            </a:r>
-            <a:r>
               <a:rPr lang="en-US" dirty="0"/>
-              <a:t>a tiny problem with the package and we need to add a workaround to our </a:t>
+              <a:t>There’s a tiny problem with the package and we need to add a workaround to our </a:t>
             </a:r>
             <a:r>
               <a:rPr lang="en-US" b="1" dirty="0" err="1"/>
@@ -14551,11 +14063,7 @@
             </a:r>
             <a:r>
               <a:rPr lang="en-US" dirty="0"/>
-              <a:t> to make it work, so simply add this to the bottom of your file</a:t>
-            </a:r>
-            <a:r>
-              <a:rPr lang="en-US" dirty="0" smtClean="0"/>
-              <a:t>:</a:t>
+              <a:t> to make it work, so simply add this to the bottom of your file:</a:t>
             </a:r>
           </a:p>
           <a:p>
@@ -14566,7 +14074,7 @@
               <a:buNone/>
             </a:pPr>
             <a:r>
-              <a:rPr lang="en-US" dirty="0" smtClean="0">
+              <a:rPr lang="en-US" dirty="0">
                 <a:solidFill>
                   <a:srgbClr val="333333"/>
                 </a:solidFill>
@@ -14647,7 +14155,7 @@
               <a:t>window</a:t>
             </a:r>
             <a:r>
-              <a:rPr lang="en-US" dirty="0" smtClean="0">
+              <a:rPr lang="en-US" dirty="0">
                 <a:solidFill>
                   <a:srgbClr val="333333"/>
                 </a:solidFill>
@@ -14671,7 +14179,7 @@
             <a:pPr marL="114300" indent="0">
               <a:buNone/>
             </a:pPr>
-            <a:endParaRPr lang="en-US" dirty="0" smtClean="0">
+            <a:endParaRPr lang="en-US" dirty="0">
               <a:solidFill>
                 <a:srgbClr val="333333"/>
               </a:solidFill>
@@ -14767,18 +14275,18 @@
               <a:buNone/>
             </a:pPr>
             <a:r>
-              <a:rPr lang="en-US" sz="2900" b="1" dirty="0" err="1" smtClean="0"/>
+              <a:rPr lang="en-US" sz="2900" b="1" dirty="0" err="1"/>
               <a:t>src</a:t>
             </a:r>
             <a:r>
-              <a:rPr lang="en-US" sz="2900" b="1" dirty="0" smtClean="0"/>
+              <a:rPr lang="en-US" sz="2900" b="1" dirty="0"/>
               <a:t>/</a:t>
             </a:r>
             <a:r>
-              <a:rPr lang="en-US" sz="2900" b="1" dirty="0" err="1" smtClean="0"/>
+              <a:rPr lang="en-US" sz="2900" b="1" dirty="0" err="1"/>
               <a:t>global.scss</a:t>
             </a:r>
-            <a:endParaRPr lang="en-US" sz="2900" b="1" dirty="0" smtClean="0"/>
+            <a:endParaRPr lang="en-US" sz="2900" b="1" dirty="0"/>
           </a:p>
           <a:p>
             <a:endParaRPr lang="en-US" dirty="0"/>
@@ -16614,10 +16122,6 @@
               </a:rPr>
               <a:t>Adding the Drag &amp; Drop Logic</a:t>
             </a:r>
-            <a:r>
-              <a:rPr lang="en-US" b="1" dirty="0"/>
-              <a:t/>
-            </a:r>
             <a:br>
               <a:rPr lang="en-US" b="1" dirty="0"/>
             </a:br>
@@ -16652,23 +16156,15 @@
             </a:pPr>
             <a:r>
               <a:rPr lang="en-US" sz="2500" dirty="0"/>
-              <a:t>If you want to use the functionality in one of </a:t>
-            </a:r>
-            <a:r>
-              <a:rPr lang="en-US" sz="2500" dirty="0" smtClean="0"/>
-              <a:t>your pages you’ll have to </a:t>
-            </a:r>
-            <a:r>
-              <a:rPr lang="en-US" sz="2500" dirty="0" err="1" smtClean="0"/>
+              <a:t>If you want to use the functionality in one of your pages you’ll have to </a:t>
+            </a:r>
+            <a:r>
+              <a:rPr lang="en-US" sz="2500" dirty="0" err="1"/>
               <a:t>to</a:t>
             </a:r>
             <a:r>
-              <a:rPr lang="en-US" sz="2500" dirty="0" smtClean="0"/>
-              <a:t> import it inside the </a:t>
-            </a:r>
-            <a:r>
               <a:rPr lang="en-US" sz="2500" dirty="0"/>
-              <a:t>module file of your lazy loaded pages. In our case we can change our </a:t>
+              <a:t> import it inside the module file of your lazy loaded pages. In our case we can change our </a:t>
             </a:r>
             <a:r>
               <a:rPr lang="en-US" sz="2500" b="1" dirty="0"/>
@@ -16680,11 +16176,7 @@
             </a:r>
             <a:r>
               <a:rPr lang="en-US" sz="2500" dirty="0"/>
-              <a:t> to </a:t>
-            </a:r>
-            <a:r>
-              <a:rPr lang="en-US" sz="2500" dirty="0" smtClean="0"/>
-              <a:t>this:</a:t>
+              <a:t> to this:</a:t>
             </a:r>
           </a:p>
           <a:p>
@@ -16933,7 +16425,7 @@
               <a:buNone/>
             </a:pPr>
             <a:r>
-              <a:rPr lang="en-US" dirty="0" smtClean="0">
+              <a:rPr lang="en-US" dirty="0">
                 <a:solidFill>
                   <a:srgbClr val="008080"/>
                 </a:solidFill>
@@ -16942,7 +16434,7 @@
               <a:t>import</a:t>
             </a:r>
             <a:r>
-              <a:rPr lang="en-US" dirty="0" smtClean="0">
+              <a:rPr lang="en-US" dirty="0">
                 <a:solidFill>
                   <a:srgbClr val="006FE0"/>
                 </a:solidFill>
@@ -18097,7 +17589,7 @@
               <a:t> </a:t>
             </a:r>
             <a:r>
-              <a:rPr lang="en-US" dirty="0" smtClean="0">
+              <a:rPr lang="en-US" dirty="0">
                 <a:solidFill>
                   <a:srgbClr val="333333"/>
                 </a:solidFill>
@@ -18160,13 +17652,8 @@
             </a:r>
             <a:r>
               <a:rPr lang="en-US" dirty="0"/>
-              <a:t> </a:t>
-            </a:r>
-            <a:r>
-              <a:rPr lang="en-US" dirty="0" smtClean="0"/>
-              <a:t>Drag</a:t>
-            </a:r>
-            <a:endParaRPr lang="en-US" dirty="0"/>
+              <a:t> Drag</a:t>
+            </a:r>
           </a:p>
         </p:txBody>
       </p:sp>
@@ -18233,7 +17720,7 @@
               <a:t>bag</a:t>
             </a:r>
             <a:r>
-              <a:rPr lang="en-US" dirty="0" smtClean="0"/>
+              <a:rPr lang="en-US" dirty="0"/>
               <a:t>“.</a:t>
             </a:r>
           </a:p>
@@ -18310,11 +17797,7 @@
             </a:r>
             <a:r>
               <a:rPr lang="en-US" dirty="0"/>
-              <a:t> service to subscribe to various events. Let’s talk about the ones we use</a:t>
-            </a:r>
-            <a:r>
-              <a:rPr lang="en-US" dirty="0" smtClean="0"/>
-              <a:t>:</a:t>
+              <a:t> service to subscribe to various events. Let’s talk about the ones we use:</a:t>
             </a:r>
           </a:p>
           <a:p>
@@ -18327,11 +17810,7 @@
             </a:r>
             <a:r>
               <a:rPr lang="en-US" dirty="0"/>
-              <a:t>: An item is currently being dragged. In that case we will change the background </a:t>
-            </a:r>
-            <a:r>
-              <a:rPr lang="en-US" dirty="0" smtClean="0"/>
-              <a:t>color</a:t>
+              <a:t>: An item is currently being dragged. In that case we will change the background color</a:t>
             </a:r>
           </a:p>
           <a:p>
@@ -18348,11 +17827,7 @@
             </a:r>
             <a:r>
               <a:rPr lang="en-US" dirty="0"/>
-              <a:t>: An item was dropped, but not inside another group but outside any group. At that point the item will be removed and we’ll show a little </a:t>
-            </a:r>
-            <a:r>
-              <a:rPr lang="en-US" dirty="0" smtClean="0"/>
-              <a:t>toast</a:t>
+              <a:t>: An item was dropped, but not inside another group but outside any group. At that point the item will be removed and we’ll show a little toast</a:t>
             </a:r>
           </a:p>
           <a:p>
@@ -18369,11 +17844,7 @@
             </a:r>
             <a:r>
               <a:rPr lang="en-US" dirty="0"/>
-              <a:t>: An item was dropped into a new group. We’ll again change the color to reflect that something </a:t>
-            </a:r>
-            <a:r>
-              <a:rPr lang="en-US" dirty="0" smtClean="0"/>
-              <a:t>happened</a:t>
+              <a:t>: An item was dropped into a new group. We’ll again change the color to reflect that something happened</a:t>
             </a:r>
           </a:p>
           <a:p>
@@ -18398,13 +17869,8 @@
             </a:r>
             <a:r>
               <a:rPr lang="en-US" dirty="0"/>
-              <a:t> which means </a:t>
-            </a:r>
-            <a:r>
-              <a:rPr lang="en-US" dirty="0" smtClean="0"/>
-              <a:t>removed</a:t>
-            </a:r>
-            <a:endParaRPr lang="en-US" dirty="0"/>
+              <a:t> which means removed</a:t>
+            </a:r>
           </a:p>
         </p:txBody>
       </p:sp>
@@ -18660,7 +18126,7 @@
               <a:buNone/>
             </a:pPr>
             <a:r>
-              <a:rPr lang="en-US" sz="2300" dirty="0" smtClean="0">
+              <a:rPr lang="en-US" sz="2300" dirty="0">
                 <a:solidFill>
                   <a:srgbClr val="0000FF"/>
                 </a:solidFill>
@@ -18813,15 +18279,6 @@
             <a:pPr marL="114300" indent="0">
               <a:buNone/>
             </a:pPr>
-            <a:r>
-              <a:rPr lang="en-US" sz="2300" dirty="0">
-                <a:solidFill>
-                  <a:srgbClr val="000000"/>
-                </a:solidFill>
-                <a:latin typeface="Consolas" panose="020B0609020204030204" pitchFamily="49" charset="0"/>
-              </a:rPr>
-              <a:t/>
-            </a:r>
             <a:br>
               <a:rPr lang="en-US" sz="2300" dirty="0">
                 <a:solidFill>
@@ -18831,7 +18288,7 @@
               </a:rPr>
             </a:br>
             <a:r>
-              <a:rPr lang="en-US" sz="2300" dirty="0" smtClean="0">
+              <a:rPr lang="en-US" sz="2300" dirty="0">
                 <a:solidFill>
                   <a:srgbClr val="0000FF"/>
                 </a:solidFill>
@@ -18871,15 +18328,6 @@
             <a:pPr marL="114300" indent="0">
               <a:buNone/>
             </a:pPr>
-            <a:r>
-              <a:rPr lang="en-US" sz="2300" dirty="0">
-                <a:solidFill>
-                  <a:srgbClr val="000000"/>
-                </a:solidFill>
-                <a:latin typeface="Consolas" panose="020B0609020204030204" pitchFamily="49" charset="0"/>
-              </a:rPr>
-              <a:t/>
-            </a:r>
             <a:br>
               <a:rPr lang="en-US" sz="2300" dirty="0">
                 <a:solidFill>
@@ -19532,15 +18980,6 @@
             <a:pPr marL="114300" indent="0">
               <a:buNone/>
             </a:pPr>
-            <a:r>
-              <a:rPr lang="en-US" dirty="0">
-                <a:solidFill>
-                  <a:srgbClr val="000000"/>
-                </a:solidFill>
-                <a:latin typeface="Consolas" panose="020B0609020204030204" pitchFamily="49" charset="0"/>
-              </a:rPr>
-              <a:t/>
-            </a:r>
             <a:br>
               <a:rPr lang="en-US" dirty="0">
                 <a:solidFill>
@@ -19561,10 +19000,9 @@
               <a:buNone/>
             </a:pPr>
             <a:r>
-              <a:rPr lang="en-US" dirty="0" smtClean="0"/>
+              <a:rPr lang="en-US" dirty="0"/>
               <a:t> </a:t>
             </a:r>
-            <a:endParaRPr lang="en-US" dirty="0"/>
           </a:p>
         </p:txBody>
       </p:sp>
@@ -19614,10 +19052,9 @@
           <a:lstStyle/>
           <a:p>
             <a:r>
-              <a:rPr lang="en-US" dirty="0" smtClean="0"/>
+              <a:rPr lang="en-US" dirty="0"/>
               <a:t>Example</a:t>
             </a:r>
-            <a:endParaRPr lang="en-US" dirty="0"/>
           </a:p>
         </p:txBody>
       </p:sp>
@@ -19726,14 +19163,13 @@
           <a:lstStyle/>
           <a:p>
             <a:r>
-              <a:rPr lang="en-US" sz="3600" dirty="0" err="1" smtClean="0"/>
+              <a:rPr lang="en-US" sz="3600" dirty="0" err="1"/>
               <a:t>Home.ts</a:t>
             </a:r>
             <a:r>
-              <a:rPr lang="en-US" sz="3600" dirty="0" smtClean="0"/>
+              <a:rPr lang="en-US" sz="3600" dirty="0"/>
               <a:t>: continue</a:t>
             </a:r>
-            <a:endParaRPr lang="en-US" sz="3600" dirty="0"/>
           </a:p>
         </p:txBody>
       </p:sp>
@@ -19888,15 +19324,6 @@
             <a:pPr marL="114300" indent="0">
               <a:buNone/>
             </a:pPr>
-            <a:r>
-              <a:rPr lang="en-US" dirty="0">
-                <a:solidFill>
-                  <a:srgbClr val="000000"/>
-                </a:solidFill>
-                <a:latin typeface="Consolas" panose="020B0609020204030204" pitchFamily="49" charset="0"/>
-              </a:rPr>
-              <a:t/>
-            </a:r>
             <a:br>
               <a:rPr lang="en-US" dirty="0">
                 <a:solidFill>
@@ -20670,15 +20097,6 @@
             <a:pPr marL="114300" indent="0">
               <a:buNone/>
             </a:pPr>
-            <a:r>
-              <a:rPr lang="en-US" dirty="0">
-                <a:solidFill>
-                  <a:srgbClr val="000000"/>
-                </a:solidFill>
-                <a:latin typeface="Consolas" panose="020B0609020204030204" pitchFamily="49" charset="0"/>
-              </a:rPr>
-              <a:t/>
-            </a:r>
             <a:br>
               <a:rPr lang="en-US" dirty="0">
                 <a:solidFill>
@@ -20751,14 +20169,13 @@
           <a:lstStyle/>
           <a:p>
             <a:r>
-              <a:rPr lang="en-US" sz="3600" dirty="0" err="1" smtClean="0"/>
+              <a:rPr lang="en-US" sz="3600" dirty="0" err="1"/>
               <a:t>Home.ts</a:t>
             </a:r>
             <a:r>
-              <a:rPr lang="en-US" sz="3600" dirty="0" smtClean="0"/>
+              <a:rPr lang="en-US" sz="3600" dirty="0"/>
               <a:t>: continue</a:t>
             </a:r>
-            <a:endParaRPr lang="en-US" sz="3600" dirty="0"/>
           </a:p>
         </p:txBody>
       </p:sp>
@@ -21728,7 +21145,7 @@
               <a:buNone/>
             </a:pPr>
             <a:r>
-              <a:rPr lang="en-US" dirty="0" smtClean="0">
+              <a:rPr lang="en-US" dirty="0">
                 <a:solidFill>
                   <a:srgbClr val="000000"/>
                 </a:solidFill>
@@ -21802,11 +21219,7 @@
             </a:r>
             <a:r>
               <a:rPr lang="en-US" dirty="0"/>
-              <a:t> service, now it’s time to connect everything with our view</a:t>
-            </a:r>
-            <a:r>
-              <a:rPr lang="en-US" dirty="0" smtClean="0"/>
-              <a:t>.</a:t>
+              <a:t> service, now it’s time to connect everything with our view.</a:t>
             </a:r>
           </a:p>
           <a:p>
@@ -21831,11 +21244,7 @@
             </a:r>
             <a:r>
               <a:rPr lang="en-US" dirty="0"/>
-              <a:t> on our ion-content. This helps to prevent some crazy scrolling on a device while dragging elements between the lists</a:t>
-            </a:r>
-            <a:r>
-              <a:rPr lang="en-US" dirty="0" smtClean="0"/>
-              <a:t>!</a:t>
+              <a:t> on our ion-content. This helps to prevent some crazy scrolling on a device while dragging elements between the lists!</a:t>
             </a:r>
           </a:p>
           <a:p>
@@ -21844,11 +21253,7 @@
           <a:p>
             <a:r>
               <a:rPr lang="en-US" dirty="0"/>
-              <a:t>At the bottom we have the four quadrants, and we could have another array to iterate so it would be only one code block but I thought it would be a bit more clearly how the package works if we write things out</a:t>
-            </a:r>
-            <a:r>
-              <a:rPr lang="en-US" dirty="0" smtClean="0"/>
-              <a:t>.</a:t>
+              <a:t>At the bottom we have the four quadrants, and we could have another array to iterate so it would be only one code block but I thought it would be a bit more clearly how the package works if we write things out.</a:t>
             </a:r>
           </a:p>
           <a:p>
@@ -21925,7 +21330,7 @@
               <a:t> items of that quadrant</a:t>
             </a:r>
             <a:r>
-              <a:rPr lang="en-US" dirty="0" smtClean="0"/>
+              <a:rPr lang="en-US" dirty="0"/>
               <a:t>.</a:t>
             </a:r>
           </a:p>
@@ -21951,11 +21356,7 @@
             </a:r>
             <a:r>
               <a:rPr lang="en-US" dirty="0"/>
-              <a:t>)] which is the connection to the array with information for each quadrant</a:t>
-            </a:r>
-            <a:r>
-              <a:rPr lang="en-US" dirty="0" smtClean="0"/>
-              <a:t>.</a:t>
+              <a:t>)] which is the connection to the array with information for each quadrant.</a:t>
             </a:r>
           </a:p>
           <a:p>
@@ -21988,19 +21389,14 @@
               <a:rPr lang="en-US" dirty="0"/>
               <a:t>With all of that said, open </a:t>
             </a:r>
-            <a:endParaRPr lang="en-US" dirty="0" smtClean="0"/>
           </a:p>
           <a:p>
             <a:endParaRPr lang="en-US" dirty="0"/>
           </a:p>
           <a:p>
             <a:r>
-              <a:rPr lang="en-US" dirty="0" smtClean="0"/>
-              <a:t>your</a:t>
-            </a:r>
-            <a:r>
               <a:rPr lang="en-US" dirty="0"/>
-              <a:t> </a:t>
+              <a:t>your </a:t>
             </a:r>
             <a:r>
               <a:rPr lang="en-US" b="1" dirty="0"/>
@@ -22067,10 +21463,9 @@
           <a:lstStyle/>
           <a:p>
             <a:r>
-              <a:rPr lang="en-US" sz="3600" dirty="0" smtClean="0"/>
+              <a:rPr lang="en-US" sz="3600" dirty="0"/>
               <a:t>Home.html</a:t>
             </a:r>
-            <a:endParaRPr lang="en-US" sz="3600" dirty="0"/>
           </a:p>
         </p:txBody>
       </p:sp>
@@ -22164,15 +21559,6 @@
             <a:pPr marL="114300" indent="0">
               <a:buNone/>
             </a:pPr>
-            <a:r>
-              <a:rPr lang="en-US" dirty="0">
-                <a:solidFill>
-                  <a:srgbClr val="000000"/>
-                </a:solidFill>
-                <a:latin typeface="Consolas" panose="020B0609020204030204" pitchFamily="49" charset="0"/>
-              </a:rPr>
-              <a:t/>
-            </a:r>
             <a:br>
               <a:rPr lang="en-US" dirty="0">
                 <a:solidFill>
@@ -23775,16 +23161,7 @@
                 </a:solidFill>
                 <a:latin typeface="Consolas" panose="020B0609020204030204" pitchFamily="49" charset="0"/>
               </a:rPr>
-              <a:t>&lt;/ion-button</a:t>
-            </a:r>
-            <a:r>
-              <a:rPr lang="en-US" dirty="0" smtClean="0">
-                <a:solidFill>
-                  <a:srgbClr val="800000"/>
-                </a:solidFill>
-                <a:latin typeface="Consolas" panose="020B0609020204030204" pitchFamily="49" charset="0"/>
-              </a:rPr>
-              <a:t>&gt;</a:t>
+              <a:t>&lt;/ion-button&gt;</a:t>
             </a:r>
             <a:endParaRPr lang="en-US" dirty="0"/>
           </a:p>
@@ -23836,10 +23213,9 @@
           <a:lstStyle/>
           <a:p>
             <a:r>
-              <a:rPr lang="en-US" dirty="0" smtClean="0"/>
+              <a:rPr lang="en-US" dirty="0"/>
               <a:t>Home.html</a:t>
             </a:r>
-            <a:endParaRPr lang="en-US" dirty="0"/>
           </a:p>
         </p:txBody>
       </p:sp>
@@ -23869,22 +23245,13 @@
               <a:buNone/>
             </a:pPr>
             <a:r>
-              <a:rPr lang="en-US" sz="1300" dirty="0" smtClean="0">
+              <a:rPr lang="en-US" sz="1300" dirty="0">
                 <a:solidFill>
                   <a:srgbClr val="800000"/>
                 </a:solidFill>
                 <a:latin typeface="Consolas" panose="020B0609020204030204" pitchFamily="49" charset="0"/>
               </a:rPr>
-              <a:t>&lt;</a:t>
-            </a:r>
-            <a:r>
-              <a:rPr lang="en-US" sz="1300" dirty="0">
-                <a:solidFill>
-                  <a:srgbClr val="800000"/>
-                </a:solidFill>
-                <a:latin typeface="Consolas" panose="020B0609020204030204" pitchFamily="49" charset="0"/>
-              </a:rPr>
-              <a:t>ion-row</a:t>
+              <a:t>&lt;ion-row</a:t>
             </a:r>
             <a:r>
               <a:rPr lang="en-US" sz="1300" dirty="0">
@@ -24651,22 +24018,13 @@
               <a:buNone/>
             </a:pPr>
             <a:r>
-              <a:rPr lang="en-US" sz="1300" dirty="0" smtClean="0">
+              <a:rPr lang="en-US" sz="1300" dirty="0">
                 <a:solidFill>
                   <a:srgbClr val="800000"/>
                 </a:solidFill>
                 <a:latin typeface="Consolas" panose="020B0609020204030204" pitchFamily="49" charset="0"/>
               </a:rPr>
-              <a:t>   &lt;</a:t>
-            </a:r>
-            <a:r>
-              <a:rPr lang="en-US" sz="1300" dirty="0">
-                <a:solidFill>
-                  <a:srgbClr val="800000"/>
-                </a:solidFill>
-                <a:latin typeface="Consolas" panose="020B0609020204030204" pitchFamily="49" charset="0"/>
-              </a:rPr>
-              <a:t>ion-col</a:t>
+              <a:t>   &lt;ion-col</a:t>
             </a:r>
             <a:r>
               <a:rPr lang="en-US" sz="1300" dirty="0">
@@ -25307,22 +24665,13 @@
               <a:t>   </a:t>
             </a:r>
             <a:r>
-              <a:rPr lang="en-US" sz="1300" dirty="0" smtClean="0">
+              <a:rPr lang="en-US" sz="1300" dirty="0">
                 <a:solidFill>
                   <a:srgbClr val="800000"/>
                 </a:solidFill>
                 <a:latin typeface="Consolas" panose="020B0609020204030204" pitchFamily="49" charset="0"/>
               </a:rPr>
-              <a:t>&lt;/</a:t>
-            </a:r>
-            <a:r>
-              <a:rPr lang="en-US" sz="1300" dirty="0">
-                <a:solidFill>
-                  <a:srgbClr val="800000"/>
-                </a:solidFill>
-                <a:latin typeface="Consolas" panose="020B0609020204030204" pitchFamily="49" charset="0"/>
-              </a:rPr>
-              <a:t>ion-col&gt;</a:t>
+              <a:t>&lt;/ion-col&gt;</a:t>
             </a:r>
             <a:endParaRPr lang="en-US" sz="1300" dirty="0">
               <a:solidFill>
@@ -25399,10 +24748,9 @@
           <a:lstStyle/>
           <a:p>
             <a:r>
-              <a:rPr lang="en-US" dirty="0" smtClean="0"/>
+              <a:rPr lang="en-US" dirty="0"/>
               <a:t>Home.html</a:t>
             </a:r>
-            <a:endParaRPr lang="en-US" dirty="0"/>
           </a:p>
         </p:txBody>
       </p:sp>
@@ -25432,22 +24780,13 @@
               <a:buNone/>
             </a:pPr>
             <a:r>
-              <a:rPr lang="en-US" dirty="0" smtClean="0">
+              <a:rPr lang="en-US" dirty="0">
                 <a:solidFill>
                   <a:srgbClr val="800000"/>
                 </a:solidFill>
                 <a:latin typeface="Consolas" panose="020B0609020204030204" pitchFamily="49" charset="0"/>
               </a:rPr>
-              <a:t>&lt;</a:t>
-            </a:r>
-            <a:r>
-              <a:rPr lang="en-US" dirty="0">
-                <a:solidFill>
-                  <a:srgbClr val="800000"/>
-                </a:solidFill>
-                <a:latin typeface="Consolas" panose="020B0609020204030204" pitchFamily="49" charset="0"/>
-              </a:rPr>
-              <a:t>ion-col</a:t>
+              <a:t>&lt;ion-col</a:t>
             </a:r>
             <a:r>
               <a:rPr lang="en-US" dirty="0">
@@ -26122,22 +25461,13 @@
               <a:buNone/>
             </a:pPr>
             <a:r>
-              <a:rPr lang="en-US" dirty="0" smtClean="0">
-                <a:solidFill>
-                  <a:srgbClr val="000000"/>
-                </a:solidFill>
-                <a:latin typeface="Consolas" panose="020B0609020204030204" pitchFamily="49" charset="0"/>
-              </a:rPr>
-              <a:t> </a:t>
-            </a:r>
-            <a:r>
-              <a:rPr lang="en-US" dirty="0">
-                <a:solidFill>
-                  <a:srgbClr val="000000"/>
-                </a:solidFill>
-                <a:latin typeface="Consolas" panose="020B0609020204030204" pitchFamily="49" charset="0"/>
-              </a:rPr>
-              <a:t>  </a:t>
+              <a:rPr lang="en-US" dirty="0">
+                <a:solidFill>
+                  <a:srgbClr val="000000"/>
+                </a:solidFill>
+                <a:latin typeface="Consolas" panose="020B0609020204030204" pitchFamily="49" charset="0"/>
+              </a:rPr>
+              <a:t>   </a:t>
             </a:r>
             <a:r>
               <a:rPr lang="en-US" dirty="0">
@@ -27151,16 +26481,7 @@
                 </a:solidFill>
                 <a:latin typeface="Consolas" panose="020B0609020204030204" pitchFamily="49" charset="0"/>
               </a:rPr>
-              <a:t>&lt;/ion-content</a:t>
-            </a:r>
-            <a:r>
-              <a:rPr lang="en-US" dirty="0" smtClean="0">
-                <a:solidFill>
-                  <a:srgbClr val="800000"/>
-                </a:solidFill>
-                <a:latin typeface="Consolas" panose="020B0609020204030204" pitchFamily="49" charset="0"/>
-              </a:rPr>
-              <a:t>&gt;</a:t>
+              <a:t>&lt;/ion-content&gt;</a:t>
             </a:r>
             <a:endParaRPr lang="en-US" dirty="0"/>
           </a:p>
@@ -27299,7 +26620,7 @@
           <a:lstStyle/>
           <a:p>
             <a:r>
-              <a:rPr lang="en-US" sz="4000" dirty="0" err="1" smtClean="0"/>
+              <a:rPr lang="en-US" sz="4000" dirty="0" err="1"/>
               <a:t>Home.page.tcss</a:t>
             </a:r>
             <a:endParaRPr lang="en-US" sz="4000" dirty="0"/>
@@ -28668,10 +27989,9 @@
           <a:lstStyle/>
           <a:p>
             <a:r>
-              <a:rPr lang="en-US" dirty="0" smtClean="0"/>
+              <a:rPr lang="en-US" dirty="0"/>
               <a:t>Code</a:t>
             </a:r>
-            <a:endParaRPr lang="en-US" dirty="0"/>
           </a:p>
         </p:txBody>
       </p:sp>
@@ -28691,7 +28011,7 @@
           <a:lstStyle/>
           <a:p>
             <a:r>
-              <a:rPr lang="en-US" b="1" u="sng" dirty="0" smtClean="0"/>
+              <a:rPr lang="en-US" b="1" u="sng" dirty="0"/>
               <a:t>HTML</a:t>
             </a:r>
           </a:p>
@@ -28724,19 +28044,10 @@
                 </a:solidFill>
                 <a:latin typeface="Consolas" panose="020B0609020204030204" pitchFamily="49" charset="0"/>
               </a:rPr>
-              <a:t> </a:t>
-            </a:r>
-            <a:r>
-              <a:rPr lang="en-US" sz="1500" smtClean="0">
-                <a:solidFill>
-                  <a:srgbClr val="000000"/>
-                </a:solidFill>
-                <a:latin typeface="Consolas" panose="020B0609020204030204" pitchFamily="49" charset="0"/>
-              </a:rPr>
-              <a:t>#rectangle </a:t>
-            </a:r>
-            <a:r>
-              <a:rPr lang="en-US" sz="1500" smtClean="0">
+              <a:t> #rectangle </a:t>
+            </a:r>
+            <a:r>
+              <a:rPr lang="en-US" sz="1500" dirty="0">
                 <a:solidFill>
                   <a:srgbClr val="FF0000"/>
                 </a:solidFill>
@@ -28818,24 +28129,15 @@
                 </a:solidFill>
                 <a:latin typeface="Consolas" panose="020B0609020204030204" pitchFamily="49" charset="0"/>
               </a:rPr>
-              <a:t>    Swipe to start </a:t>
-            </a:r>
-            <a:r>
-              <a:rPr lang="en-US" sz="1500" dirty="0" smtClean="0">
-                <a:solidFill>
-                  <a:srgbClr val="000000"/>
-                </a:solidFill>
-                <a:latin typeface="Consolas" panose="020B0609020204030204" pitchFamily="49" charset="0"/>
-              </a:rPr>
-              <a:t>tracking</a:t>
-            </a:r>
-          </a:p>
-          <a:p>
-            <a:pPr marL="114300" indent="0">
-              <a:buNone/>
-            </a:pPr>
-            <a:r>
-              <a:rPr lang="en-US" sz="1600" dirty="0" smtClean="0">
+              <a:t>    Swipe to start tracking</a:t>
+            </a:r>
+          </a:p>
+          <a:p>
+            <a:pPr marL="114300" indent="0">
+              <a:buNone/>
+            </a:pPr>
+            <a:r>
+              <a:rPr lang="en-US" sz="1600" dirty="0">
                 <a:solidFill>
                   <a:srgbClr val="000000"/>
                 </a:solidFill>
@@ -28844,22 +28146,13 @@
               <a:t>	</a:t>
             </a:r>
             <a:r>
-              <a:rPr lang="en-US" sz="1500" dirty="0" smtClean="0">
-                <a:solidFill>
-                  <a:srgbClr val="000000"/>
-                </a:solidFill>
-                <a:latin typeface="Consolas" panose="020B0609020204030204" pitchFamily="49" charset="0"/>
-              </a:rPr>
-              <a:t>{{</a:t>
-            </a:r>
-            <a:r>
               <a:rPr lang="en-US" sz="1500" dirty="0">
                 <a:solidFill>
                   <a:srgbClr val="000000"/>
                 </a:solidFill>
                 <a:latin typeface="Consolas" panose="020B0609020204030204" pitchFamily="49" charset="0"/>
               </a:rPr>
-              <a:t>type}} {{</a:t>
+              <a:t>{{type}} {{</a:t>
             </a:r>
             <a:r>
               <a:rPr lang="en-US" sz="1500" dirty="0" err="1">
@@ -28910,11 +28203,11 @@
             </a:endParaRPr>
           </a:p>
           <a:p>
-            <a:endParaRPr lang="en-US" dirty="0" smtClean="0"/>
-          </a:p>
-          <a:p>
-            <a:r>
-              <a:rPr lang="en-US" b="1" u="sng" dirty="0" smtClean="0"/>
+            <a:endParaRPr lang="en-US" dirty="0"/>
+          </a:p>
+          <a:p>
+            <a:r>
+              <a:rPr lang="en-US" b="1" u="sng" dirty="0"/>
               <a:t>CSS</a:t>
             </a:r>
           </a:p>
@@ -29178,7 +28471,7 @@
             </a:r>
           </a:p>
           <a:p>
-            <a:endParaRPr lang="en-US" dirty="0" smtClean="0"/>
+            <a:endParaRPr lang="en-US" dirty="0"/>
           </a:p>
         </p:txBody>
       </p:sp>
@@ -29233,10 +28526,9 @@
           <a:lstStyle/>
           <a:p>
             <a:r>
-              <a:rPr lang="en-US" dirty="0" smtClean="0"/>
+              <a:rPr lang="en-US" dirty="0"/>
               <a:t>TS</a:t>
             </a:r>
-            <a:endParaRPr lang="en-US" dirty="0"/>
           </a:p>
         </p:txBody>
       </p:sp>
@@ -29293,7 +28585,25 @@
               <a:t>AfterViewInit</a:t>
             </a:r>
             <a:r>
-              <a:rPr lang="en-US" sz="4600" dirty="0" smtClean="0">
+              <a:rPr lang="en-US" sz="4600" dirty="0">
+                <a:solidFill>
+                  <a:srgbClr val="000000"/>
+                </a:solidFill>
+                <a:latin typeface="Consolas" panose="020B0609020204030204" pitchFamily="49" charset="0"/>
+              </a:rPr>
+              <a:t>, Component, </a:t>
+            </a:r>
+            <a:r>
+              <a:rPr lang="en-US" sz="4600" dirty="0" err="1">
+                <a:solidFill>
+                  <a:srgbClr val="000000"/>
+                </a:solidFill>
+                <a:latin typeface="Consolas" panose="020B0609020204030204" pitchFamily="49" charset="0"/>
+              </a:rPr>
+              <a:t>ElementRef</a:t>
+            </a:r>
+            <a:r>
+              <a:rPr lang="en-US" sz="4600" dirty="0">
                 <a:solidFill>
                   <a:srgbClr val="000000"/>
                 </a:solidFill>
@@ -29302,13 +28612,81 @@
               <a:t>, </a:t>
             </a:r>
             <a:r>
+              <a:rPr lang="en-US" sz="4600" dirty="0" err="1">
+                <a:solidFill>
+                  <a:srgbClr val="000000"/>
+                </a:solidFill>
+                <a:latin typeface="Consolas" panose="020B0609020204030204" pitchFamily="49" charset="0"/>
+              </a:rPr>
+              <a:t>ViewChild</a:t>
+            </a:r>
+            <a:r>
               <a:rPr lang="en-US" sz="4600" dirty="0">
                 <a:solidFill>
                   <a:srgbClr val="000000"/>
                 </a:solidFill>
                 <a:latin typeface="Consolas" panose="020B0609020204030204" pitchFamily="49" charset="0"/>
               </a:rPr>
-              <a:t>Component, </a:t>
+              <a:t> } </a:t>
+            </a:r>
+            <a:r>
+              <a:rPr lang="en-US" sz="4600" dirty="0">
+                <a:solidFill>
+                  <a:srgbClr val="0000FF"/>
+                </a:solidFill>
+                <a:latin typeface="Consolas" panose="020B0609020204030204" pitchFamily="49" charset="0"/>
+              </a:rPr>
+              <a:t>from</a:t>
+            </a:r>
+            <a:r>
+              <a:rPr lang="en-US" sz="4600" dirty="0">
+                <a:solidFill>
+                  <a:srgbClr val="000000"/>
+                </a:solidFill>
+                <a:latin typeface="Consolas" panose="020B0609020204030204" pitchFamily="49" charset="0"/>
+              </a:rPr>
+              <a:t> </a:t>
+            </a:r>
+            <a:r>
+              <a:rPr lang="en-US" sz="4600" dirty="0">
+                <a:solidFill>
+                  <a:srgbClr val="A31515"/>
+                </a:solidFill>
+                <a:latin typeface="Consolas" panose="020B0609020204030204" pitchFamily="49" charset="0"/>
+              </a:rPr>
+              <a:t>'@angular/core'</a:t>
+            </a:r>
+            <a:r>
+              <a:rPr lang="en-US" sz="4600" dirty="0">
+                <a:solidFill>
+                  <a:srgbClr val="000000"/>
+                </a:solidFill>
+                <a:latin typeface="Consolas" panose="020B0609020204030204" pitchFamily="49" charset="0"/>
+              </a:rPr>
+              <a:t>;</a:t>
+            </a:r>
+          </a:p>
+          <a:p>
+            <a:pPr marL="114300" indent="0">
+              <a:buNone/>
+            </a:pPr>
+            <a:r>
+              <a:rPr lang="en-US" sz="4600" dirty="0">
+                <a:solidFill>
+                  <a:srgbClr val="0000FF"/>
+                </a:solidFill>
+                <a:latin typeface="Consolas" panose="020B0609020204030204" pitchFamily="49" charset="0"/>
+              </a:rPr>
+              <a:t>import</a:t>
+            </a:r>
+            <a:r>
+              <a:rPr lang="en-US" sz="4600" dirty="0">
+                <a:solidFill>
+                  <a:srgbClr val="000000"/>
+                </a:solidFill>
+                <a:latin typeface="Consolas" panose="020B0609020204030204" pitchFamily="49" charset="0"/>
+              </a:rPr>
+              <a:t> { Gesture, </a:t>
             </a:r>
             <a:r>
               <a:rPr lang="en-US" sz="4600" dirty="0" err="1">
@@ -29317,28 +28695,28 @@
                 </a:solidFill>
                 <a:latin typeface="Consolas" panose="020B0609020204030204" pitchFamily="49" charset="0"/>
               </a:rPr>
-              <a:t>ElementRef</a:t>
-            </a:r>
-            <a:r>
-              <a:rPr lang="en-US" sz="4600" dirty="0" smtClean="0">
-                <a:solidFill>
-                  <a:srgbClr val="000000"/>
-                </a:solidFill>
-                <a:latin typeface="Consolas" panose="020B0609020204030204" pitchFamily="49" charset="0"/>
-              </a:rPr>
-              <a:t>, </a:t>
-            </a:r>
-            <a:r>
-              <a:rPr lang="en-US" sz="4600" dirty="0" err="1" smtClean="0">
-                <a:solidFill>
-                  <a:srgbClr val="000000"/>
-                </a:solidFill>
-                <a:latin typeface="Consolas" panose="020B0609020204030204" pitchFamily="49" charset="0"/>
-              </a:rPr>
-              <a:t>ViewChild</a:t>
-            </a:r>
-            <a:r>
-              <a:rPr lang="en-US" sz="4600" dirty="0" smtClean="0">
+              <a:t>GestureController</a:t>
+            </a:r>
+            <a:r>
+              <a:rPr lang="en-US" sz="4600" dirty="0">
+                <a:solidFill>
+                  <a:srgbClr val="000000"/>
+                </a:solidFill>
+                <a:latin typeface="Consolas" panose="020B0609020204030204" pitchFamily="49" charset="0"/>
+              </a:rPr>
+              <a:t> } </a:t>
+            </a:r>
+            <a:r>
+              <a:rPr lang="en-US" sz="4600" dirty="0">
+                <a:solidFill>
+                  <a:srgbClr val="0000FF"/>
+                </a:solidFill>
+                <a:latin typeface="Consolas" panose="020B0609020204030204" pitchFamily="49" charset="0"/>
+              </a:rPr>
+              <a:t>from</a:t>
+            </a:r>
+            <a:r>
+              <a:rPr lang="en-US" sz="4600" dirty="0">
                 <a:solidFill>
                   <a:srgbClr val="000000"/>
                 </a:solidFill>
@@ -29349,42 +28727,15 @@
             <a:r>
               <a:rPr lang="en-US" sz="4600" dirty="0">
                 <a:solidFill>
-                  <a:srgbClr val="000000"/>
-                </a:solidFill>
-                <a:latin typeface="Consolas" panose="020B0609020204030204" pitchFamily="49" charset="0"/>
-              </a:rPr>
-              <a:t>} </a:t>
+                  <a:srgbClr val="A31515"/>
+                </a:solidFill>
+                <a:latin typeface="Consolas" panose="020B0609020204030204" pitchFamily="49" charset="0"/>
+              </a:rPr>
+              <a:t>'@ionic/angular'</a:t>
             </a:r>
             <a:r>
               <a:rPr lang="en-US" sz="4600" dirty="0">
                 <a:solidFill>
-                  <a:srgbClr val="0000FF"/>
-                </a:solidFill>
-                <a:latin typeface="Consolas" panose="020B0609020204030204" pitchFamily="49" charset="0"/>
-              </a:rPr>
-              <a:t>from</a:t>
-            </a:r>
-            <a:r>
-              <a:rPr lang="en-US" sz="4600" dirty="0">
-                <a:solidFill>
-                  <a:srgbClr val="000000"/>
-                </a:solidFill>
-                <a:latin typeface="Consolas" panose="020B0609020204030204" pitchFamily="49" charset="0"/>
-              </a:rPr>
-              <a:t> </a:t>
-            </a:r>
-            <a:r>
-              <a:rPr lang="en-US" sz="4600" dirty="0">
-                <a:solidFill>
-                  <a:srgbClr val="A31515"/>
-                </a:solidFill>
-                <a:latin typeface="Consolas" panose="020B0609020204030204" pitchFamily="49" charset="0"/>
-              </a:rPr>
-              <a:t>'@angular/core'</a:t>
-            </a:r>
-            <a:r>
-              <a:rPr lang="en-US" sz="4600" dirty="0">
-                <a:solidFill>
                   <a:srgbClr val="000000"/>
                 </a:solidFill>
                 <a:latin typeface="Consolas" panose="020B0609020204030204" pitchFamily="49" charset="0"/>
@@ -29396,110 +28747,6 @@
             <a:pPr marL="114300" indent="0">
               <a:buNone/>
             </a:pPr>
-            <a:r>
-              <a:rPr lang="en-US" sz="4600" dirty="0">
-                <a:solidFill>
-                  <a:srgbClr val="0000FF"/>
-                </a:solidFill>
-                <a:latin typeface="Consolas" panose="020B0609020204030204" pitchFamily="49" charset="0"/>
-              </a:rPr>
-              <a:t>import</a:t>
-            </a:r>
-            <a:r>
-              <a:rPr lang="en-US" sz="4600" dirty="0">
-                <a:solidFill>
-                  <a:srgbClr val="000000"/>
-                </a:solidFill>
-                <a:latin typeface="Consolas" panose="020B0609020204030204" pitchFamily="49" charset="0"/>
-              </a:rPr>
-              <a:t> </a:t>
-            </a:r>
-            <a:r>
-              <a:rPr lang="en-US" sz="4600" dirty="0" smtClean="0">
-                <a:solidFill>
-                  <a:srgbClr val="000000"/>
-                </a:solidFill>
-                <a:latin typeface="Consolas" panose="020B0609020204030204" pitchFamily="49" charset="0"/>
-              </a:rPr>
-              <a:t>{ </a:t>
-            </a:r>
-            <a:r>
-              <a:rPr lang="en-US" sz="4600" dirty="0">
-                <a:solidFill>
-                  <a:srgbClr val="000000"/>
-                </a:solidFill>
-                <a:latin typeface="Consolas" panose="020B0609020204030204" pitchFamily="49" charset="0"/>
-              </a:rPr>
-              <a:t>Gesture, </a:t>
-            </a:r>
-            <a:r>
-              <a:rPr lang="en-US" sz="4600" dirty="0" err="1">
-                <a:solidFill>
-                  <a:srgbClr val="000000"/>
-                </a:solidFill>
-                <a:latin typeface="Consolas" panose="020B0609020204030204" pitchFamily="49" charset="0"/>
-              </a:rPr>
-              <a:t>GestureController</a:t>
-            </a:r>
-            <a:r>
-              <a:rPr lang="en-US" sz="4600" dirty="0">
-                <a:solidFill>
-                  <a:srgbClr val="000000"/>
-                </a:solidFill>
-                <a:latin typeface="Consolas" panose="020B0609020204030204" pitchFamily="49" charset="0"/>
-              </a:rPr>
-              <a:t> } </a:t>
-            </a:r>
-            <a:r>
-              <a:rPr lang="en-US" sz="4600" dirty="0">
-                <a:solidFill>
-                  <a:srgbClr val="0000FF"/>
-                </a:solidFill>
-                <a:latin typeface="Consolas" panose="020B0609020204030204" pitchFamily="49" charset="0"/>
-              </a:rPr>
-              <a:t>from</a:t>
-            </a:r>
-            <a:r>
-              <a:rPr lang="en-US" sz="4600" dirty="0">
-                <a:solidFill>
-                  <a:srgbClr val="000000"/>
-                </a:solidFill>
-                <a:latin typeface="Consolas" panose="020B0609020204030204" pitchFamily="49" charset="0"/>
-              </a:rPr>
-              <a:t> </a:t>
-            </a:r>
-            <a:r>
-              <a:rPr lang="en-US" sz="4600" dirty="0">
-                <a:solidFill>
-                  <a:srgbClr val="A31515"/>
-                </a:solidFill>
-                <a:latin typeface="Consolas" panose="020B0609020204030204" pitchFamily="49" charset="0"/>
-              </a:rPr>
-              <a:t>'@ionic/angular'</a:t>
-            </a:r>
-            <a:r>
-              <a:rPr lang="en-US" sz="4600" dirty="0">
-                <a:solidFill>
-                  <a:srgbClr val="000000"/>
-                </a:solidFill>
-                <a:latin typeface="Consolas" panose="020B0609020204030204" pitchFamily="49" charset="0"/>
-              </a:rPr>
-              <a:t>;</a:t>
-            </a:r>
-          </a:p>
-          <a:p>
-            <a:pPr marL="114300" indent="0">
-              <a:buNone/>
-            </a:pPr>
-            <a:r>
-              <a:rPr lang="en-US" sz="4600" dirty="0">
-                <a:solidFill>
-                  <a:srgbClr val="000000"/>
-                </a:solidFill>
-                <a:latin typeface="Consolas" panose="020B0609020204030204" pitchFamily="49" charset="0"/>
-              </a:rPr>
-              <a:t/>
-            </a:r>
             <a:br>
               <a:rPr lang="en-US" sz="4600" dirty="0">
                 <a:solidFill>
@@ -29509,7 +28756,7 @@
               </a:rPr>
             </a:br>
             <a:r>
-              <a:rPr lang="en-US" sz="4600" dirty="0" smtClean="0">
+              <a:rPr lang="en-US" sz="4600" dirty="0">
                 <a:solidFill>
                   <a:srgbClr val="0000FF"/>
                 </a:solidFill>
@@ -29518,7 +28765,7 @@
               <a:t>export</a:t>
             </a:r>
             <a:r>
-              <a:rPr lang="en-US" sz="4600" dirty="0" smtClean="0">
+              <a:rPr lang="en-US" sz="4600" dirty="0">
                 <a:solidFill>
                   <a:srgbClr val="000000"/>
                 </a:solidFill>
@@ -29689,15 +28936,6 @@
             <a:pPr marL="114300" indent="0">
               <a:buNone/>
             </a:pPr>
-            <a:r>
-              <a:rPr lang="en-US" sz="4600" dirty="0">
-                <a:solidFill>
-                  <a:srgbClr val="000000"/>
-                </a:solidFill>
-                <a:latin typeface="Consolas" panose="020B0609020204030204" pitchFamily="49" charset="0"/>
-              </a:rPr>
-              <a:t/>
-            </a:r>
             <a:br>
               <a:rPr lang="en-US" sz="4600" dirty="0">
                 <a:solidFill>
@@ -29874,15 +29112,6 @@
             <a:pPr marL="114300" indent="0">
               <a:buNone/>
             </a:pPr>
-            <a:r>
-              <a:rPr lang="en-US" sz="4600" dirty="0">
-                <a:solidFill>
-                  <a:srgbClr val="000000"/>
-                </a:solidFill>
-                <a:latin typeface="Consolas" panose="020B0609020204030204" pitchFamily="49" charset="0"/>
-              </a:rPr>
-              <a:t/>
-            </a:r>
             <a:br>
               <a:rPr lang="en-US" sz="4600" dirty="0">
                 <a:solidFill>
@@ -29978,15 +29207,6 @@
             <a:pPr marL="114300" indent="0">
               <a:buNone/>
             </a:pPr>
-            <a:r>
-              <a:rPr lang="en-US" sz="4600" dirty="0">
-                <a:solidFill>
-                  <a:srgbClr val="000000"/>
-                </a:solidFill>
-                <a:latin typeface="Consolas" panose="020B0609020204030204" pitchFamily="49" charset="0"/>
-              </a:rPr>
-              <a:t/>
-            </a:r>
             <a:br>
               <a:rPr lang="en-US" sz="4600" dirty="0">
                 <a:solidFill>
@@ -30002,10 +29222,265 @@
                 </a:solidFill>
                 <a:latin typeface="Consolas" panose="020B0609020204030204" pitchFamily="49" charset="0"/>
               </a:rPr>
-              <a:t> </a:t>
-            </a:r>
-            <a:r>
-              <a:rPr lang="en-US" sz="4600" dirty="0" smtClean="0">
+              <a:t>  </a:t>
+            </a:r>
+            <a:r>
+              <a:rPr lang="en-US" sz="4600" b="1" dirty="0" err="1">
+                <a:solidFill>
+                  <a:srgbClr val="000000"/>
+                </a:solidFill>
+                <a:latin typeface="Consolas" panose="020B0609020204030204" pitchFamily="49" charset="0"/>
+              </a:rPr>
+              <a:t>updateGestures</a:t>
+            </a:r>
+            <a:r>
+              <a:rPr lang="en-US" sz="4600" dirty="0">
+                <a:solidFill>
+                  <a:srgbClr val="000000"/>
+                </a:solidFill>
+                <a:latin typeface="Consolas" panose="020B0609020204030204" pitchFamily="49" charset="0"/>
+              </a:rPr>
+              <a:t>(){</a:t>
+            </a:r>
+          </a:p>
+          <a:p>
+            <a:pPr marL="114300" indent="0">
+              <a:buNone/>
+            </a:pPr>
+            <a:r>
+              <a:rPr lang="en-US" sz="4600" dirty="0">
+                <a:solidFill>
+                  <a:srgbClr val="000000"/>
+                </a:solidFill>
+                <a:latin typeface="Consolas" panose="020B0609020204030204" pitchFamily="49" charset="0"/>
+              </a:rPr>
+              <a:t>   </a:t>
+            </a:r>
+          </a:p>
+          <a:p>
+            <a:pPr marL="114300" indent="0">
+              <a:buNone/>
+            </a:pPr>
+            <a:r>
+              <a:rPr lang="en-US" sz="4600" dirty="0">
+                <a:solidFill>
+                  <a:srgbClr val="000000"/>
+                </a:solidFill>
+                <a:latin typeface="Consolas" panose="020B0609020204030204" pitchFamily="49" charset="0"/>
+              </a:rPr>
+              <a:t>    </a:t>
+            </a:r>
+            <a:r>
+              <a:rPr lang="en-US" sz="4600" dirty="0" err="1">
+                <a:solidFill>
+                  <a:srgbClr val="0000FF"/>
+                </a:solidFill>
+                <a:latin typeface="Consolas" panose="020B0609020204030204" pitchFamily="49" charset="0"/>
+              </a:rPr>
+              <a:t>const</a:t>
+            </a:r>
+            <a:r>
+              <a:rPr lang="en-US" sz="4600" dirty="0">
+                <a:solidFill>
+                  <a:srgbClr val="000000"/>
+                </a:solidFill>
+                <a:latin typeface="Consolas" panose="020B0609020204030204" pitchFamily="49" charset="0"/>
+              </a:rPr>
+              <a:t> drag = </a:t>
+            </a:r>
+            <a:r>
+              <a:rPr lang="en-US" sz="4600" dirty="0" err="1">
+                <a:solidFill>
+                  <a:srgbClr val="0000FF"/>
+                </a:solidFill>
+                <a:latin typeface="Consolas" panose="020B0609020204030204" pitchFamily="49" charset="0"/>
+              </a:rPr>
+              <a:t>this</a:t>
+            </a:r>
+            <a:r>
+              <a:rPr lang="en-US" sz="4600" dirty="0" err="1">
+                <a:solidFill>
+                  <a:srgbClr val="000000"/>
+                </a:solidFill>
+                <a:latin typeface="Consolas" panose="020B0609020204030204" pitchFamily="49" charset="0"/>
+              </a:rPr>
+              <a:t>.gestureCtrl.create</a:t>
+            </a:r>
+            <a:r>
+              <a:rPr lang="en-US" sz="4600" dirty="0">
+                <a:solidFill>
+                  <a:srgbClr val="000000"/>
+                </a:solidFill>
+                <a:latin typeface="Consolas" panose="020B0609020204030204" pitchFamily="49" charset="0"/>
+              </a:rPr>
+              <a:t>({</a:t>
+            </a:r>
+          </a:p>
+          <a:p>
+            <a:pPr marL="114300" indent="0">
+              <a:buNone/>
+            </a:pPr>
+            <a:r>
+              <a:rPr lang="en-US" sz="4600" dirty="0">
+                <a:solidFill>
+                  <a:srgbClr val="000000"/>
+                </a:solidFill>
+                <a:latin typeface="Consolas" panose="020B0609020204030204" pitchFamily="49" charset="0"/>
+              </a:rPr>
+              <a:t>       el: </a:t>
+            </a:r>
+            <a:r>
+              <a:rPr lang="en-US" sz="4600" dirty="0" err="1">
+                <a:solidFill>
+                  <a:srgbClr val="0000FF"/>
+                </a:solidFill>
+                <a:latin typeface="Consolas" panose="020B0609020204030204" pitchFamily="49" charset="0"/>
+              </a:rPr>
+              <a:t>this</a:t>
+            </a:r>
+            <a:r>
+              <a:rPr lang="en-US" sz="4600" dirty="0" err="1">
+                <a:solidFill>
+                  <a:srgbClr val="000000"/>
+                </a:solidFill>
+                <a:latin typeface="Consolas" panose="020B0609020204030204" pitchFamily="49" charset="0"/>
+              </a:rPr>
+              <a:t>.rect.nativeElement</a:t>
+            </a:r>
+            <a:r>
+              <a:rPr lang="en-US" sz="4600" dirty="0">
+                <a:solidFill>
+                  <a:srgbClr val="000000"/>
+                </a:solidFill>
+                <a:latin typeface="Consolas" panose="020B0609020204030204" pitchFamily="49" charset="0"/>
+              </a:rPr>
+              <a:t>,</a:t>
+            </a:r>
+          </a:p>
+          <a:p>
+            <a:pPr marL="114300" indent="0">
+              <a:buNone/>
+            </a:pPr>
+            <a:r>
+              <a:rPr lang="en-US" sz="4600" dirty="0">
+                <a:solidFill>
+                  <a:srgbClr val="000000"/>
+                </a:solidFill>
+                <a:latin typeface="Consolas" panose="020B0609020204030204" pitchFamily="49" charset="0"/>
+              </a:rPr>
+              <a:t>       threshold: </a:t>
+            </a:r>
+            <a:r>
+              <a:rPr lang="en-US" sz="4600" dirty="0">
+                <a:solidFill>
+                  <a:srgbClr val="098658"/>
+                </a:solidFill>
+                <a:latin typeface="Consolas" panose="020B0609020204030204" pitchFamily="49" charset="0"/>
+              </a:rPr>
+              <a:t>1</a:t>
+            </a:r>
+            <a:r>
+              <a:rPr lang="en-US" sz="4600" dirty="0">
+                <a:solidFill>
+                  <a:srgbClr val="000000"/>
+                </a:solidFill>
+                <a:latin typeface="Consolas" panose="020B0609020204030204" pitchFamily="49" charset="0"/>
+              </a:rPr>
+              <a:t>,</a:t>
+            </a:r>
+          </a:p>
+          <a:p>
+            <a:pPr marL="114300" indent="0">
+              <a:buNone/>
+            </a:pPr>
+            <a:r>
+              <a:rPr lang="en-US" sz="4600" dirty="0">
+                <a:solidFill>
+                  <a:srgbClr val="000000"/>
+                </a:solidFill>
+                <a:latin typeface="Consolas" panose="020B0609020204030204" pitchFamily="49" charset="0"/>
+              </a:rPr>
+              <a:t>       </a:t>
+            </a:r>
+            <a:r>
+              <a:rPr lang="en-US" sz="4600" dirty="0" err="1">
+                <a:solidFill>
+                  <a:srgbClr val="000000"/>
+                </a:solidFill>
+                <a:latin typeface="Consolas" panose="020B0609020204030204" pitchFamily="49" charset="0"/>
+              </a:rPr>
+              <a:t>gestureName</a:t>
+            </a:r>
+            <a:r>
+              <a:rPr lang="en-US" sz="4600" dirty="0">
+                <a:solidFill>
+                  <a:srgbClr val="000000"/>
+                </a:solidFill>
+                <a:latin typeface="Consolas" panose="020B0609020204030204" pitchFamily="49" charset="0"/>
+              </a:rPr>
+              <a:t>: </a:t>
+            </a:r>
+            <a:r>
+              <a:rPr lang="en-US" sz="4600" dirty="0">
+                <a:solidFill>
+                  <a:srgbClr val="A31515"/>
+                </a:solidFill>
+                <a:latin typeface="Consolas" panose="020B0609020204030204" pitchFamily="49" charset="0"/>
+              </a:rPr>
+              <a:t>'drag'</a:t>
+            </a:r>
+            <a:r>
+              <a:rPr lang="en-US" sz="4600" dirty="0">
+                <a:solidFill>
+                  <a:srgbClr val="000000"/>
+                </a:solidFill>
+                <a:latin typeface="Consolas" panose="020B0609020204030204" pitchFamily="49" charset="0"/>
+              </a:rPr>
+              <a:t>,</a:t>
+            </a:r>
+          </a:p>
+          <a:p>
+            <a:pPr marL="114300" indent="0">
+              <a:buNone/>
+            </a:pPr>
+            <a:r>
+              <a:rPr lang="en-US" sz="4600" dirty="0">
+                <a:solidFill>
+                  <a:srgbClr val="000000"/>
+                </a:solidFill>
+                <a:latin typeface="Consolas" panose="020B0609020204030204" pitchFamily="49" charset="0"/>
+              </a:rPr>
+              <a:t>       </a:t>
+            </a:r>
+            <a:r>
+              <a:rPr lang="en-US" sz="4600" dirty="0" err="1">
+                <a:solidFill>
+                  <a:srgbClr val="000000"/>
+                </a:solidFill>
+                <a:latin typeface="Consolas" panose="020B0609020204030204" pitchFamily="49" charset="0"/>
+              </a:rPr>
+              <a:t>onMove</a:t>
+            </a:r>
+            <a:r>
+              <a:rPr lang="en-US" sz="4600" dirty="0">
+                <a:solidFill>
+                  <a:srgbClr val="000000"/>
+                </a:solidFill>
+                <a:latin typeface="Consolas" panose="020B0609020204030204" pitchFamily="49" charset="0"/>
+              </a:rPr>
+              <a:t>: </a:t>
+            </a:r>
+            <a:r>
+              <a:rPr lang="en-US" sz="4600" dirty="0" err="1">
+                <a:solidFill>
+                  <a:srgbClr val="000000"/>
+                </a:solidFill>
+                <a:latin typeface="Consolas" panose="020B0609020204030204" pitchFamily="49" charset="0"/>
+              </a:rPr>
+              <a:t>ev</a:t>
+            </a:r>
+            <a:r>
+              <a:rPr lang="en-US" sz="4600" dirty="0">
                 <a:solidFill>
                   <a:srgbClr val="000000"/>
                 </a:solidFill>
@@ -30014,28 +29489,14 @@
               <a:t> </a:t>
             </a:r>
             <a:r>
-              <a:rPr lang="en-US" sz="4600" b="1" dirty="0" err="1">
-                <a:solidFill>
-                  <a:srgbClr val="000000"/>
-                </a:solidFill>
-                <a:latin typeface="Consolas" panose="020B0609020204030204" pitchFamily="49" charset="0"/>
-              </a:rPr>
-              <a:t>updateGestures</a:t>
-            </a:r>
-            <a:r>
               <a:rPr lang="en-US" sz="4600" dirty="0">
                 <a:solidFill>
-                  <a:srgbClr val="000000"/>
-                </a:solidFill>
-                <a:latin typeface="Consolas" panose="020B0609020204030204" pitchFamily="49" charset="0"/>
-              </a:rPr>
-              <a:t>(){</a:t>
-            </a:r>
-          </a:p>
-          <a:p>
-            <a:pPr marL="114300" indent="0">
-              <a:buNone/>
-            </a:pPr>
+                  <a:srgbClr val="0000FF"/>
+                </a:solidFill>
+                <a:latin typeface="Consolas" panose="020B0609020204030204" pitchFamily="49" charset="0"/>
+              </a:rPr>
+              <a:t>=&gt;</a:t>
+            </a:r>
             <a:r>
               <a:rPr lang="en-US" sz="4600" dirty="0">
                 <a:solidFill>
@@ -30043,7 +29504,7 @@
                 </a:solidFill>
                 <a:latin typeface="Consolas" panose="020B0609020204030204" pitchFamily="49" charset="0"/>
               </a:rPr>
-              <a:t>   </a:t>
+              <a:t> {</a:t>
             </a:r>
           </a:p>
           <a:p>
@@ -30057,7 +29518,7 @@
                 </a:solidFill>
                 <a:latin typeface="Consolas" panose="020B0609020204030204" pitchFamily="49" charset="0"/>
               </a:rPr>
-              <a:t>    </a:t>
+              <a:t>          </a:t>
             </a:r>
             <a:r>
               <a:rPr lang="en-US" sz="4600" dirty="0" err="1">
@@ -30066,7 +29527,16 @@
                 </a:solidFill>
                 <a:latin typeface="Consolas" panose="020B0609020204030204" pitchFamily="49" charset="0"/>
               </a:rPr>
-              <a:t>const</a:t>
+              <a:t>this</a:t>
+            </a:r>
+            <a:r>
+              <a:rPr lang="en-US" sz="4600" dirty="0" err="1">
+                <a:solidFill>
+                  <a:srgbClr val="000000"/>
+                </a:solidFill>
+                <a:latin typeface="Consolas" panose="020B0609020204030204" pitchFamily="49" charset="0"/>
+              </a:rPr>
+              <a:t>.type</a:t>
             </a:r>
             <a:r>
               <a:rPr lang="en-US" sz="4600" dirty="0">
@@ -30075,11 +29545,43 @@
                 </a:solidFill>
                 <a:latin typeface="Consolas" panose="020B0609020204030204" pitchFamily="49" charset="0"/>
               </a:rPr>
-              <a:t> drag = </a:t>
+              <a:t> = </a:t>
             </a:r>
             <a:r>
               <a:rPr lang="en-US" sz="4600" dirty="0" err="1">
                 <a:solidFill>
+                  <a:srgbClr val="000000"/>
+                </a:solidFill>
+                <a:latin typeface="Consolas" panose="020B0609020204030204" pitchFamily="49" charset="0"/>
+              </a:rPr>
+              <a:t>ev.type</a:t>
+            </a:r>
+            <a:r>
+              <a:rPr lang="en-US" sz="4600" dirty="0">
+                <a:solidFill>
+                  <a:srgbClr val="000000"/>
+                </a:solidFill>
+                <a:latin typeface="Consolas" panose="020B0609020204030204" pitchFamily="49" charset="0"/>
+              </a:rPr>
+              <a:t>;</a:t>
+            </a:r>
+          </a:p>
+          <a:p>
+            <a:pPr marL="114300" indent="0">
+              <a:buNone/>
+            </a:pPr>
+            <a:r>
+              <a:rPr lang="en-US" sz="4600" dirty="0">
+                <a:solidFill>
+                  <a:srgbClr val="000000"/>
+                </a:solidFill>
+                <a:latin typeface="Consolas" panose="020B0609020204030204" pitchFamily="49" charset="0"/>
+              </a:rPr>
+              <a:t>          </a:t>
+            </a:r>
+            <a:r>
+              <a:rPr lang="en-US" sz="4600" dirty="0" err="1">
+                <a:solidFill>
                   <a:srgbClr val="0000FF"/>
                 </a:solidFill>
                 <a:latin typeface="Consolas" panose="020B0609020204030204" pitchFamily="49" charset="0"/>
@@ -30093,7 +29595,7 @@
                 </a:solidFill>
                 <a:latin typeface="Consolas" panose="020B0609020204030204" pitchFamily="49" charset="0"/>
               </a:rPr>
-              <a:t>.gestureCtrl.create</a:t>
+              <a:t>.currentX</a:t>
             </a:r>
             <a:r>
               <a:rPr lang="en-US" sz="4600" dirty="0">
@@ -30102,13 +29604,17 @@
                 </a:solidFill>
                 <a:latin typeface="Consolas" panose="020B0609020204030204" pitchFamily="49" charset="0"/>
               </a:rPr>
-              <a:t>({</a:t>
-            </a:r>
-          </a:p>
-          <a:p>
-            <a:pPr marL="114300" indent="0">
-              <a:buNone/>
-            </a:pPr>
+              <a:t> = </a:t>
+            </a:r>
+            <a:r>
+              <a:rPr lang="en-US" sz="4600" dirty="0" err="1">
+                <a:solidFill>
+                  <a:srgbClr val="000000"/>
+                </a:solidFill>
+                <a:latin typeface="Consolas" panose="020B0609020204030204" pitchFamily="49" charset="0"/>
+              </a:rPr>
+              <a:t>ev.currentX</a:t>
+            </a:r>
             <a:r>
               <a:rPr lang="en-US" sz="4600" dirty="0">
                 <a:solidFill>
@@ -30116,7 +29622,21 @@
                 </a:solidFill>
                 <a:latin typeface="Consolas" panose="020B0609020204030204" pitchFamily="49" charset="0"/>
               </a:rPr>
-              <a:t>       el: </a:t>
+              <a:t>;</a:t>
+            </a:r>
+          </a:p>
+          <a:p>
+            <a:pPr marL="114300" indent="0">
+              <a:buNone/>
+            </a:pPr>
+            <a:r>
+              <a:rPr lang="en-US" sz="4600" dirty="0">
+                <a:solidFill>
+                  <a:srgbClr val="000000"/>
+                </a:solidFill>
+                <a:latin typeface="Consolas" panose="020B0609020204030204" pitchFamily="49" charset="0"/>
+              </a:rPr>
+              <a:t>          console.log(</a:t>
             </a:r>
             <a:r>
               <a:rPr lang="en-US" sz="4600" dirty="0" err="1">
@@ -30134,7 +29654,7 @@
                 </a:solidFill>
                 <a:latin typeface="Consolas" panose="020B0609020204030204" pitchFamily="49" charset="0"/>
               </a:rPr>
-              <a:t>.rect.nativeElement</a:t>
+              <a:t>.currentX</a:t>
             </a:r>
             <a:r>
               <a:rPr lang="en-US" sz="4600" dirty="0">
@@ -30143,7 +29663,7 @@
                 </a:solidFill>
                 <a:latin typeface="Consolas" panose="020B0609020204030204" pitchFamily="49" charset="0"/>
               </a:rPr>
-              <a:t>,</a:t>
+              <a:t>);</a:t>
             </a:r>
           </a:p>
           <a:p>
@@ -30157,17 +29677,27 @@
                 </a:solidFill>
                 <a:latin typeface="Consolas" panose="020B0609020204030204" pitchFamily="49" charset="0"/>
               </a:rPr>
-              <a:t>       threshold: </a:t>
-            </a:r>
+              <a:t>        }</a:t>
+            </a:r>
+          </a:p>
+          <a:p>
+            <a:pPr marL="114300" indent="0">
+              <a:buNone/>
+            </a:pPr>
             <a:r>
               <a:rPr lang="en-US" sz="4600" dirty="0">
                 <a:solidFill>
-                  <a:srgbClr val="098658"/>
-                </a:solidFill>
-                <a:latin typeface="Consolas" panose="020B0609020204030204" pitchFamily="49" charset="0"/>
-              </a:rPr>
-              <a:t>1</a:t>
-            </a:r>
+                  <a:srgbClr val="000000"/>
+                </a:solidFill>
+                <a:latin typeface="Consolas" panose="020B0609020204030204" pitchFamily="49" charset="0"/>
+              </a:rPr>
+              <a:t>       });</a:t>
+            </a:r>
+          </a:p>
+          <a:p>
+            <a:pPr marL="114300" indent="0">
+              <a:buNone/>
+            </a:pPr>
             <a:r>
               <a:rPr lang="en-US" sz="4600" dirty="0">
                 <a:solidFill>
@@ -30175,13 +29705,17 @@
                 </a:solidFill>
                 <a:latin typeface="Consolas" panose="020B0609020204030204" pitchFamily="49" charset="0"/>
               </a:rPr>
-              <a:t>,</a:t>
-            </a:r>
-          </a:p>
-          <a:p>
-            <a:pPr marL="114300" indent="0">
-              <a:buNone/>
-            </a:pPr>
+              <a:t>     </a:t>
+            </a:r>
+            <a:r>
+              <a:rPr lang="en-US" sz="4600" dirty="0" err="1">
+                <a:solidFill>
+                  <a:srgbClr val="000000"/>
+                </a:solidFill>
+                <a:latin typeface="Consolas" panose="020B0609020204030204" pitchFamily="49" charset="0"/>
+              </a:rPr>
+              <a:t>drag.enable</a:t>
+            </a:r>
             <a:r>
               <a:rPr lang="en-US" sz="4600" dirty="0">
                 <a:solidFill>
@@ -30189,17 +29723,13 @@
                 </a:solidFill>
                 <a:latin typeface="Consolas" panose="020B0609020204030204" pitchFamily="49" charset="0"/>
               </a:rPr>
-              <a:t>       </a:t>
-            </a:r>
-            <a:r>
-              <a:rPr lang="en-US" sz="4600" dirty="0" err="1">
-                <a:solidFill>
-                  <a:srgbClr val="000000"/>
-                </a:solidFill>
-                <a:latin typeface="Consolas" panose="020B0609020204030204" pitchFamily="49" charset="0"/>
-              </a:rPr>
-              <a:t>gestureName</a:t>
-            </a:r>
+              <a:t>();</a:t>
+            </a:r>
+          </a:p>
+          <a:p>
+            <a:pPr marL="114300" indent="0">
+              <a:buNone/>
+            </a:pPr>
             <a:r>
               <a:rPr lang="en-US" sz="4600" dirty="0">
                 <a:solidFill>
@@ -30207,350 +29737,7 @@
                 </a:solidFill>
                 <a:latin typeface="Consolas" panose="020B0609020204030204" pitchFamily="49" charset="0"/>
               </a:rPr>
-              <a:t>: </a:t>
-            </a:r>
-            <a:r>
-              <a:rPr lang="en-US" sz="4600" dirty="0">
-                <a:solidFill>
-                  <a:srgbClr val="A31515"/>
-                </a:solidFill>
-                <a:latin typeface="Consolas" panose="020B0609020204030204" pitchFamily="49" charset="0"/>
-              </a:rPr>
-              <a:t>'drag'</a:t>
-            </a:r>
-            <a:r>
-              <a:rPr lang="en-US" sz="4600" dirty="0">
-                <a:solidFill>
-                  <a:srgbClr val="000000"/>
-                </a:solidFill>
-                <a:latin typeface="Consolas" panose="020B0609020204030204" pitchFamily="49" charset="0"/>
-              </a:rPr>
-              <a:t>,</a:t>
-            </a:r>
-          </a:p>
-          <a:p>
-            <a:pPr marL="114300" indent="0">
-              <a:buNone/>
-            </a:pPr>
-            <a:r>
-              <a:rPr lang="en-US" sz="4600" dirty="0">
-                <a:solidFill>
-                  <a:srgbClr val="000000"/>
-                </a:solidFill>
-                <a:latin typeface="Consolas" panose="020B0609020204030204" pitchFamily="49" charset="0"/>
-              </a:rPr>
-              <a:t>       </a:t>
-            </a:r>
-            <a:r>
-              <a:rPr lang="en-US" sz="4600" dirty="0" err="1">
-                <a:solidFill>
-                  <a:srgbClr val="000000"/>
-                </a:solidFill>
-                <a:latin typeface="Consolas" panose="020B0609020204030204" pitchFamily="49" charset="0"/>
-              </a:rPr>
-              <a:t>onMove</a:t>
-            </a:r>
-            <a:r>
-              <a:rPr lang="en-US" sz="4600" dirty="0">
-                <a:solidFill>
-                  <a:srgbClr val="000000"/>
-                </a:solidFill>
-                <a:latin typeface="Consolas" panose="020B0609020204030204" pitchFamily="49" charset="0"/>
-              </a:rPr>
-              <a:t>: </a:t>
-            </a:r>
-            <a:r>
-              <a:rPr lang="en-US" sz="4600" dirty="0" err="1">
-                <a:solidFill>
-                  <a:srgbClr val="000000"/>
-                </a:solidFill>
-                <a:latin typeface="Consolas" panose="020B0609020204030204" pitchFamily="49" charset="0"/>
-              </a:rPr>
-              <a:t>ev</a:t>
-            </a:r>
-            <a:r>
-              <a:rPr lang="en-US" sz="4600" dirty="0">
-                <a:solidFill>
-                  <a:srgbClr val="000000"/>
-                </a:solidFill>
-                <a:latin typeface="Consolas" panose="020B0609020204030204" pitchFamily="49" charset="0"/>
-              </a:rPr>
-              <a:t> </a:t>
-            </a:r>
-            <a:r>
-              <a:rPr lang="en-US" sz="4600" dirty="0">
-                <a:solidFill>
-                  <a:srgbClr val="0000FF"/>
-                </a:solidFill>
-                <a:latin typeface="Consolas" panose="020B0609020204030204" pitchFamily="49" charset="0"/>
-              </a:rPr>
-              <a:t>=&gt;</a:t>
-            </a:r>
-            <a:r>
-              <a:rPr lang="en-US" sz="4600" dirty="0">
-                <a:solidFill>
-                  <a:srgbClr val="000000"/>
-                </a:solidFill>
-                <a:latin typeface="Consolas" panose="020B0609020204030204" pitchFamily="49" charset="0"/>
-              </a:rPr>
-              <a:t> {</a:t>
-            </a:r>
-          </a:p>
-          <a:p>
-            <a:pPr marL="114300" indent="0">
-              <a:buNone/>
-            </a:pPr>
-            <a:r>
-              <a:rPr lang="en-US" sz="4600" dirty="0">
-                <a:solidFill>
-                  <a:srgbClr val="000000"/>
-                </a:solidFill>
-                <a:latin typeface="Consolas" panose="020B0609020204030204" pitchFamily="49" charset="0"/>
-              </a:rPr>
-              <a:t>          </a:t>
-            </a:r>
-            <a:r>
-              <a:rPr lang="en-US" sz="4600" dirty="0" err="1">
-                <a:solidFill>
-                  <a:srgbClr val="0000FF"/>
-                </a:solidFill>
-                <a:latin typeface="Consolas" panose="020B0609020204030204" pitchFamily="49" charset="0"/>
-              </a:rPr>
-              <a:t>this</a:t>
-            </a:r>
-            <a:r>
-              <a:rPr lang="en-US" sz="4600" dirty="0" err="1">
-                <a:solidFill>
-                  <a:srgbClr val="000000"/>
-                </a:solidFill>
-                <a:latin typeface="Consolas" panose="020B0609020204030204" pitchFamily="49" charset="0"/>
-              </a:rPr>
-              <a:t>.type</a:t>
-            </a:r>
-            <a:r>
-              <a:rPr lang="en-US" sz="4600" dirty="0">
-                <a:solidFill>
-                  <a:srgbClr val="000000"/>
-                </a:solidFill>
-                <a:latin typeface="Consolas" panose="020B0609020204030204" pitchFamily="49" charset="0"/>
-              </a:rPr>
-              <a:t> = </a:t>
-            </a:r>
-            <a:r>
-              <a:rPr lang="en-US" sz="4600" dirty="0" err="1">
-                <a:solidFill>
-                  <a:srgbClr val="000000"/>
-                </a:solidFill>
-                <a:latin typeface="Consolas" panose="020B0609020204030204" pitchFamily="49" charset="0"/>
-              </a:rPr>
-              <a:t>ev.type</a:t>
-            </a:r>
-            <a:r>
-              <a:rPr lang="en-US" sz="4600" dirty="0">
-                <a:solidFill>
-                  <a:srgbClr val="000000"/>
-                </a:solidFill>
-                <a:latin typeface="Consolas" panose="020B0609020204030204" pitchFamily="49" charset="0"/>
-              </a:rPr>
-              <a:t>;</a:t>
-            </a:r>
-          </a:p>
-          <a:p>
-            <a:pPr marL="114300" indent="0">
-              <a:buNone/>
-            </a:pPr>
-            <a:r>
-              <a:rPr lang="en-US" sz="4600" dirty="0">
-                <a:solidFill>
-                  <a:srgbClr val="000000"/>
-                </a:solidFill>
-                <a:latin typeface="Consolas" panose="020B0609020204030204" pitchFamily="49" charset="0"/>
-              </a:rPr>
-              <a:t>          </a:t>
-            </a:r>
-            <a:r>
-              <a:rPr lang="en-US" sz="4600" dirty="0" err="1">
-                <a:solidFill>
-                  <a:srgbClr val="0000FF"/>
-                </a:solidFill>
-                <a:latin typeface="Consolas" panose="020B0609020204030204" pitchFamily="49" charset="0"/>
-              </a:rPr>
-              <a:t>this</a:t>
-            </a:r>
-            <a:r>
-              <a:rPr lang="en-US" sz="4600" dirty="0" err="1">
-                <a:solidFill>
-                  <a:srgbClr val="000000"/>
-                </a:solidFill>
-                <a:latin typeface="Consolas" panose="020B0609020204030204" pitchFamily="49" charset="0"/>
-              </a:rPr>
-              <a:t>.currentX</a:t>
-            </a:r>
-            <a:r>
-              <a:rPr lang="en-US" sz="4600" dirty="0">
-                <a:solidFill>
-                  <a:srgbClr val="000000"/>
-                </a:solidFill>
-                <a:latin typeface="Consolas" panose="020B0609020204030204" pitchFamily="49" charset="0"/>
-              </a:rPr>
-              <a:t> = </a:t>
-            </a:r>
-            <a:r>
-              <a:rPr lang="en-US" sz="4600" dirty="0" err="1">
-                <a:solidFill>
-                  <a:srgbClr val="000000"/>
-                </a:solidFill>
-                <a:latin typeface="Consolas" panose="020B0609020204030204" pitchFamily="49" charset="0"/>
-              </a:rPr>
-              <a:t>ev.currentX</a:t>
-            </a:r>
-            <a:r>
-              <a:rPr lang="en-US" sz="4600" dirty="0">
-                <a:solidFill>
-                  <a:srgbClr val="000000"/>
-                </a:solidFill>
-                <a:latin typeface="Consolas" panose="020B0609020204030204" pitchFamily="49" charset="0"/>
-              </a:rPr>
-              <a:t>;</a:t>
-            </a:r>
-          </a:p>
-          <a:p>
-            <a:pPr marL="114300" indent="0">
-              <a:buNone/>
-            </a:pPr>
-            <a:r>
-              <a:rPr lang="en-US" sz="4600" dirty="0">
-                <a:solidFill>
-                  <a:srgbClr val="000000"/>
-                </a:solidFill>
-                <a:latin typeface="Consolas" panose="020B0609020204030204" pitchFamily="49" charset="0"/>
-              </a:rPr>
-              <a:t>          console.log(</a:t>
-            </a:r>
-            <a:r>
-              <a:rPr lang="en-US" sz="4600" dirty="0" err="1">
-                <a:solidFill>
-                  <a:srgbClr val="0000FF"/>
-                </a:solidFill>
-                <a:latin typeface="Consolas" panose="020B0609020204030204" pitchFamily="49" charset="0"/>
-              </a:rPr>
-              <a:t>this</a:t>
-            </a:r>
-            <a:r>
-              <a:rPr lang="en-US" sz="4600" dirty="0" err="1">
-                <a:solidFill>
-                  <a:srgbClr val="000000"/>
-                </a:solidFill>
-                <a:latin typeface="Consolas" panose="020B0609020204030204" pitchFamily="49" charset="0"/>
-              </a:rPr>
-              <a:t>.currentX</a:t>
-            </a:r>
-            <a:r>
-              <a:rPr lang="en-US" sz="4600" dirty="0">
-                <a:solidFill>
-                  <a:srgbClr val="000000"/>
-                </a:solidFill>
-                <a:latin typeface="Consolas" panose="020B0609020204030204" pitchFamily="49" charset="0"/>
-              </a:rPr>
-              <a:t>);</a:t>
-            </a:r>
-          </a:p>
-          <a:p>
-            <a:pPr marL="114300" indent="0">
-              <a:buNone/>
-            </a:pPr>
-            <a:r>
-              <a:rPr lang="en-US" sz="4600" dirty="0">
-                <a:solidFill>
-                  <a:srgbClr val="000000"/>
-                </a:solidFill>
-                <a:latin typeface="Consolas" panose="020B0609020204030204" pitchFamily="49" charset="0"/>
-              </a:rPr>
-              <a:t>        }</a:t>
-            </a:r>
-          </a:p>
-          <a:p>
-            <a:pPr marL="114300" indent="0">
-              <a:buNone/>
-            </a:pPr>
-            <a:r>
-              <a:rPr lang="en-US" sz="4600" dirty="0">
-                <a:solidFill>
-                  <a:srgbClr val="000000"/>
-                </a:solidFill>
-                <a:latin typeface="Consolas" panose="020B0609020204030204" pitchFamily="49" charset="0"/>
-              </a:rPr>
-              <a:t>       });</a:t>
-            </a:r>
-          </a:p>
-          <a:p>
-            <a:pPr marL="114300" indent="0">
-              <a:buNone/>
-            </a:pPr>
-            <a:r>
-              <a:rPr lang="en-US" sz="4600" dirty="0">
-                <a:solidFill>
-                  <a:srgbClr val="000000"/>
-                </a:solidFill>
-                <a:latin typeface="Consolas" panose="020B0609020204030204" pitchFamily="49" charset="0"/>
-              </a:rPr>
-              <a:t>     </a:t>
-            </a:r>
-            <a:r>
-              <a:rPr lang="en-US" sz="4600" dirty="0" err="1">
-                <a:solidFill>
-                  <a:srgbClr val="000000"/>
-                </a:solidFill>
-                <a:latin typeface="Consolas" panose="020B0609020204030204" pitchFamily="49" charset="0"/>
-              </a:rPr>
-              <a:t>drag.enable</a:t>
-            </a:r>
-            <a:r>
-              <a:rPr lang="en-US" sz="4600" dirty="0" smtClean="0">
-                <a:solidFill>
-                  <a:srgbClr val="000000"/>
-                </a:solidFill>
-                <a:latin typeface="Consolas" panose="020B0609020204030204" pitchFamily="49" charset="0"/>
-              </a:rPr>
-              <a:t>();</a:t>
-            </a:r>
-            <a:endParaRPr lang="en-US" sz="4600" dirty="0">
-              <a:solidFill>
-                <a:srgbClr val="000000"/>
-              </a:solidFill>
-              <a:latin typeface="Consolas" panose="020B0609020204030204" pitchFamily="49" charset="0"/>
-            </a:endParaRPr>
-          </a:p>
-          <a:p>
-            <a:pPr marL="114300" indent="0">
-              <a:buNone/>
-            </a:pPr>
-            <a:r>
-              <a:rPr lang="en-US" sz="4600" dirty="0">
-                <a:solidFill>
-                  <a:srgbClr val="000000"/>
-                </a:solidFill>
-                <a:latin typeface="Consolas" panose="020B0609020204030204" pitchFamily="49" charset="0"/>
-              </a:rPr>
-              <a:t> </a:t>
-            </a:r>
-            <a:r>
-              <a:rPr lang="en-US" sz="4600" dirty="0" smtClean="0">
-                <a:solidFill>
-                  <a:srgbClr val="000000"/>
-                </a:solidFill>
-                <a:latin typeface="Consolas" panose="020B0609020204030204" pitchFamily="49" charset="0"/>
-              </a:rPr>
-              <a:t>}</a:t>
-            </a:r>
-            <a:r>
-              <a:rPr lang="en-US" dirty="0">
-                <a:solidFill>
-                  <a:srgbClr val="000000"/>
-                </a:solidFill>
-                <a:latin typeface="Consolas" panose="020B0609020204030204" pitchFamily="49" charset="0"/>
-              </a:rPr>
-              <a:t/>
+              <a:t> }</a:t>
             </a:r>
             <a:br>
               <a:rPr lang="en-US" dirty="0">
@@ -30618,10 +29805,9 @@
           <a:lstStyle/>
           <a:p>
             <a:r>
-              <a:rPr lang="en-US" dirty="0" smtClean="0"/>
+              <a:rPr lang="en-US" dirty="0"/>
               <a:t>Note</a:t>
             </a:r>
-            <a:endParaRPr lang="en-US" dirty="0"/>
           </a:p>
         </p:txBody>
       </p:sp>
@@ -30641,11 +29827,11 @@
           <a:lstStyle/>
           <a:p>
             <a:r>
-              <a:rPr lang="en-US" dirty="0" smtClean="0"/>
+              <a:rPr lang="en-US" dirty="0"/>
               <a:t>Gesture create has to run after </a:t>
             </a:r>
             <a:r>
-              <a:rPr lang="en-US" sz="2400" dirty="0" err="1" smtClean="0">
+              <a:rPr lang="en-US" sz="2400" dirty="0" err="1">
                 <a:solidFill>
                   <a:srgbClr val="000000"/>
                 </a:solidFill>
@@ -30654,7 +29840,7 @@
               <a:t>AfterViewInit</a:t>
             </a:r>
             <a:r>
-              <a:rPr lang="en-US" sz="2400" dirty="0" smtClean="0">
+              <a:rPr lang="en-US" sz="2400" dirty="0">
                 <a:solidFill>
                   <a:srgbClr val="000000"/>
                 </a:solidFill>
@@ -30718,10 +29904,9 @@
           <a:lstStyle/>
           <a:p>
             <a:r>
-              <a:rPr lang="en-US" dirty="0" smtClean="0"/>
+              <a:rPr lang="en-US" dirty="0"/>
               <a:t>Drag &amp; Drop Example</a:t>
             </a:r>
-            <a:endParaRPr lang="en-US" dirty="0"/>
           </a:p>
         </p:txBody>
       </p:sp>
@@ -30802,10 +29987,9 @@
           <a:lstStyle/>
           <a:p>
             <a:r>
-              <a:rPr lang="en-US" dirty="0" smtClean="0"/>
+              <a:rPr lang="en-US" dirty="0"/>
               <a:t>Dragging Item 2 to Zone A</a:t>
             </a:r>
-            <a:endParaRPr lang="en-US" dirty="0"/>
           </a:p>
         </p:txBody>
       </p:sp>
@@ -30988,10 +30172,9 @@
           <a:lstStyle/>
           <a:p>
             <a:r>
-              <a:rPr lang="en-US" dirty="0" smtClean="0"/>
+              <a:rPr lang="en-US" dirty="0"/>
               <a:t>Example</a:t>
             </a:r>
-            <a:endParaRPr lang="en-US" dirty="0"/>
           </a:p>
         </p:txBody>
       </p:sp>
@@ -31011,56 +30194,55 @@
           <a:lstStyle/>
           <a:p>
             <a:r>
-              <a:rPr lang="en-US" dirty="0" smtClean="0"/>
+              <a:rPr lang="en-US" dirty="0"/>
               <a:t>Add a drop area, that allows users to drag items to.</a:t>
             </a:r>
           </a:p>
           <a:p>
             <a:r>
-              <a:rPr lang="en-US" dirty="0" smtClean="0"/>
+              <a:rPr lang="en-US" dirty="0"/>
               <a:t>Will draw two boxes with dashed lines (fixed height 150px)</a:t>
             </a:r>
           </a:p>
           <a:p>
             <a:r>
-              <a:rPr lang="en-US" dirty="0" smtClean="0"/>
+              <a:rPr lang="en-US" dirty="0"/>
               <a:t>Will create an array of items and display the array of items.</a:t>
             </a:r>
           </a:p>
           <a:p>
-            <a:endParaRPr lang="en-US" dirty="0" smtClean="0"/>
-          </a:p>
-          <a:p>
-            <a:pPr marL="114300" indent="0">
-              <a:buNone/>
-            </a:pPr>
-            <a:r>
-              <a:rPr lang="en-US" b="1" dirty="0" smtClean="0"/>
+            <a:endParaRPr lang="en-US" dirty="0"/>
+          </a:p>
+          <a:p>
+            <a:pPr marL="114300" indent="0">
+              <a:buNone/>
+            </a:pPr>
+            <a:r>
+              <a:rPr lang="en-US" b="1" dirty="0"/>
               <a:t>CSS:</a:t>
             </a:r>
-            <a:endParaRPr lang="en-US" b="1" dirty="0"/>
-          </a:p>
-          <a:p>
-            <a:r>
-              <a:rPr lang="en-US" dirty="0" smtClean="0"/>
+          </a:p>
+          <a:p>
+            <a:r>
+              <a:rPr lang="en-US" dirty="0"/>
               <a:t>Two boxes are fixed at the top (slot=fixed)</a:t>
             </a:r>
           </a:p>
           <a:p>
             <a:r>
-              <a:rPr lang="en-US" dirty="0" smtClean="0"/>
+              <a:rPr lang="en-US" dirty="0"/>
               <a:t>Fixed background color, width and height.</a:t>
             </a:r>
           </a:p>
           <a:p>
             <a:r>
-              <a:rPr lang="en-US" dirty="0" smtClean="0"/>
+              <a:rPr lang="en-US" dirty="0"/>
               <a:t>Border is dashed with near 50% width (48%) to compensate for margin width.</a:t>
             </a:r>
           </a:p>
           <a:p>
             <a:r>
-              <a:rPr lang="en-US" dirty="0" smtClean="0"/>
+              <a:rPr lang="en-US" dirty="0"/>
               <a:t>List of items appear below the boxes at margin distance of 160px.</a:t>
             </a:r>
           </a:p>
@@ -31499,18 +30681,18 @@
 </file>
 
 <file path=customXml/item2.xml><?xml version="1.0" encoding="utf-8"?>
-<p:properties xmlns:p="http://schemas.microsoft.com/office/2006/metadata/properties" xmlns:xsi="http://www.w3.org/2001/XMLSchema-instance" xmlns:pc="http://schemas.microsoft.com/office/infopath/2007/PartnerControls">
-  <documentManagement/>
-</p:properties>
-</file>
-
-<file path=customXml/item3.xml><?xml version="1.0" encoding="utf-8"?>
 <?mso-contentType ?>
 <FormTemplates xmlns="http://schemas.microsoft.com/sharepoint/v3/contenttype/forms">
   <Display>DocumentLibraryForm</Display>
   <Edit>DocumentLibraryForm</Edit>
   <New>DocumentLibraryForm</New>
 </FormTemplates>
+</file>
+
+<file path=customXml/item3.xml><?xml version="1.0" encoding="utf-8"?>
+<p:properties xmlns:p="http://schemas.microsoft.com/office/2006/metadata/properties" xmlns:xsi="http://www.w3.org/2001/XMLSchema-instance" xmlns:pc="http://schemas.microsoft.com/office/infopath/2007/PartnerControls">
+  <documentManagement/>
+</p:properties>
 </file>
 
 <file path=customXml/itemProps1.xml><?xml version="1.0" encoding="utf-8"?>
@@ -31533,6 +30715,14 @@
 </file>
 
 <file path=customXml/itemProps2.xml><?xml version="1.0" encoding="utf-8"?>
+<ds:datastoreItem xmlns:ds="http://schemas.openxmlformats.org/officeDocument/2006/customXml" ds:itemID="{998F05C5-E517-49BC-9FFF-62C6A105F7E2}">
+  <ds:schemaRefs>
+    <ds:schemaRef ds:uri="http://schemas.microsoft.com/sharepoint/v3/contenttype/forms"/>
+  </ds:schemaRefs>
+</ds:datastoreItem>
+</file>
+
+<file path=customXml/itemProps3.xml><?xml version="1.0" encoding="utf-8"?>
 <ds:datastoreItem xmlns:ds="http://schemas.openxmlformats.org/officeDocument/2006/customXml" ds:itemID="{41279185-7A1F-4F9E-BCF5-03EE48509D52}">
   <ds:schemaRefs>
     <ds:schemaRef ds:uri="http://purl.org/dc/dcmitype/"/>
@@ -31547,12 +30737,4 @@
     <ds:schemaRef ds:uri="http://purl.org/dc/elements/1.1/"/>
   </ds:schemaRefs>
 </ds:datastoreItem>
-</file>
-
-<file path=customXml/itemProps3.xml><?xml version="1.0" encoding="utf-8"?>
-<ds:datastoreItem xmlns:ds="http://schemas.openxmlformats.org/officeDocument/2006/customXml" ds:itemID="{998F05C5-E517-49BC-9FFF-62C6A105F7E2}">
-  <ds:schemaRefs>
-    <ds:schemaRef ds:uri="http://schemas.microsoft.com/sharepoint/v3/contenttype/forms"/>
-  </ds:schemaRefs>
-</ds:datastoreItem>
 </file>